--- a/documents/Introduction.pptx
+++ b/documents/Introduction.pptx
@@ -5,22 +5,23 @@
     <p:sldMasterId id="2147483648" r:id="rId1"/>
   </p:sldMasterIdLst>
   <p:notesMasterIdLst>
-    <p:notesMasterId r:id="rId15"/>
+    <p:notesMasterId r:id="rId16"/>
   </p:notesMasterIdLst>
   <p:sldIdLst>
     <p:sldId id="256" r:id="rId2"/>
-    <p:sldId id="257" r:id="rId3"/>
-    <p:sldId id="258" r:id="rId4"/>
-    <p:sldId id="261" r:id="rId5"/>
-    <p:sldId id="262" r:id="rId6"/>
-    <p:sldId id="260" r:id="rId7"/>
-    <p:sldId id="263" r:id="rId8"/>
-    <p:sldId id="264" r:id="rId9"/>
-    <p:sldId id="265" r:id="rId10"/>
-    <p:sldId id="267" r:id="rId11"/>
-    <p:sldId id="266" r:id="rId12"/>
-    <p:sldId id="268" r:id="rId13"/>
-    <p:sldId id="269" r:id="rId14"/>
+    <p:sldId id="258" r:id="rId3"/>
+    <p:sldId id="270" r:id="rId4"/>
+    <p:sldId id="271" r:id="rId5"/>
+    <p:sldId id="261" r:id="rId6"/>
+    <p:sldId id="262" r:id="rId7"/>
+    <p:sldId id="260" r:id="rId8"/>
+    <p:sldId id="263" r:id="rId9"/>
+    <p:sldId id="264" r:id="rId10"/>
+    <p:sldId id="265" r:id="rId11"/>
+    <p:sldId id="267" r:id="rId12"/>
+    <p:sldId id="266" r:id="rId13"/>
+    <p:sldId id="268" r:id="rId14"/>
+    <p:sldId id="269" r:id="rId15"/>
   </p:sldIdLst>
   <p:sldSz cx="12192000" cy="6858000"/>
   <p:notesSz cx="6858000" cy="9144000"/>
@@ -220,7 +221,7 @@
           <a:p>
             <a:fld id="{67C8102D-6625-460C-9AF5-7434CFE4F25A}" type="datetimeFigureOut">
               <a:rPr lang="en-DE" smtClean="0"/>
-              <a:t>02/09/2024</a:t>
+              <a:t>03/09/2024</a:t>
             </a:fld>
             <a:endParaRPr lang="en-DE"/>
           </a:p>
@@ -4155,7 +4156,7 @@
           <p:cNvPr id="2" name="Titel 1">
             <a:extLst>
               <a:ext uri="{FF2B5EF4-FFF2-40B4-BE49-F238E27FC236}">
-                <a16:creationId xmlns:a16="http://schemas.microsoft.com/office/drawing/2014/main" id="{3C303236-D279-A180-B8BC-BB79812FA12A}"/>
+                <a16:creationId xmlns:a16="http://schemas.microsoft.com/office/drawing/2014/main" id="{81264B19-BEA1-341E-A167-7776CBBEA8E5}"/>
               </a:ext>
             </a:extLst>
           </p:cNvPr>
@@ -4173,7 +4174,11 @@
           <a:p>
             <a:r>
               <a:rPr lang="de-DE" dirty="0"/>
-              <a:t>Problem and Data</a:t>
+              <a:t>Bayes Theory </a:t>
+            </a:r>
+            <a:r>
+              <a:rPr lang="de-DE" dirty="0" err="1"/>
+              <a:t>Introduction</a:t>
             </a:r>
             <a:endParaRPr lang="en-DE" dirty="0"/>
           </a:p>
@@ -4181,35 +4186,10 @@
       </p:sp>
       <p:sp>
         <p:nvSpPr>
-          <p:cNvPr id="3" name="Inhaltsplatzhalter 2">
-            <a:extLst>
-              <a:ext uri="{FF2B5EF4-FFF2-40B4-BE49-F238E27FC236}">
-                <a16:creationId xmlns:a16="http://schemas.microsoft.com/office/drawing/2014/main" id="{36618206-BEA9-4208-DBA7-4F50BFE46DB5}"/>
-              </a:ext>
-            </a:extLst>
-          </p:cNvPr>
-          <p:cNvSpPr>
-            <a:spLocks noGrp="1"/>
-          </p:cNvSpPr>
-          <p:nvPr>
-            <p:ph idx="1"/>
-          </p:nvPr>
-        </p:nvSpPr>
-        <p:spPr/>
-        <p:txBody>
-          <a:bodyPr/>
-          <a:lstStyle/>
-          <a:p>
-            <a:endParaRPr lang="en-DE"/>
-          </a:p>
-        </p:txBody>
-      </p:sp>
-      <p:sp>
-        <p:nvSpPr>
           <p:cNvPr id="4" name="Fußzeilenplatzhalter 3">
             <a:extLst>
               <a:ext uri="{FF2B5EF4-FFF2-40B4-BE49-F238E27FC236}">
-                <a16:creationId xmlns:a16="http://schemas.microsoft.com/office/drawing/2014/main" id="{FB4E05C7-45CA-5311-3603-E0CD37356206}"/>
+                <a16:creationId xmlns:a16="http://schemas.microsoft.com/office/drawing/2014/main" id="{AE13EFB2-E920-7F98-14C2-9D2B40D9DE22}"/>
               </a:ext>
             </a:extLst>
           </p:cNvPr>
@@ -4230,13 +4210,135 @@
               <a:t>Introduction Bioinformatics, Dr. Denise Welsch</a:t>
             </a:r>
             <a:endParaRPr lang="en-DE"/>
+          </a:p>
+        </p:txBody>
+      </p:sp>
+      <p:pic>
+        <p:nvPicPr>
+          <p:cNvPr id="6" name="Grafik 5">
+            <a:extLst>
+              <a:ext uri="{FF2B5EF4-FFF2-40B4-BE49-F238E27FC236}">
+                <a16:creationId xmlns:a16="http://schemas.microsoft.com/office/drawing/2014/main" id="{0199B530-74FD-1F90-8468-9578F13D851C}"/>
+              </a:ext>
+            </a:extLst>
+          </p:cNvPr>
+          <p:cNvPicPr>
+            <a:picLocks noChangeAspect="1"/>
+          </p:cNvPicPr>
+          <p:nvPr/>
+        </p:nvPicPr>
+        <p:blipFill>
+          <a:blip r:embed="rId2"/>
+          <a:stretch>
+            <a:fillRect/>
+          </a:stretch>
+        </p:blipFill>
+        <p:spPr>
+          <a:xfrm>
+            <a:off x="2971799" y="2774497"/>
+            <a:ext cx="6402639" cy="1775732"/>
+          </a:xfrm>
+          <a:prstGeom prst="rect">
+            <a:avLst/>
+          </a:prstGeom>
+        </p:spPr>
+      </p:pic>
+      <p:sp>
+        <p:nvSpPr>
+          <p:cNvPr id="7" name="Textfeld 6">
+            <a:extLst>
+              <a:ext uri="{FF2B5EF4-FFF2-40B4-BE49-F238E27FC236}">
+                <a16:creationId xmlns:a16="http://schemas.microsoft.com/office/drawing/2014/main" id="{7D58B874-E407-B5CA-5F40-1EC12E16AE88}"/>
+              </a:ext>
+            </a:extLst>
+          </p:cNvPr>
+          <p:cNvSpPr txBox="1"/>
+          <p:nvPr/>
+        </p:nvSpPr>
+        <p:spPr>
+          <a:xfrm>
+            <a:off x="838200" y="5634038"/>
+            <a:ext cx="5918543" cy="369332"/>
+          </a:xfrm>
+          <a:prstGeom prst="rect">
+            <a:avLst/>
+          </a:prstGeom>
+          <a:noFill/>
+        </p:spPr>
+        <p:txBody>
+          <a:bodyPr wrap="none" rtlCol="0">
+            <a:spAutoFit/>
+          </a:bodyPr>
+          <a:lstStyle/>
+          <a:p>
+            <a:r>
+              <a:rPr lang="de-DE" dirty="0"/>
+              <a:t>Out </a:t>
+            </a:r>
+            <a:r>
+              <a:rPr lang="de-DE" dirty="0" err="1"/>
+              <a:t>of</a:t>
+            </a:r>
+            <a:r>
+              <a:rPr lang="de-DE" dirty="0"/>
+              <a:t> </a:t>
+            </a:r>
+            <a:r>
+              <a:rPr lang="de-DE" dirty="0" err="1"/>
+              <a:t>posterior</a:t>
+            </a:r>
+            <a:r>
+              <a:rPr lang="de-DE" dirty="0"/>
+              <a:t>, </a:t>
+            </a:r>
+            <a:r>
+              <a:rPr lang="de-DE" dirty="0" err="1"/>
+              <a:t>credibility</a:t>
+            </a:r>
+            <a:r>
+              <a:rPr lang="de-DE" dirty="0"/>
+              <a:t> </a:t>
+            </a:r>
+            <a:r>
+              <a:rPr lang="de-DE" dirty="0" err="1"/>
+              <a:t>intervals</a:t>
+            </a:r>
+            <a:r>
+              <a:rPr lang="de-DE" dirty="0"/>
+              <a:t> and </a:t>
+            </a:r>
+            <a:r>
+              <a:rPr lang="de-DE" dirty="0" err="1"/>
+              <a:t>methods</a:t>
+            </a:r>
+            <a:r>
+              <a:rPr lang="de-DE" dirty="0"/>
+              <a:t> </a:t>
+            </a:r>
+            <a:r>
+              <a:rPr lang="de-DE" dirty="0" err="1"/>
+              <a:t>for</a:t>
+            </a:r>
+            <a:r>
+              <a:rPr lang="de-DE" dirty="0"/>
+              <a:t> </a:t>
+            </a:r>
+            <a:r>
+              <a:rPr lang="de-DE" dirty="0" err="1"/>
+              <a:t>testing</a:t>
+            </a:r>
+            <a:r>
+              <a:rPr lang="de-DE" dirty="0"/>
+              <a:t>.</a:t>
+            </a:r>
+            <a:endParaRPr lang="en-DE" dirty="0"/>
           </a:p>
         </p:txBody>
       </p:sp>
     </p:spTree>
     <p:extLst>
       <p:ext uri="{BB962C8B-B14F-4D97-AF65-F5344CB8AC3E}">
-        <p14:creationId xmlns:p14="http://schemas.microsoft.com/office/powerpoint/2010/main" val="2170822398"/>
+        <p14:creationId xmlns:p14="http://schemas.microsoft.com/office/powerpoint/2010/main" val="1493391760"/>
       </p:ext>
     </p:extLst>
   </p:cSld>
@@ -4268,6 +4370,119 @@
           <p:cNvPr id="2" name="Titel 1">
             <a:extLst>
               <a:ext uri="{FF2B5EF4-FFF2-40B4-BE49-F238E27FC236}">
+                <a16:creationId xmlns:a16="http://schemas.microsoft.com/office/drawing/2014/main" id="{3C303236-D279-A180-B8BC-BB79812FA12A}"/>
+              </a:ext>
+            </a:extLst>
+          </p:cNvPr>
+          <p:cNvSpPr>
+            <a:spLocks noGrp="1"/>
+          </p:cNvSpPr>
+          <p:nvPr>
+            <p:ph type="title"/>
+          </p:nvPr>
+        </p:nvSpPr>
+        <p:spPr/>
+        <p:txBody>
+          <a:bodyPr/>
+          <a:lstStyle/>
+          <a:p>
+            <a:r>
+              <a:rPr lang="de-DE" dirty="0"/>
+              <a:t>Problem and Data</a:t>
+            </a:r>
+            <a:endParaRPr lang="en-DE" dirty="0"/>
+          </a:p>
+        </p:txBody>
+      </p:sp>
+      <p:sp>
+        <p:nvSpPr>
+          <p:cNvPr id="3" name="Inhaltsplatzhalter 2">
+            <a:extLst>
+              <a:ext uri="{FF2B5EF4-FFF2-40B4-BE49-F238E27FC236}">
+                <a16:creationId xmlns:a16="http://schemas.microsoft.com/office/drawing/2014/main" id="{36618206-BEA9-4208-DBA7-4F50BFE46DB5}"/>
+              </a:ext>
+            </a:extLst>
+          </p:cNvPr>
+          <p:cNvSpPr>
+            <a:spLocks noGrp="1"/>
+          </p:cNvSpPr>
+          <p:nvPr>
+            <p:ph idx="1"/>
+          </p:nvPr>
+        </p:nvSpPr>
+        <p:spPr/>
+        <p:txBody>
+          <a:bodyPr/>
+          <a:lstStyle/>
+          <a:p>
+            <a:endParaRPr lang="en-DE"/>
+          </a:p>
+        </p:txBody>
+      </p:sp>
+      <p:sp>
+        <p:nvSpPr>
+          <p:cNvPr id="4" name="Fußzeilenplatzhalter 3">
+            <a:extLst>
+              <a:ext uri="{FF2B5EF4-FFF2-40B4-BE49-F238E27FC236}">
+                <a16:creationId xmlns:a16="http://schemas.microsoft.com/office/drawing/2014/main" id="{FB4E05C7-45CA-5311-3603-E0CD37356206}"/>
+              </a:ext>
+            </a:extLst>
+          </p:cNvPr>
+          <p:cNvSpPr>
+            <a:spLocks noGrp="1"/>
+          </p:cNvSpPr>
+          <p:nvPr>
+            <p:ph type="ftr" sz="quarter" idx="11"/>
+          </p:nvPr>
+        </p:nvSpPr>
+        <p:spPr/>
+        <p:txBody>
+          <a:bodyPr/>
+          <a:lstStyle/>
+          <a:p>
+            <a:r>
+              <a:rPr lang="en-US"/>
+              <a:t>Introduction Bioinformatics, Dr. Denise Welsch</a:t>
+            </a:r>
+            <a:endParaRPr lang="en-DE"/>
+          </a:p>
+        </p:txBody>
+      </p:sp>
+    </p:spTree>
+    <p:extLst>
+      <p:ext uri="{BB962C8B-B14F-4D97-AF65-F5344CB8AC3E}">
+        <p14:creationId xmlns:p14="http://schemas.microsoft.com/office/powerpoint/2010/main" val="2170822398"/>
+      </p:ext>
+    </p:extLst>
+  </p:cSld>
+  <p:clrMapOvr>
+    <a:masterClrMapping/>
+  </p:clrMapOvr>
+</p:sld>
+</file>
+
+<file path=ppt/slides/slide12.xml><?xml version="1.0" encoding="utf-8"?>
+<p:sld xmlns:a="http://schemas.openxmlformats.org/drawingml/2006/main" xmlns:r="http://schemas.openxmlformats.org/officeDocument/2006/relationships" xmlns:p="http://schemas.openxmlformats.org/presentationml/2006/main">
+  <p:cSld>
+    <p:spTree>
+      <p:nvGrpSpPr>
+        <p:cNvPr id="1" name=""/>
+        <p:cNvGrpSpPr/>
+        <p:nvPr/>
+      </p:nvGrpSpPr>
+      <p:grpSpPr>
+        <a:xfrm>
+          <a:off x="0" y="0"/>
+          <a:ext cx="0" cy="0"/>
+          <a:chOff x="0" y="0"/>
+          <a:chExt cx="0" cy="0"/>
+        </a:xfrm>
+      </p:grpSpPr>
+      <p:sp>
+        <p:nvSpPr>
+          <p:cNvPr id="2" name="Titel 1">
+            <a:extLst>
+              <a:ext uri="{FF2B5EF4-FFF2-40B4-BE49-F238E27FC236}">
                 <a16:creationId xmlns:a16="http://schemas.microsoft.com/office/drawing/2014/main" id="{16425EFF-A71B-574E-5A39-4AD02898D217}"/>
               </a:ext>
             </a:extLst>
@@ -4353,7 +4568,7 @@
         </p:blipFill>
         <p:spPr>
           <a:xfrm rot="5400000">
-            <a:off x="3615844" y="2436841"/>
+            <a:off x="3875618" y="2416059"/>
             <a:ext cx="4231142" cy="3173357"/>
           </a:xfrm>
           <a:prstGeom prst="rect">
@@ -4374,7 +4589,7 @@
 </p:sld>
 </file>
 
-<file path=ppt/slides/slide12.xml><?xml version="1.0" encoding="utf-8"?>
+<file path=ppt/slides/slide13.xml><?xml version="1.0" encoding="utf-8"?>
 <p:sld xmlns:a="http://schemas.openxmlformats.org/drawingml/2006/main" xmlns:r="http://schemas.openxmlformats.org/officeDocument/2006/relationships" xmlns:p="http://schemas.openxmlformats.org/presentationml/2006/main">
   <p:cSld>
     <p:spTree>
@@ -4526,7 +4741,7 @@
 </p:sld>
 </file>
 
-<file path=ppt/slides/slide13.xml><?xml version="1.0" encoding="utf-8"?>
+<file path=ppt/slides/slide14.xml><?xml version="1.0" encoding="utf-8"?>
 <p:sld xmlns:a="http://schemas.openxmlformats.org/drawingml/2006/main" xmlns:r="http://schemas.openxmlformats.org/officeDocument/2006/relationships" xmlns:p="http://schemas.openxmlformats.org/presentationml/2006/main">
   <p:cSld>
     <p:spTree>
@@ -4670,7 +4885,7 @@
           <p:cNvPr id="2" name="Titel 1">
             <a:extLst>
               <a:ext uri="{FF2B5EF4-FFF2-40B4-BE49-F238E27FC236}">
-                <a16:creationId xmlns:a16="http://schemas.microsoft.com/office/drawing/2014/main" id="{5A1B1F20-7A85-0811-C7D5-386CEFC3958F}"/>
+                <a16:creationId xmlns:a16="http://schemas.microsoft.com/office/drawing/2014/main" id="{4288A1AB-749B-7F86-BD3E-3BFFC55CF7F1}"/>
               </a:ext>
             </a:extLst>
           </p:cNvPr>
@@ -4687,216 +4902,816 @@
           <a:lstStyle/>
           <a:p>
             <a:r>
-              <a:rPr lang="en-GB" dirty="0"/>
-              <a:t>Issues to be added. </a:t>
-            </a:r>
-          </a:p>
-        </p:txBody>
-      </p:sp>
-      <p:sp>
-        <p:nvSpPr>
-          <p:cNvPr id="3" name="Inhaltsplatzhalter 2">
-            <a:extLst>
-              <a:ext uri="{FF2B5EF4-FFF2-40B4-BE49-F238E27FC236}">
-                <a16:creationId xmlns:a16="http://schemas.microsoft.com/office/drawing/2014/main" id="{0BCDE523-E250-4EA1-8866-BA2C89D66A15}"/>
-              </a:ext>
-            </a:extLst>
-          </p:cNvPr>
-          <p:cNvSpPr>
-            <a:spLocks noGrp="1"/>
-          </p:cNvSpPr>
-          <p:nvPr>
-            <p:ph idx="1"/>
-          </p:nvPr>
+              <a:rPr lang="de-DE" dirty="0"/>
+              <a:t>GitHub </a:t>
+            </a:r>
+            <a:r>
+              <a:rPr lang="de-DE" dirty="0" err="1"/>
+              <a:t>reyar</a:t>
+            </a:r>
+            <a:r>
+              <a:rPr lang="de-DE" dirty="0"/>
+              <a:t>/</a:t>
+            </a:r>
+            <a:r>
+              <a:rPr lang="de-DE" dirty="0" err="1"/>
+              <a:t>BayesTwoProp</a:t>
+            </a:r>
+            <a:r>
+              <a:rPr lang="de-DE" dirty="0"/>
+              <a:t> Repository</a:t>
+            </a:r>
+            <a:endParaRPr lang="en-DE" dirty="0"/>
+          </a:p>
+        </p:txBody>
+      </p:sp>
+      <p:sp>
+        <p:nvSpPr>
+          <p:cNvPr id="4" name="Fußzeilenplatzhalter 3">
+            <a:extLst>
+              <a:ext uri="{FF2B5EF4-FFF2-40B4-BE49-F238E27FC236}">
+                <a16:creationId xmlns:a16="http://schemas.microsoft.com/office/drawing/2014/main" id="{78DE1938-2602-7354-2F07-321AE0707BA7}"/>
+              </a:ext>
+            </a:extLst>
+          </p:cNvPr>
+          <p:cNvSpPr>
+            <a:spLocks noGrp="1"/>
+          </p:cNvSpPr>
+          <p:nvPr>
+            <p:ph type="ftr" sz="quarter" idx="11"/>
+          </p:nvPr>
+        </p:nvSpPr>
+        <p:spPr/>
+        <p:txBody>
+          <a:bodyPr/>
+          <a:lstStyle/>
+          <a:p>
+            <a:r>
+              <a:rPr lang="en-US"/>
+              <a:t>Introduction Bioinformatics, Dr. Denise Welsch</a:t>
+            </a:r>
+            <a:endParaRPr lang="en-DE"/>
+          </a:p>
+        </p:txBody>
+      </p:sp>
+      <p:sp>
+        <p:nvSpPr>
+          <p:cNvPr id="6" name="Rechteck 5">
+            <a:extLst>
+              <a:ext uri="{FF2B5EF4-FFF2-40B4-BE49-F238E27FC236}">
+                <a16:creationId xmlns:a16="http://schemas.microsoft.com/office/drawing/2014/main" id="{1B4CB72F-E61A-48BC-DBE7-E7D046994FCB}"/>
+              </a:ext>
+            </a:extLst>
+          </p:cNvPr>
+          <p:cNvSpPr/>
+          <p:nvPr/>
         </p:nvSpPr>
         <p:spPr>
           <a:xfrm>
-            <a:off x="838200" y="1825625"/>
-            <a:ext cx="10317480" cy="4351338"/>
+            <a:off x="936171" y="1995488"/>
+            <a:ext cx="5159830" cy="2053998"/>
           </a:xfrm>
+          <a:prstGeom prst="rect">
+            <a:avLst/>
+          </a:prstGeom>
         </p:spPr>
-        <p:txBody>
-          <a:bodyPr>
-            <a:normAutofit/>
-          </a:bodyPr>
-          <a:lstStyle/>
-          <a:p>
-            <a:pPr fontAlgn="base">
-              <a:spcBef>
-                <a:spcPts val="0"/>
-              </a:spcBef>
+        <p:style>
+          <a:lnRef idx="2">
+            <a:schemeClr val="accent1">
+              <a:shade val="15000"/>
+            </a:schemeClr>
+          </a:lnRef>
+          <a:fillRef idx="1">
+            <a:schemeClr val="accent1"/>
+          </a:fillRef>
+          <a:effectRef idx="0">
+            <a:schemeClr val="accent1"/>
+          </a:effectRef>
+          <a:fontRef idx="minor">
+            <a:schemeClr val="lt1"/>
+          </a:fontRef>
+        </p:style>
+        <p:txBody>
+          <a:bodyPr rtlCol="0" anchor="ctr"/>
+          <a:lstStyle/>
+          <a:p>
+            <a:pPr algn="ctr"/>
+            <a:r>
+              <a:rPr lang="de-DE" dirty="0"/>
+              <a:t>GitHub Master</a:t>
+            </a:r>
+          </a:p>
+          <a:p>
+            <a:pPr algn="ctr"/>
+            <a:endParaRPr lang="de-DE" dirty="0"/>
+          </a:p>
+          <a:p>
+            <a:pPr marL="285750" indent="-285750">
+              <a:buFont typeface="Arial" panose="020B0604020202020204" pitchFamily="34" charset="0"/>
+              <a:buChar char="•"/>
             </a:pPr>
             <a:r>
-              <a:rPr lang="en-US" sz="2400" b="0" i="0" u="none" strike="noStrike" dirty="0">
-                <a:solidFill>
-                  <a:srgbClr val="000000"/>
-                </a:solidFill>
-                <a:effectLst/>
-                <a:latin typeface="Calibri" panose="020F0502020204030204" pitchFamily="34" charset="0"/>
-              </a:rPr>
-              <a:t>Revise the code and split it into parts so that it can be executed in the R Posit Cloud (as an automated report) and under shinyapps.com (as  </a:t>
-            </a:r>
-            <a:r>
-              <a:rPr lang="en-US" sz="2400" dirty="0">
-                <a:solidFill>
-                  <a:srgbClr val="000000"/>
-                </a:solidFill>
-                <a:latin typeface="Calibri" panose="020F0502020204030204" pitchFamily="34" charset="0"/>
-              </a:rPr>
-              <a:t>the Shiny </a:t>
-            </a:r>
-            <a:r>
-              <a:rPr lang="en-US" sz="2400" b="0" i="0" u="none" strike="noStrike" dirty="0">
-                <a:solidFill>
-                  <a:srgbClr val="000000"/>
-                </a:solidFill>
-                <a:effectLst/>
-                <a:latin typeface="Calibri" panose="020F0502020204030204" pitchFamily="34" charset="0"/>
-              </a:rPr>
-              <a:t>app) (from a RAM perspective). </a:t>
-            </a:r>
-          </a:p>
-          <a:p>
-            <a:pPr fontAlgn="base">
-              <a:spcBef>
-                <a:spcPts val="0"/>
-              </a:spcBef>
+              <a:rPr lang="de-DE" dirty="0"/>
+              <a:t>Location </a:t>
+            </a:r>
+            <a:r>
+              <a:rPr lang="de-DE" dirty="0" err="1"/>
+              <a:t>of</a:t>
+            </a:r>
+            <a:r>
+              <a:rPr lang="de-DE" dirty="0"/>
+              <a:t> </a:t>
+            </a:r>
+            <a:r>
+              <a:rPr lang="de-DE" dirty="0" err="1"/>
+              <a:t>the</a:t>
+            </a:r>
+            <a:r>
+              <a:rPr lang="de-DE" dirty="0"/>
+              <a:t> </a:t>
+            </a:r>
+            <a:r>
+              <a:rPr lang="de-DE" dirty="0" err="1"/>
+              <a:t>start</a:t>
+            </a:r>
+            <a:r>
+              <a:rPr lang="de-DE" dirty="0"/>
+              <a:t> </a:t>
+            </a:r>
+            <a:r>
+              <a:rPr lang="de-DE" dirty="0" err="1"/>
+              <a:t>version</a:t>
+            </a:r>
+            <a:r>
+              <a:rPr lang="de-DE" dirty="0"/>
+              <a:t> 4.10.2024 and final </a:t>
+            </a:r>
+            <a:r>
+              <a:rPr lang="de-DE" dirty="0" err="1"/>
+              <a:t>version</a:t>
+            </a:r>
+            <a:r>
+              <a:rPr lang="de-DE" dirty="0"/>
+              <a:t> 31.01.2025</a:t>
+            </a:r>
+          </a:p>
+          <a:p>
+            <a:pPr marL="285750" indent="-285750">
+              <a:buFont typeface="Arial" panose="020B0604020202020204" pitchFamily="34" charset="0"/>
+              <a:buChar char="•"/>
             </a:pPr>
             <a:r>
-              <a:rPr lang="en-US" sz="2400" b="0" i="0" u="none" strike="noStrike" dirty="0">
-                <a:solidFill>
-                  <a:srgbClr val="000000"/>
-                </a:solidFill>
-                <a:effectLst/>
-                <a:latin typeface="Calibri" panose="020F0502020204030204" pitchFamily="34" charset="0"/>
-              </a:rPr>
-              <a:t>The Automated Report and the Shiny App will be publicly available and executable.  </a:t>
-            </a:r>
-          </a:p>
-          <a:p>
-            <a:pPr fontAlgn="base">
-              <a:spcBef>
-                <a:spcPts val="0"/>
-              </a:spcBef>
+              <a:rPr lang="de-DE" dirty="0" err="1"/>
+              <a:t>Students</a:t>
+            </a:r>
+            <a:r>
+              <a:rPr lang="de-DE" dirty="0"/>
+              <a:t> </a:t>
+            </a:r>
+            <a:r>
+              <a:rPr lang="de-DE" dirty="0" err="1"/>
+              <a:t>ask</a:t>
+            </a:r>
+            <a:r>
+              <a:rPr lang="de-DE" dirty="0"/>
+              <a:t> </a:t>
+            </a:r>
+            <a:r>
+              <a:rPr lang="de-DE" dirty="0" err="1"/>
+              <a:t>to</a:t>
+            </a:r>
+            <a:r>
+              <a:rPr lang="de-DE" dirty="0"/>
+              <a:t> </a:t>
+            </a:r>
+            <a:r>
+              <a:rPr lang="de-DE" dirty="0" err="1"/>
+              <a:t>write</a:t>
+            </a:r>
+            <a:r>
+              <a:rPr lang="de-DE" dirty="0"/>
+              <a:t> on Master </a:t>
+            </a:r>
+            <a:r>
+              <a:rPr lang="de-DE" dirty="0" err="1"/>
+              <a:t>by</a:t>
+            </a:r>
+            <a:r>
+              <a:rPr lang="de-DE" dirty="0"/>
+              <a:t> </a:t>
+            </a:r>
+            <a:r>
+              <a:rPr lang="de-DE" dirty="0" err="1"/>
+              <a:t>creating</a:t>
+            </a:r>
+            <a:r>
+              <a:rPr lang="de-DE" dirty="0"/>
+              <a:t> a „Pull </a:t>
+            </a:r>
+            <a:r>
+              <a:rPr lang="de-DE" dirty="0" err="1"/>
+              <a:t>Requests</a:t>
+            </a:r>
+            <a:r>
+              <a:rPr lang="de-DE" dirty="0"/>
+              <a:t>“</a:t>
+            </a:r>
+            <a:endParaRPr lang="en-DE" dirty="0"/>
+          </a:p>
+        </p:txBody>
+      </p:sp>
+      <p:sp>
+        <p:nvSpPr>
+          <p:cNvPr id="7" name="Rechteck 6">
+            <a:extLst>
+              <a:ext uri="{FF2B5EF4-FFF2-40B4-BE49-F238E27FC236}">
+                <a16:creationId xmlns:a16="http://schemas.microsoft.com/office/drawing/2014/main" id="{F6A93CBB-18E1-236F-4990-6042F6BD66C2}"/>
+              </a:ext>
+            </a:extLst>
+          </p:cNvPr>
+          <p:cNvSpPr/>
+          <p:nvPr/>
+        </p:nvSpPr>
+        <p:spPr>
+          <a:xfrm>
+            <a:off x="979714" y="4288518"/>
+            <a:ext cx="5072744" cy="1828800"/>
+          </a:xfrm>
+          <a:prstGeom prst="rect">
+            <a:avLst/>
+          </a:prstGeom>
+        </p:spPr>
+        <p:style>
+          <a:lnRef idx="2">
+            <a:schemeClr val="accent1">
+              <a:shade val="15000"/>
+            </a:schemeClr>
+          </a:lnRef>
+          <a:fillRef idx="1">
+            <a:schemeClr val="accent1"/>
+          </a:fillRef>
+          <a:effectRef idx="0">
+            <a:schemeClr val="accent1"/>
+          </a:effectRef>
+          <a:fontRef idx="minor">
+            <a:schemeClr val="lt1"/>
+          </a:fontRef>
+        </p:style>
+        <p:txBody>
+          <a:bodyPr rtlCol="0" anchor="ctr"/>
+          <a:lstStyle/>
+          <a:p>
+            <a:pPr algn="ctr"/>
+            <a:r>
+              <a:rPr lang="de-DE" dirty="0" err="1"/>
+              <a:t>Local</a:t>
+            </a:r>
+            <a:r>
+              <a:rPr lang="de-DE" dirty="0"/>
+              <a:t> Master </a:t>
+            </a:r>
+            <a:r>
+              <a:rPr lang="de-DE" dirty="0" err="1"/>
+              <a:t>or</a:t>
+            </a:r>
+            <a:r>
+              <a:rPr lang="de-DE" dirty="0"/>
+              <a:t> R </a:t>
+            </a:r>
+            <a:r>
+              <a:rPr lang="de-DE" dirty="0" err="1"/>
+              <a:t>Posit</a:t>
+            </a:r>
+            <a:r>
+              <a:rPr lang="de-DE" dirty="0"/>
+              <a:t> Master</a:t>
+            </a:r>
+          </a:p>
+          <a:p>
+            <a:pPr algn="ctr"/>
+            <a:endParaRPr lang="de-DE" dirty="0"/>
+          </a:p>
+          <a:p>
+            <a:pPr marL="285750" indent="-285750">
+              <a:buFont typeface="Arial" panose="020B0604020202020204" pitchFamily="34" charset="0"/>
+              <a:buChar char="•"/>
             </a:pPr>
             <a:r>
-              <a:rPr lang="en-US" sz="2400" b="0" i="0" u="none" strike="noStrike" dirty="0">
-                <a:solidFill>
-                  <a:srgbClr val="000000"/>
-                </a:solidFill>
-                <a:effectLst/>
-                <a:latin typeface="Calibri" panose="020F0502020204030204" pitchFamily="34" charset="0"/>
-              </a:rPr>
-              <a:t>Complete the report with interpretation of all required tables and graphics into natural language</a:t>
-            </a:r>
-          </a:p>
-          <a:p>
-            <a:pPr fontAlgn="base">
-              <a:spcBef>
-                <a:spcPts val="0"/>
-              </a:spcBef>
+              <a:rPr lang="de-DE" dirty="0"/>
+              <a:t>Copy </a:t>
+            </a:r>
+            <a:r>
+              <a:rPr lang="de-DE" dirty="0" err="1"/>
+              <a:t>of</a:t>
+            </a:r>
+            <a:r>
+              <a:rPr lang="de-DE" dirty="0"/>
+              <a:t> </a:t>
+            </a:r>
+            <a:r>
+              <a:rPr lang="de-DE" dirty="0" err="1"/>
+              <a:t>the</a:t>
+            </a:r>
+            <a:r>
+              <a:rPr lang="de-DE" dirty="0"/>
+              <a:t> Master</a:t>
+            </a:r>
+          </a:p>
+          <a:p>
+            <a:pPr marL="285750" indent="-285750">
+              <a:buFont typeface="Arial" panose="020B0604020202020204" pitchFamily="34" charset="0"/>
+              <a:buChar char="•"/>
             </a:pPr>
             <a:r>
-              <a:rPr lang="en-US" sz="2400" b="0" i="0" u="none" strike="noStrike" dirty="0">
-                <a:solidFill>
-                  <a:srgbClr val="000000"/>
-                </a:solidFill>
-                <a:effectLst/>
-                <a:latin typeface="Calibri" panose="020F0502020204030204" pitchFamily="34" charset="0"/>
-              </a:rPr>
-              <a:t>Issue: Data entry options </a:t>
-            </a:r>
-          </a:p>
-          <a:p>
-            <a:pPr fontAlgn="base">
-              <a:spcBef>
-                <a:spcPts val="0"/>
-              </a:spcBef>
+              <a:rPr lang="de-DE" dirty="0"/>
+              <a:t>Pull/Push </a:t>
+            </a:r>
+            <a:r>
+              <a:rPr lang="de-DE" dirty="0" err="1"/>
+              <a:t>by</a:t>
+            </a:r>
+            <a:r>
+              <a:rPr lang="de-DE" dirty="0"/>
+              <a:t> Client GitHub Desktop (</a:t>
+            </a:r>
+            <a:r>
+              <a:rPr lang="de-DE" dirty="0" err="1"/>
+              <a:t>local</a:t>
+            </a:r>
+            <a:r>
+              <a:rPr lang="de-DE" dirty="0"/>
+              <a:t>) </a:t>
+            </a:r>
+            <a:r>
+              <a:rPr lang="de-DE" dirty="0" err="1"/>
+              <a:t>or</a:t>
+            </a:r>
+            <a:r>
+              <a:rPr lang="de-DE" dirty="0"/>
+              <a:t> in </a:t>
+            </a:r>
+            <a:r>
+              <a:rPr lang="de-DE" dirty="0" err="1"/>
+              <a:t>the</a:t>
+            </a:r>
+            <a:r>
+              <a:rPr lang="de-DE" dirty="0"/>
+              <a:t> R </a:t>
+            </a:r>
+            <a:r>
+              <a:rPr lang="de-DE" dirty="0" err="1"/>
+              <a:t>Posit</a:t>
+            </a:r>
+            <a:r>
+              <a:rPr lang="de-DE" dirty="0"/>
+              <a:t> Cloud </a:t>
+            </a:r>
+            <a:endParaRPr lang="en-DE" dirty="0"/>
+          </a:p>
+        </p:txBody>
+      </p:sp>
+      <p:sp>
+        <p:nvSpPr>
+          <p:cNvPr id="8" name="Rechteck 7">
+            <a:extLst>
+              <a:ext uri="{FF2B5EF4-FFF2-40B4-BE49-F238E27FC236}">
+                <a16:creationId xmlns:a16="http://schemas.microsoft.com/office/drawing/2014/main" id="{A9FBE012-212D-56D7-E858-A45D3E5D376A}"/>
+              </a:ext>
+            </a:extLst>
+          </p:cNvPr>
+          <p:cNvSpPr/>
+          <p:nvPr/>
+        </p:nvSpPr>
+        <p:spPr>
+          <a:xfrm>
+            <a:off x="6803572" y="1992086"/>
+            <a:ext cx="4789714" cy="1828800"/>
+          </a:xfrm>
+          <a:prstGeom prst="rect">
+            <a:avLst/>
+          </a:prstGeom>
+        </p:spPr>
+        <p:style>
+          <a:lnRef idx="2">
+            <a:schemeClr val="accent1">
+              <a:shade val="15000"/>
+            </a:schemeClr>
+          </a:lnRef>
+          <a:fillRef idx="1">
+            <a:schemeClr val="accent1"/>
+          </a:fillRef>
+          <a:effectRef idx="0">
+            <a:schemeClr val="accent1"/>
+          </a:effectRef>
+          <a:fontRef idx="minor">
+            <a:schemeClr val="lt1"/>
+          </a:fontRef>
+        </p:style>
+        <p:txBody>
+          <a:bodyPr rtlCol="0" anchor="ctr"/>
+          <a:lstStyle/>
+          <a:p>
+            <a:pPr algn="ctr"/>
+            <a:r>
+              <a:rPr lang="de-DE" dirty="0"/>
+              <a:t>GitHub Branch</a:t>
+            </a:r>
+          </a:p>
+          <a:p>
+            <a:pPr algn="ctr"/>
+            <a:endParaRPr lang="de-DE" dirty="0"/>
+          </a:p>
+          <a:p>
+            <a:pPr marL="285750" indent="-285750">
+              <a:buFont typeface="Arial" panose="020B0604020202020204" pitchFamily="34" charset="0"/>
+              <a:buChar char="•"/>
             </a:pPr>
             <a:r>
-              <a:rPr lang="en-US" sz="2400" b="0" i="0" u="none" strike="noStrike" dirty="0">
-                <a:solidFill>
-                  <a:srgbClr val="000000"/>
-                </a:solidFill>
-                <a:effectLst/>
-                <a:latin typeface="Calibri" panose="020F0502020204030204" pitchFamily="34" charset="0"/>
-              </a:rPr>
-              <a:t>Issue: Functions of the parameters </a:t>
-            </a:r>
-          </a:p>
-          <a:p>
-            <a:pPr fontAlgn="base">
-              <a:spcBef>
-                <a:spcPts val="0"/>
-              </a:spcBef>
+              <a:rPr lang="de-DE" dirty="0" err="1"/>
+              <a:t>Temporary</a:t>
+            </a:r>
+            <a:r>
+              <a:rPr lang="de-DE" dirty="0"/>
+              <a:t> </a:t>
+            </a:r>
+            <a:r>
+              <a:rPr lang="de-DE" dirty="0" err="1"/>
+              <a:t>working</a:t>
+            </a:r>
+            <a:r>
+              <a:rPr lang="de-DE" dirty="0"/>
+              <a:t> </a:t>
+            </a:r>
+            <a:r>
+              <a:rPr lang="de-DE" dirty="0" err="1"/>
+              <a:t>copy</a:t>
+            </a:r>
+            <a:r>
+              <a:rPr lang="de-DE" dirty="0"/>
+              <a:t> </a:t>
+            </a:r>
+            <a:r>
+              <a:rPr lang="de-DE" dirty="0" err="1"/>
+              <a:t>of</a:t>
+            </a:r>
+            <a:r>
+              <a:rPr lang="de-DE" dirty="0"/>
+              <a:t> </a:t>
+            </a:r>
+            <a:r>
+              <a:rPr lang="de-DE" dirty="0" err="1"/>
+              <a:t>the</a:t>
+            </a:r>
+            <a:r>
+              <a:rPr lang="de-DE" dirty="0"/>
+              <a:t> </a:t>
+            </a:r>
+            <a:r>
+              <a:rPr lang="de-DE" dirty="0" err="1"/>
+              <a:t>master</a:t>
+            </a:r>
+            <a:r>
+              <a:rPr lang="de-DE" dirty="0"/>
+              <a:t> </a:t>
+            </a:r>
+          </a:p>
+          <a:p>
+            <a:pPr marL="285750" indent="-285750">
+              <a:buFont typeface="Arial" panose="020B0604020202020204" pitchFamily="34" charset="0"/>
+              <a:buChar char="•"/>
             </a:pPr>
             <a:r>
-              <a:rPr lang="en-US" sz="2400" b="0" i="0" u="none" strike="noStrike" dirty="0">
-                <a:solidFill>
-                  <a:srgbClr val="000000"/>
-                </a:solidFill>
-                <a:effectLst/>
-                <a:latin typeface="Calibri" panose="020F0502020204030204" pitchFamily="34" charset="0"/>
-              </a:rPr>
-              <a:t>Issue testing and automated testing </a:t>
-            </a:r>
-          </a:p>
-          <a:p>
-            <a:pPr fontAlgn="base">
-              <a:spcBef>
-                <a:spcPts val="0"/>
-              </a:spcBef>
+              <a:rPr lang="de-DE" dirty="0"/>
+              <a:t>Pull/Push </a:t>
+            </a:r>
+            <a:r>
+              <a:rPr lang="de-DE" dirty="0" err="1"/>
+              <a:t>to</a:t>
+            </a:r>
+            <a:r>
+              <a:rPr lang="de-DE" dirty="0"/>
+              <a:t> GitHub Master </a:t>
+            </a:r>
+            <a:r>
+              <a:rPr lang="de-DE" dirty="0" err="1"/>
+              <a:t>by</a:t>
+            </a:r>
+            <a:r>
+              <a:rPr lang="de-DE" dirty="0"/>
+              <a:t> Pull </a:t>
+            </a:r>
+            <a:r>
+              <a:rPr lang="de-DE" dirty="0" err="1"/>
+              <a:t>Requests</a:t>
+            </a:r>
+            <a:endParaRPr lang="en-DE" dirty="0"/>
+          </a:p>
+        </p:txBody>
+      </p:sp>
+      <p:sp>
+        <p:nvSpPr>
+          <p:cNvPr id="9" name="Rechteck 8">
+            <a:extLst>
+              <a:ext uri="{FF2B5EF4-FFF2-40B4-BE49-F238E27FC236}">
+                <a16:creationId xmlns:a16="http://schemas.microsoft.com/office/drawing/2014/main" id="{90A26A68-8D50-4A88-E4AF-327B18D5F4C1}"/>
+              </a:ext>
+            </a:extLst>
+          </p:cNvPr>
+          <p:cNvSpPr/>
+          <p:nvPr/>
+        </p:nvSpPr>
+        <p:spPr>
+          <a:xfrm>
+            <a:off x="6803572" y="4226152"/>
+            <a:ext cx="4789713" cy="1828800"/>
+          </a:xfrm>
+          <a:prstGeom prst="rect">
+            <a:avLst/>
+          </a:prstGeom>
+        </p:spPr>
+        <p:style>
+          <a:lnRef idx="2">
+            <a:schemeClr val="accent1">
+              <a:shade val="15000"/>
+            </a:schemeClr>
+          </a:lnRef>
+          <a:fillRef idx="1">
+            <a:schemeClr val="accent1"/>
+          </a:fillRef>
+          <a:effectRef idx="0">
+            <a:schemeClr val="accent1"/>
+          </a:effectRef>
+          <a:fontRef idx="minor">
+            <a:schemeClr val="lt1"/>
+          </a:fontRef>
+        </p:style>
+        <p:txBody>
+          <a:bodyPr rtlCol="0" anchor="ctr"/>
+          <a:lstStyle/>
+          <a:p>
+            <a:pPr algn="ctr"/>
+            <a:r>
+              <a:rPr lang="de-DE" dirty="0" err="1"/>
+              <a:t>Local</a:t>
+            </a:r>
+            <a:r>
+              <a:rPr lang="de-DE" dirty="0"/>
+              <a:t> Branch </a:t>
+            </a:r>
+            <a:r>
+              <a:rPr lang="de-DE" dirty="0" err="1"/>
+              <a:t>or</a:t>
+            </a:r>
+            <a:r>
+              <a:rPr lang="de-DE" dirty="0"/>
+              <a:t> R </a:t>
+            </a:r>
+            <a:r>
+              <a:rPr lang="de-DE" dirty="0" err="1"/>
+              <a:t>Posit</a:t>
+            </a:r>
+            <a:r>
+              <a:rPr lang="de-DE" dirty="0"/>
+              <a:t> Branch</a:t>
+            </a:r>
+          </a:p>
+          <a:p>
+            <a:pPr algn="ctr"/>
+            <a:endParaRPr lang="de-DE" dirty="0"/>
+          </a:p>
+          <a:p>
+            <a:pPr marL="285750" indent="-285750">
+              <a:buFont typeface="Arial" panose="020B0604020202020204" pitchFamily="34" charset="0"/>
+              <a:buChar char="•"/>
             </a:pPr>
             <a:r>
-              <a:rPr lang="en-US" sz="2400" b="0" i="0" u="none" strike="noStrike" dirty="0">
-                <a:solidFill>
-                  <a:srgbClr val="000000"/>
-                </a:solidFill>
-                <a:effectLst/>
-                <a:latin typeface="Calibri" panose="020F0502020204030204" pitchFamily="34" charset="0"/>
-              </a:rPr>
-              <a:t>Issue revision of previous interpretations</a:t>
-            </a:r>
-            <a:br>
               <a:rPr lang="de-DE" dirty="0"/>
-            </a:br>
+              <a:t>Copy </a:t>
+            </a:r>
+            <a:r>
+              <a:rPr lang="de-DE" dirty="0" err="1"/>
+              <a:t>of</a:t>
+            </a:r>
+            <a:r>
+              <a:rPr lang="de-DE" dirty="0"/>
+              <a:t> </a:t>
+            </a:r>
+            <a:r>
+              <a:rPr lang="de-DE" dirty="0" err="1"/>
+              <a:t>the</a:t>
+            </a:r>
+            <a:r>
+              <a:rPr lang="de-DE" dirty="0"/>
+              <a:t> </a:t>
+            </a:r>
+            <a:r>
+              <a:rPr lang="de-DE" dirty="0" err="1"/>
+              <a:t>working</a:t>
+            </a:r>
+            <a:r>
+              <a:rPr lang="de-DE" dirty="0"/>
+              <a:t> </a:t>
+            </a:r>
+            <a:r>
+              <a:rPr lang="de-DE" dirty="0" err="1"/>
+              <a:t>branch</a:t>
+            </a:r>
+            <a:endParaRPr lang="de-DE" dirty="0"/>
+          </a:p>
+          <a:p>
+            <a:pPr marL="285750" indent="-285750">
+              <a:buFont typeface="Arial" panose="020B0604020202020204" pitchFamily="34" charset="0"/>
+              <a:buChar char="•"/>
+            </a:pPr>
+            <a:r>
+              <a:rPr lang="de-DE" dirty="0"/>
+              <a:t>Pull/Push </a:t>
+            </a:r>
+            <a:r>
+              <a:rPr lang="de-DE" dirty="0" err="1"/>
+              <a:t>to</a:t>
+            </a:r>
+            <a:r>
+              <a:rPr lang="de-DE" dirty="0"/>
+              <a:t> GitHub Branch </a:t>
+            </a:r>
+            <a:r>
+              <a:rPr lang="de-DE" dirty="0" err="1"/>
+              <a:t>by</a:t>
+            </a:r>
+            <a:r>
+              <a:rPr lang="de-DE" dirty="0"/>
+              <a:t> Client GitHub Desktop (</a:t>
+            </a:r>
+            <a:r>
+              <a:rPr lang="de-DE" dirty="0" err="1"/>
+              <a:t>local</a:t>
+            </a:r>
+            <a:r>
+              <a:rPr lang="de-DE" dirty="0"/>
+              <a:t>) </a:t>
+            </a:r>
+            <a:r>
+              <a:rPr lang="de-DE" dirty="0" err="1"/>
+              <a:t>or</a:t>
+            </a:r>
+            <a:r>
+              <a:rPr lang="de-DE" dirty="0"/>
+              <a:t> in </a:t>
+            </a:r>
+            <a:r>
+              <a:rPr lang="de-DE" dirty="0" err="1"/>
+              <a:t>the</a:t>
+            </a:r>
+            <a:r>
+              <a:rPr lang="de-DE" dirty="0"/>
+              <a:t> R </a:t>
+            </a:r>
+            <a:r>
+              <a:rPr lang="de-DE" dirty="0" err="1"/>
+              <a:t>Posit</a:t>
+            </a:r>
+            <a:r>
+              <a:rPr lang="de-DE" dirty="0"/>
+              <a:t> Cloud </a:t>
+            </a:r>
             <a:endParaRPr lang="en-DE" dirty="0"/>
           </a:p>
         </p:txBody>
       </p:sp>
-      <p:sp>
-        <p:nvSpPr>
-          <p:cNvPr id="6" name="Fußzeilenplatzhalter 5">
-            <a:extLst>
-              <a:ext uri="{FF2B5EF4-FFF2-40B4-BE49-F238E27FC236}">
-                <a16:creationId xmlns:a16="http://schemas.microsoft.com/office/drawing/2014/main" id="{CC2CFC23-BD3B-13E2-412E-DA9619DE3C11}"/>
-              </a:ext>
-            </a:extLst>
-          </p:cNvPr>
-          <p:cNvSpPr>
-            <a:spLocks noGrp="1"/>
-          </p:cNvSpPr>
-          <p:nvPr>
-            <p:ph type="ftr" sz="quarter" idx="11"/>
-          </p:nvPr>
-        </p:nvSpPr>
-        <p:spPr/>
-        <p:txBody>
-          <a:bodyPr/>
-          <a:lstStyle/>
-          <a:p>
-            <a:r>
-              <a:rPr lang="en-US"/>
-              <a:t>Introduction Bioinformatics, Dr. Denise Welsch</a:t>
-            </a:r>
-            <a:endParaRPr lang="en-DE"/>
-          </a:p>
-        </p:txBody>
-      </p:sp>
+      <p:cxnSp>
+        <p:nvCxnSpPr>
+          <p:cNvPr id="11" name="Gerade Verbindung mit Pfeil 10">
+            <a:extLst>
+              <a:ext uri="{FF2B5EF4-FFF2-40B4-BE49-F238E27FC236}">
+                <a16:creationId xmlns:a16="http://schemas.microsoft.com/office/drawing/2014/main" id="{3A149424-5C60-E218-437F-94A202A553E1}"/>
+              </a:ext>
+            </a:extLst>
+          </p:cNvPr>
+          <p:cNvCxnSpPr>
+            <a:cxnSpLocks/>
+            <a:stCxn id="8" idx="2"/>
+            <a:endCxn id="9" idx="0"/>
+          </p:cNvCxnSpPr>
+          <p:nvPr/>
+        </p:nvCxnSpPr>
+        <p:spPr>
+          <a:xfrm>
+            <a:off x="9198429" y="3820886"/>
+            <a:ext cx="0" cy="405266"/>
+          </a:xfrm>
+          <a:prstGeom prst="straightConnector1">
+            <a:avLst/>
+          </a:prstGeom>
+          <a:ln>
+            <a:headEnd type="triangle"/>
+            <a:tailEnd type="triangle"/>
+          </a:ln>
+        </p:spPr>
+        <p:style>
+          <a:lnRef idx="3">
+            <a:schemeClr val="accent2"/>
+          </a:lnRef>
+          <a:fillRef idx="0">
+            <a:schemeClr val="accent2"/>
+          </a:fillRef>
+          <a:effectRef idx="2">
+            <a:schemeClr val="accent2"/>
+          </a:effectRef>
+          <a:fontRef idx="minor">
+            <a:schemeClr val="tx1"/>
+          </a:fontRef>
+        </p:style>
+      </p:cxnSp>
+      <p:cxnSp>
+        <p:nvCxnSpPr>
+          <p:cNvPr id="14" name="Gerade Verbindung mit Pfeil 13">
+            <a:extLst>
+              <a:ext uri="{FF2B5EF4-FFF2-40B4-BE49-F238E27FC236}">
+                <a16:creationId xmlns:a16="http://schemas.microsoft.com/office/drawing/2014/main" id="{C43193D6-99E8-0271-4BA2-B672958DC941}"/>
+              </a:ext>
+            </a:extLst>
+          </p:cNvPr>
+          <p:cNvCxnSpPr>
+            <a:cxnSpLocks/>
+            <a:stCxn id="8" idx="1"/>
+          </p:cNvCxnSpPr>
+          <p:nvPr/>
+        </p:nvCxnSpPr>
+        <p:spPr>
+          <a:xfrm flipH="1">
+            <a:off x="6096000" y="2906486"/>
+            <a:ext cx="707572" cy="0"/>
+          </a:xfrm>
+          <a:prstGeom prst="straightConnector1">
+            <a:avLst/>
+          </a:prstGeom>
+          <a:ln>
+            <a:tailEnd type="triangle"/>
+          </a:ln>
+        </p:spPr>
+        <p:style>
+          <a:lnRef idx="3">
+            <a:schemeClr val="accent2"/>
+          </a:lnRef>
+          <a:fillRef idx="0">
+            <a:schemeClr val="accent2"/>
+          </a:fillRef>
+          <a:effectRef idx="2">
+            <a:schemeClr val="accent2"/>
+          </a:effectRef>
+          <a:fontRef idx="minor">
+            <a:schemeClr val="tx1"/>
+          </a:fontRef>
+        </p:style>
+      </p:cxnSp>
+      <p:cxnSp>
+        <p:nvCxnSpPr>
+          <p:cNvPr id="18" name="Gerade Verbindung mit Pfeil 17">
+            <a:extLst>
+              <a:ext uri="{FF2B5EF4-FFF2-40B4-BE49-F238E27FC236}">
+                <a16:creationId xmlns:a16="http://schemas.microsoft.com/office/drawing/2014/main" id="{79DD7991-AC41-65EA-7280-4E1D2EA62CC9}"/>
+              </a:ext>
+            </a:extLst>
+          </p:cNvPr>
+          <p:cNvCxnSpPr>
+            <a:stCxn id="6" idx="2"/>
+            <a:endCxn id="7" idx="0"/>
+          </p:cNvCxnSpPr>
+          <p:nvPr/>
+        </p:nvCxnSpPr>
+        <p:spPr>
+          <a:xfrm>
+            <a:off x="3516086" y="4049486"/>
+            <a:ext cx="0" cy="239032"/>
+          </a:xfrm>
+          <a:prstGeom prst="straightConnector1">
+            <a:avLst/>
+          </a:prstGeom>
+          <a:ln>
+            <a:headEnd type="triangle"/>
+            <a:tailEnd type="triangle"/>
+          </a:ln>
+        </p:spPr>
+        <p:style>
+          <a:lnRef idx="3">
+            <a:schemeClr val="accent2"/>
+          </a:lnRef>
+          <a:fillRef idx="0">
+            <a:schemeClr val="accent2"/>
+          </a:fillRef>
+          <a:effectRef idx="2">
+            <a:schemeClr val="accent2"/>
+          </a:effectRef>
+          <a:fontRef idx="minor">
+            <a:schemeClr val="tx1"/>
+          </a:fontRef>
+        </p:style>
+      </p:cxnSp>
     </p:spTree>
     <p:extLst>
       <p:ext uri="{BB962C8B-B14F-4D97-AF65-F5344CB8AC3E}">
-        <p14:creationId xmlns:p14="http://schemas.microsoft.com/office/powerpoint/2010/main" val="4076438827"/>
+        <p14:creationId xmlns:p14="http://schemas.microsoft.com/office/powerpoint/2010/main" val="1839340184"/>
       </p:ext>
     </p:extLst>
   </p:cSld>
@@ -4946,39 +5761,9 @@
           <a:p>
             <a:r>
               <a:rPr lang="de-DE" dirty="0"/>
-              <a:t>Clouds and Communication</a:t>
+              <a:t>Communication</a:t>
             </a:r>
             <a:endParaRPr lang="en-DE" dirty="0"/>
-          </a:p>
-        </p:txBody>
-      </p:sp>
-      <p:sp>
-        <p:nvSpPr>
-          <p:cNvPr id="3" name="Inhaltsplatzhalter 2">
-            <a:extLst>
-              <a:ext uri="{FF2B5EF4-FFF2-40B4-BE49-F238E27FC236}">
-                <a16:creationId xmlns:a16="http://schemas.microsoft.com/office/drawing/2014/main" id="{E7D38D96-EB06-6E8A-83B1-BBFF7E578035}"/>
-              </a:ext>
-            </a:extLst>
-          </p:cNvPr>
-          <p:cNvSpPr>
-            <a:spLocks noGrp="1"/>
-          </p:cNvSpPr>
-          <p:nvPr>
-            <p:ph idx="1"/>
-          </p:nvPr>
-        </p:nvSpPr>
-        <p:spPr/>
-        <p:txBody>
-          <a:bodyPr>
-            <a:normAutofit/>
-          </a:bodyPr>
-          <a:lstStyle/>
-          <a:p>
-            <a:pPr marL="0" indent="0">
-              <a:buNone/>
-            </a:pPr>
-            <a:endParaRPr lang="en-DE" sz="1600" dirty="0"/>
           </a:p>
         </p:txBody>
       </p:sp>
@@ -5008,13 +5793,99 @@
               <a:t>Introduction Bioinformatics, Dr. Denise Welsch</a:t>
             </a:r>
             <a:endParaRPr lang="en-DE"/>
+          </a:p>
+        </p:txBody>
+      </p:sp>
+      <p:sp>
+        <p:nvSpPr>
+          <p:cNvPr id="3" name="Textfeld 2">
+            <a:extLst>
+              <a:ext uri="{FF2B5EF4-FFF2-40B4-BE49-F238E27FC236}">
+                <a16:creationId xmlns:a16="http://schemas.microsoft.com/office/drawing/2014/main" id="{D56F2229-4569-ED26-E491-75E18DE179E1}"/>
+              </a:ext>
+            </a:extLst>
+          </p:cNvPr>
+          <p:cNvSpPr txBox="1"/>
+          <p:nvPr/>
+        </p:nvSpPr>
+        <p:spPr>
+          <a:xfrm>
+            <a:off x="957943" y="2905780"/>
+            <a:ext cx="7304757" cy="954107"/>
+          </a:xfrm>
+          <a:prstGeom prst="rect">
+            <a:avLst/>
+          </a:prstGeom>
+          <a:noFill/>
+        </p:spPr>
+        <p:txBody>
+          <a:bodyPr wrap="none" rtlCol="0">
+            <a:spAutoFit/>
+          </a:bodyPr>
+          <a:lstStyle/>
+          <a:p>
+            <a:pPr marL="457200" indent="-457200">
+              <a:buFont typeface="Arial" panose="020B0604020202020204" pitchFamily="34" charset="0"/>
+              <a:buChar char="•"/>
+            </a:pPr>
+            <a:r>
+              <a:rPr lang="de-DE" sz="2800" dirty="0"/>
+              <a:t>GitHub: </a:t>
+            </a:r>
+            <a:r>
+              <a:rPr lang="de-DE" sz="2800" dirty="0" err="1"/>
+              <a:t>Issues</a:t>
+            </a:r>
+            <a:r>
+              <a:rPr lang="de-DE" sz="2800" dirty="0"/>
+              <a:t>. </a:t>
+            </a:r>
+          </a:p>
+          <a:p>
+            <a:pPr marL="457200" indent="-457200">
+              <a:buFont typeface="Arial" panose="020B0604020202020204" pitchFamily="34" charset="0"/>
+              <a:buChar char="•"/>
+            </a:pPr>
+            <a:r>
+              <a:rPr lang="de-DE" sz="2800" dirty="0" err="1"/>
+              <a:t>Olat</a:t>
+            </a:r>
+            <a:r>
+              <a:rPr lang="de-DE" sz="2800" dirty="0"/>
+              <a:t>: </a:t>
+            </a:r>
+            <a:r>
+              <a:rPr lang="de-DE" sz="2800" dirty="0" err="1"/>
+              <a:t>Only</a:t>
+            </a:r>
+            <a:r>
+              <a:rPr lang="de-DE" sz="2800" dirty="0"/>
+              <a:t> </a:t>
+            </a:r>
+            <a:r>
+              <a:rPr lang="de-DE" sz="2800" dirty="0" err="1"/>
+              <a:t>for</a:t>
+            </a:r>
+            <a:r>
+              <a:rPr lang="de-DE" sz="2800" dirty="0"/>
+              <a:t> </a:t>
+            </a:r>
+            <a:r>
+              <a:rPr lang="en-GB" sz="2800" dirty="0"/>
+              <a:t>announcements</a:t>
+            </a:r>
+            <a:r>
+              <a:rPr lang="de-DE" sz="2800" dirty="0"/>
+              <a:t> (Mitteilungen).</a:t>
+            </a:r>
+            <a:endParaRPr lang="en-DE" sz="2800" dirty="0"/>
           </a:p>
         </p:txBody>
       </p:sp>
     </p:spTree>
     <p:extLst>
       <p:ext uri="{BB962C8B-B14F-4D97-AF65-F5344CB8AC3E}">
-        <p14:creationId xmlns:p14="http://schemas.microsoft.com/office/powerpoint/2010/main" val="1839340184"/>
+        <p14:creationId xmlns:p14="http://schemas.microsoft.com/office/powerpoint/2010/main" val="423796654"/>
       </p:ext>
     </p:extLst>
   </p:cSld>
@@ -5025,6 +5896,765 @@
 </file>
 
 <file path=ppt/slides/slide4.xml><?xml version="1.0" encoding="utf-8"?>
+<p:sld xmlns:a="http://schemas.openxmlformats.org/drawingml/2006/main" xmlns:r="http://schemas.openxmlformats.org/officeDocument/2006/relationships" xmlns:p="http://schemas.openxmlformats.org/presentationml/2006/main">
+  <p:cSld>
+    <p:spTree>
+      <p:nvGrpSpPr>
+        <p:cNvPr id="1" name=""/>
+        <p:cNvGrpSpPr/>
+        <p:nvPr/>
+      </p:nvGrpSpPr>
+      <p:grpSpPr>
+        <a:xfrm>
+          <a:off x="0" y="0"/>
+          <a:ext cx="0" cy="0"/>
+          <a:chOff x="0" y="0"/>
+          <a:chExt cx="0" cy="0"/>
+        </a:xfrm>
+      </p:grpSpPr>
+      <p:sp>
+        <p:nvSpPr>
+          <p:cNvPr id="2" name="Titel 1">
+            <a:extLst>
+              <a:ext uri="{FF2B5EF4-FFF2-40B4-BE49-F238E27FC236}">
+                <a16:creationId xmlns:a16="http://schemas.microsoft.com/office/drawing/2014/main" id="{4288A1AB-749B-7F86-BD3E-3BFFC55CF7F1}"/>
+              </a:ext>
+            </a:extLst>
+          </p:cNvPr>
+          <p:cNvSpPr>
+            <a:spLocks noGrp="1"/>
+          </p:cNvSpPr>
+          <p:nvPr>
+            <p:ph type="title"/>
+          </p:nvPr>
+        </p:nvSpPr>
+        <p:spPr/>
+        <p:txBody>
+          <a:bodyPr/>
+          <a:lstStyle/>
+          <a:p>
+            <a:r>
+              <a:rPr lang="de-DE" dirty="0"/>
+              <a:t>Open-Source Software </a:t>
+            </a:r>
+            <a:r>
+              <a:rPr lang="de-DE" dirty="0" err="1"/>
+              <a:t>with</a:t>
+            </a:r>
+            <a:r>
+              <a:rPr lang="de-DE" dirty="0"/>
+              <a:t> GitHub</a:t>
+            </a:r>
+            <a:endParaRPr lang="en-DE" dirty="0"/>
+          </a:p>
+        </p:txBody>
+      </p:sp>
+      <p:sp>
+        <p:nvSpPr>
+          <p:cNvPr id="4" name="Fußzeilenplatzhalter 3">
+            <a:extLst>
+              <a:ext uri="{FF2B5EF4-FFF2-40B4-BE49-F238E27FC236}">
+                <a16:creationId xmlns:a16="http://schemas.microsoft.com/office/drawing/2014/main" id="{78DE1938-2602-7354-2F07-321AE0707BA7}"/>
+              </a:ext>
+            </a:extLst>
+          </p:cNvPr>
+          <p:cNvSpPr>
+            <a:spLocks noGrp="1"/>
+          </p:cNvSpPr>
+          <p:nvPr>
+            <p:ph type="ftr" sz="quarter" idx="11"/>
+          </p:nvPr>
+        </p:nvSpPr>
+        <p:spPr/>
+        <p:txBody>
+          <a:bodyPr/>
+          <a:lstStyle/>
+          <a:p>
+            <a:r>
+              <a:rPr lang="en-US"/>
+              <a:t>Introduction Bioinformatics, Dr. Denise Welsch</a:t>
+            </a:r>
+            <a:endParaRPr lang="en-DE"/>
+          </a:p>
+        </p:txBody>
+      </p:sp>
+      <p:sp>
+        <p:nvSpPr>
+          <p:cNvPr id="5" name="Textfeld 4">
+            <a:extLst>
+              <a:ext uri="{FF2B5EF4-FFF2-40B4-BE49-F238E27FC236}">
+                <a16:creationId xmlns:a16="http://schemas.microsoft.com/office/drawing/2014/main" id="{9640721C-259B-D977-0C94-0EBC8229E29E}"/>
+              </a:ext>
+            </a:extLst>
+          </p:cNvPr>
+          <p:cNvSpPr txBox="1"/>
+          <p:nvPr/>
+        </p:nvSpPr>
+        <p:spPr>
+          <a:xfrm>
+            <a:off x="838200" y="1946027"/>
+            <a:ext cx="11111345" cy="3785652"/>
+          </a:xfrm>
+          <a:prstGeom prst="rect">
+            <a:avLst/>
+          </a:prstGeom>
+          <a:noFill/>
+        </p:spPr>
+        <p:txBody>
+          <a:bodyPr wrap="square" rtlCol="0">
+            <a:spAutoFit/>
+          </a:bodyPr>
+          <a:lstStyle/>
+          <a:p>
+            <a:pPr marL="285750" indent="-285750">
+              <a:buFont typeface="Arial" panose="020B0604020202020204" pitchFamily="34" charset="0"/>
+              <a:buChar char="•"/>
+            </a:pPr>
+            <a:r>
+              <a:rPr lang="de-DE" sz="2400" dirty="0"/>
+              <a:t>The </a:t>
+            </a:r>
+            <a:r>
+              <a:rPr lang="de-DE" sz="2400" dirty="0" err="1"/>
+              <a:t>repository</a:t>
+            </a:r>
+            <a:r>
+              <a:rPr lang="de-DE" sz="2400" dirty="0"/>
+              <a:t> </a:t>
+            </a:r>
+            <a:r>
+              <a:rPr lang="de-DE" sz="2400" dirty="0" err="1"/>
+              <a:t>reyar</a:t>
+            </a:r>
+            <a:r>
+              <a:rPr lang="de-DE" sz="2400" dirty="0"/>
+              <a:t>/</a:t>
+            </a:r>
+            <a:r>
+              <a:rPr lang="de-DE" sz="2400" dirty="0" err="1"/>
+              <a:t>BayesTwoprop</a:t>
+            </a:r>
+            <a:r>
+              <a:rPr lang="de-DE" sz="2400" dirty="0"/>
+              <a:t> </a:t>
+            </a:r>
+            <a:r>
+              <a:rPr lang="de-DE" sz="2400" dirty="0" err="1"/>
+              <a:t>is</a:t>
+            </a:r>
+            <a:r>
+              <a:rPr lang="de-DE" sz="2400" dirty="0"/>
+              <a:t> </a:t>
+            </a:r>
+            <a:r>
+              <a:rPr lang="de-DE" sz="2400" dirty="0" err="1"/>
+              <a:t>currently</a:t>
+            </a:r>
+            <a:r>
+              <a:rPr lang="de-DE" sz="2400" dirty="0"/>
+              <a:t> private</a:t>
+            </a:r>
+          </a:p>
+          <a:p>
+            <a:pPr marL="285750" indent="-285750">
+              <a:buFont typeface="Arial" panose="020B0604020202020204" pitchFamily="34" charset="0"/>
+              <a:buChar char="•"/>
+            </a:pPr>
+            <a:r>
+              <a:rPr lang="de-DE" sz="2400" dirty="0" err="1"/>
+              <a:t>When</a:t>
+            </a:r>
+            <a:r>
+              <a:rPr lang="de-DE" sz="2400" dirty="0"/>
+              <a:t> </a:t>
+            </a:r>
+            <a:r>
+              <a:rPr lang="de-DE" sz="2400" dirty="0" err="1"/>
+              <a:t>finalized</a:t>
+            </a:r>
+            <a:r>
+              <a:rPr lang="de-DE" sz="2400" dirty="0"/>
+              <a:t>, </a:t>
+            </a:r>
+            <a:r>
+              <a:rPr lang="de-DE" sz="2400" dirty="0" err="1"/>
+              <a:t>the</a:t>
+            </a:r>
+            <a:r>
+              <a:rPr lang="de-DE" sz="2400" dirty="0"/>
+              <a:t> </a:t>
+            </a:r>
+            <a:r>
+              <a:rPr lang="de-DE" sz="2400" dirty="0" err="1"/>
+              <a:t>repository</a:t>
+            </a:r>
+            <a:r>
+              <a:rPr lang="de-DE" sz="2400" dirty="0"/>
+              <a:t> will </a:t>
+            </a:r>
+            <a:r>
+              <a:rPr lang="de-DE" sz="2400" dirty="0" err="1"/>
+              <a:t>be</a:t>
+            </a:r>
+            <a:r>
+              <a:rPr lang="de-DE" sz="2400" dirty="0"/>
+              <a:t> </a:t>
+            </a:r>
+            <a:r>
+              <a:rPr lang="de-DE" sz="2400" dirty="0" err="1"/>
+              <a:t>set</a:t>
+            </a:r>
+            <a:r>
+              <a:rPr lang="de-DE" sz="2400" dirty="0"/>
+              <a:t> on </a:t>
+            </a:r>
+            <a:r>
+              <a:rPr lang="de-DE" sz="2400" dirty="0" err="1"/>
+              <a:t>public</a:t>
+            </a:r>
+            <a:r>
+              <a:rPr lang="de-DE" sz="2400" dirty="0"/>
+              <a:t> and will </a:t>
+            </a:r>
+            <a:r>
+              <a:rPr lang="de-DE" sz="2400" dirty="0" err="1"/>
+              <a:t>be</a:t>
+            </a:r>
+            <a:r>
+              <a:rPr lang="de-DE" sz="2400" dirty="0"/>
+              <a:t> open-source</a:t>
+            </a:r>
+          </a:p>
+          <a:p>
+            <a:pPr marL="285750" indent="-285750">
+              <a:buFont typeface="Arial" panose="020B0604020202020204" pitchFamily="34" charset="0"/>
+              <a:buChar char="•"/>
+            </a:pPr>
+            <a:r>
+              <a:rPr lang="de-DE" sz="2400" dirty="0"/>
+              <a:t>Open-source </a:t>
+            </a:r>
+            <a:r>
+              <a:rPr lang="de-DE" sz="2400" dirty="0" err="1"/>
+              <a:t>software</a:t>
+            </a:r>
+            <a:r>
+              <a:rPr lang="de-DE" sz="2400" dirty="0"/>
+              <a:t> </a:t>
+            </a:r>
+            <a:r>
+              <a:rPr lang="de-DE" sz="2400" dirty="0" err="1"/>
+              <a:t>is</a:t>
+            </a:r>
+            <a:r>
+              <a:rPr lang="de-DE" sz="2400" dirty="0"/>
+              <a:t> a </a:t>
+            </a:r>
+            <a:r>
+              <a:rPr lang="de-DE" sz="2400" dirty="0" err="1"/>
+              <a:t>great</a:t>
+            </a:r>
+            <a:r>
+              <a:rPr lang="de-DE" sz="2400" dirty="0"/>
+              <a:t> source </a:t>
+            </a:r>
+            <a:r>
+              <a:rPr lang="de-DE" sz="2400" dirty="0" err="1"/>
+              <a:t>of</a:t>
+            </a:r>
+            <a:r>
+              <a:rPr lang="de-DE" sz="2400" dirty="0"/>
+              <a:t> </a:t>
+            </a:r>
+            <a:r>
+              <a:rPr lang="de-DE" sz="2400" dirty="0" err="1"/>
+              <a:t>learning</a:t>
+            </a:r>
+            <a:r>
+              <a:rPr lang="de-DE" sz="2400" dirty="0"/>
+              <a:t> and </a:t>
+            </a:r>
+            <a:r>
+              <a:rPr lang="de-DE" sz="2400" dirty="0" err="1"/>
+              <a:t>motivation</a:t>
+            </a:r>
+            <a:r>
+              <a:rPr lang="de-DE" sz="2400" dirty="0"/>
+              <a:t> </a:t>
+            </a:r>
+            <a:r>
+              <a:rPr lang="de-DE" sz="2400" dirty="0" err="1"/>
+              <a:t>for</a:t>
+            </a:r>
+            <a:r>
+              <a:rPr lang="de-DE" sz="2400" dirty="0"/>
+              <a:t> </a:t>
+            </a:r>
+            <a:r>
+              <a:rPr lang="de-DE" sz="2400" dirty="0" err="1"/>
+              <a:t>humans</a:t>
+            </a:r>
+            <a:endParaRPr lang="de-DE" sz="2400" dirty="0"/>
+          </a:p>
+          <a:p>
+            <a:pPr marL="285750" indent="-285750">
+              <a:buFont typeface="Arial" panose="020B0604020202020204" pitchFamily="34" charset="0"/>
+              <a:buChar char="•"/>
+            </a:pPr>
+            <a:r>
+              <a:rPr lang="de-DE" sz="2400" dirty="0" err="1"/>
+              <a:t>Your</a:t>
+            </a:r>
+            <a:r>
+              <a:rPr lang="de-DE" sz="2400" dirty="0"/>
+              <a:t> </a:t>
+            </a:r>
+            <a:r>
+              <a:rPr lang="de-DE" sz="2400" dirty="0" err="1"/>
+              <a:t>contribution</a:t>
+            </a:r>
+            <a:r>
+              <a:rPr lang="de-DE" sz="2400" dirty="0"/>
+              <a:t> will </a:t>
+            </a:r>
+            <a:r>
+              <a:rPr lang="de-DE" sz="2400" dirty="0" err="1"/>
+              <a:t>be</a:t>
+            </a:r>
+            <a:r>
+              <a:rPr lang="de-DE" sz="2400" dirty="0"/>
+              <a:t> visible </a:t>
+            </a:r>
+            <a:r>
+              <a:rPr lang="de-DE" sz="2400" dirty="0" err="1"/>
+              <a:t>everywhere</a:t>
+            </a:r>
+            <a:r>
+              <a:rPr lang="de-DE" sz="2400" dirty="0"/>
+              <a:t> </a:t>
+            </a:r>
+            <a:r>
+              <a:rPr lang="de-DE" sz="2400" dirty="0" err="1"/>
+              <a:t>besides</a:t>
+            </a:r>
+            <a:r>
+              <a:rPr lang="de-DE" sz="2400" dirty="0"/>
+              <a:t> </a:t>
+            </a:r>
+            <a:r>
+              <a:rPr lang="de-DE" sz="2400" dirty="0" err="1"/>
+              <a:t>the</a:t>
+            </a:r>
+            <a:r>
+              <a:rPr lang="de-DE" sz="2400" dirty="0"/>
+              <a:t> </a:t>
+            </a:r>
+            <a:r>
+              <a:rPr lang="de-DE" sz="2400" dirty="0" err="1"/>
+              <a:t>issues</a:t>
+            </a:r>
+            <a:r>
+              <a:rPr lang="de-DE" sz="2400" dirty="0"/>
+              <a:t> (</a:t>
+            </a:r>
+            <a:r>
+              <a:rPr lang="de-DE" sz="2400" dirty="0" err="1"/>
+              <a:t>these</a:t>
+            </a:r>
+            <a:r>
+              <a:rPr lang="de-DE" sz="2400" dirty="0"/>
+              <a:t> will </a:t>
+            </a:r>
+            <a:r>
+              <a:rPr lang="de-DE" sz="2400" dirty="0" err="1"/>
+              <a:t>be</a:t>
+            </a:r>
+            <a:r>
+              <a:rPr lang="de-DE" sz="2400" dirty="0"/>
+              <a:t> </a:t>
+            </a:r>
+            <a:r>
+              <a:rPr lang="de-DE" sz="2400" dirty="0" err="1"/>
+              <a:t>deleted</a:t>
+            </a:r>
+            <a:r>
+              <a:rPr lang="de-DE" sz="2400" dirty="0"/>
+              <a:t>)</a:t>
+            </a:r>
+          </a:p>
+          <a:p>
+            <a:pPr marL="285750" indent="-285750">
+              <a:buFont typeface="Arial" panose="020B0604020202020204" pitchFamily="34" charset="0"/>
+              <a:buChar char="•"/>
+            </a:pPr>
+            <a:r>
+              <a:rPr lang="de-DE" sz="2400" dirty="0" err="1"/>
+              <a:t>Your</a:t>
+            </a:r>
+            <a:r>
+              <a:rPr lang="de-DE" sz="2400" dirty="0"/>
+              <a:t> </a:t>
+            </a:r>
+            <a:r>
+              <a:rPr lang="de-DE" sz="2400" dirty="0" err="1"/>
+              <a:t>contribution</a:t>
+            </a:r>
+            <a:r>
+              <a:rPr lang="de-DE" sz="2400" dirty="0"/>
+              <a:t> </a:t>
+            </a:r>
+            <a:r>
+              <a:rPr lang="de-DE" sz="2400" dirty="0" err="1"/>
+              <a:t>increases</a:t>
+            </a:r>
+            <a:r>
+              <a:rPr lang="de-DE" sz="2400" dirty="0"/>
+              <a:t> </a:t>
+            </a:r>
+            <a:r>
+              <a:rPr lang="de-DE" sz="2400" dirty="0" err="1"/>
+              <a:t>your</a:t>
+            </a:r>
+            <a:r>
+              <a:rPr lang="de-DE" sz="2400" dirty="0"/>
+              <a:t> </a:t>
+            </a:r>
+            <a:r>
+              <a:rPr lang="de-DE" sz="2400" dirty="0" err="1"/>
+              <a:t>reputation</a:t>
+            </a:r>
+            <a:r>
+              <a:rPr lang="de-DE" sz="2400" dirty="0"/>
+              <a:t> in </a:t>
+            </a:r>
+            <a:r>
+              <a:rPr lang="de-DE" sz="2400" dirty="0" err="1"/>
+              <a:t>your</a:t>
+            </a:r>
+            <a:r>
+              <a:rPr lang="de-DE" sz="2400" dirty="0"/>
+              <a:t> </a:t>
+            </a:r>
+            <a:r>
+              <a:rPr lang="de-DE" sz="2400" dirty="0" err="1"/>
+              <a:t>future</a:t>
+            </a:r>
+            <a:r>
+              <a:rPr lang="de-DE" sz="2400" dirty="0"/>
+              <a:t> </a:t>
+            </a:r>
+            <a:r>
+              <a:rPr lang="de-DE" sz="2400" dirty="0" err="1"/>
+              <a:t>career</a:t>
+            </a:r>
+            <a:endParaRPr lang="de-DE" sz="2400" dirty="0"/>
+          </a:p>
+          <a:p>
+            <a:pPr marL="285750" indent="-285750">
+              <a:buFont typeface="Arial" panose="020B0604020202020204" pitchFamily="34" charset="0"/>
+              <a:buChar char="•"/>
+            </a:pPr>
+            <a:r>
+              <a:rPr lang="de-DE" sz="2400" dirty="0" err="1"/>
+              <a:t>If</a:t>
+            </a:r>
+            <a:r>
+              <a:rPr lang="de-DE" sz="2400" dirty="0"/>
+              <a:t> </a:t>
+            </a:r>
+            <a:r>
+              <a:rPr lang="de-DE" sz="2400" dirty="0" err="1"/>
+              <a:t>we</a:t>
+            </a:r>
+            <a:r>
+              <a:rPr lang="de-DE" sz="2400" dirty="0"/>
+              <a:t> will not </a:t>
+            </a:r>
+            <a:r>
+              <a:rPr lang="de-DE" sz="2400" dirty="0" err="1"/>
+              <a:t>finalize</a:t>
+            </a:r>
+            <a:r>
+              <a:rPr lang="de-DE" sz="2400" dirty="0"/>
+              <a:t> </a:t>
+            </a:r>
+            <a:r>
+              <a:rPr lang="de-DE" sz="2400" dirty="0" err="1"/>
+              <a:t>the</a:t>
+            </a:r>
+            <a:r>
+              <a:rPr lang="de-DE" sz="2400" dirty="0"/>
+              <a:t> </a:t>
+            </a:r>
+            <a:r>
+              <a:rPr lang="de-DE" sz="2400" dirty="0" err="1"/>
+              <a:t>app</a:t>
+            </a:r>
+            <a:r>
+              <a:rPr lang="de-DE" sz="2400" dirty="0"/>
+              <a:t> </a:t>
+            </a:r>
+            <a:r>
+              <a:rPr lang="de-DE" sz="2400" dirty="0" err="1"/>
+              <a:t>during</a:t>
+            </a:r>
+            <a:r>
+              <a:rPr lang="de-DE" sz="2400" dirty="0"/>
+              <a:t> </a:t>
+            </a:r>
+            <a:r>
+              <a:rPr lang="de-DE" sz="2400" dirty="0" err="1"/>
+              <a:t>this</a:t>
+            </a:r>
+            <a:r>
+              <a:rPr lang="de-DE" sz="2400" dirty="0"/>
+              <a:t> </a:t>
+            </a:r>
+            <a:r>
+              <a:rPr lang="de-DE" sz="2400" dirty="0" err="1"/>
+              <a:t>semester</a:t>
+            </a:r>
+            <a:r>
+              <a:rPr lang="de-DE" sz="2400" dirty="0"/>
+              <a:t>, </a:t>
+            </a:r>
+            <a:r>
+              <a:rPr lang="de-DE" sz="2400" dirty="0" err="1"/>
+              <a:t>then</a:t>
+            </a:r>
+            <a:r>
+              <a:rPr lang="de-DE" sz="2400" dirty="0"/>
+              <a:t> also </a:t>
+            </a:r>
+            <a:r>
+              <a:rPr lang="de-DE" sz="2400" dirty="0" err="1"/>
+              <a:t>your</a:t>
+            </a:r>
+            <a:r>
+              <a:rPr lang="de-DE" sz="2400" dirty="0"/>
+              <a:t> </a:t>
+            </a:r>
+            <a:r>
+              <a:rPr lang="de-DE" sz="2400" dirty="0" err="1"/>
+              <a:t>contribution</a:t>
+            </a:r>
+            <a:r>
+              <a:rPr lang="de-DE" sz="2400" dirty="0"/>
+              <a:t> </a:t>
+            </a:r>
+            <a:r>
+              <a:rPr lang="de-DE" sz="2400" dirty="0" err="1"/>
+              <a:t>within</a:t>
+            </a:r>
+            <a:r>
+              <a:rPr lang="de-DE" sz="2400" dirty="0"/>
+              <a:t> </a:t>
+            </a:r>
+            <a:r>
+              <a:rPr lang="de-DE" sz="2400" dirty="0" err="1"/>
+              <a:t>the</a:t>
+            </a:r>
+            <a:r>
+              <a:rPr lang="de-DE" sz="2400" dirty="0"/>
+              <a:t> </a:t>
+            </a:r>
+            <a:r>
+              <a:rPr lang="de-DE" sz="2400" dirty="0" err="1"/>
+              <a:t>issues</a:t>
+            </a:r>
+            <a:r>
+              <a:rPr lang="de-DE" sz="2400" dirty="0"/>
+              <a:t> will </a:t>
+            </a:r>
+            <a:r>
+              <a:rPr lang="de-DE" sz="2400" dirty="0" err="1"/>
+              <a:t>be</a:t>
+            </a:r>
+            <a:r>
+              <a:rPr lang="de-DE" sz="2400" dirty="0"/>
+              <a:t> visible </a:t>
+            </a:r>
+            <a:r>
+              <a:rPr lang="de-DE" sz="2400" dirty="0" err="1"/>
+              <a:t>for</a:t>
+            </a:r>
+            <a:r>
+              <a:rPr lang="de-DE" sz="2400" dirty="0"/>
+              <a:t> </a:t>
+            </a:r>
+            <a:r>
+              <a:rPr lang="de-DE" sz="2400" dirty="0" err="1"/>
+              <a:t>future</a:t>
+            </a:r>
+            <a:r>
+              <a:rPr lang="de-DE" sz="2400" dirty="0"/>
+              <a:t> </a:t>
+            </a:r>
+            <a:r>
+              <a:rPr lang="de-DE" sz="2400" dirty="0" err="1"/>
+              <a:t>students</a:t>
+            </a:r>
+            <a:r>
+              <a:rPr lang="de-DE" sz="2400" dirty="0"/>
+              <a:t> </a:t>
+            </a:r>
+            <a:r>
+              <a:rPr lang="de-DE" sz="2400" dirty="0" err="1"/>
+              <a:t>working</a:t>
+            </a:r>
+            <a:r>
+              <a:rPr lang="de-DE" sz="2400" dirty="0"/>
+              <a:t> on </a:t>
+            </a:r>
+            <a:r>
+              <a:rPr lang="de-DE" sz="2400" dirty="0" err="1"/>
+              <a:t>the</a:t>
+            </a:r>
+            <a:r>
+              <a:rPr lang="de-DE" sz="2400" dirty="0"/>
+              <a:t> </a:t>
+            </a:r>
+            <a:r>
+              <a:rPr lang="de-DE" sz="2400" dirty="0" err="1"/>
+              <a:t>app</a:t>
+            </a:r>
+            <a:r>
+              <a:rPr lang="de-DE" sz="2400" dirty="0"/>
+              <a:t>. This </a:t>
+            </a:r>
+            <a:r>
+              <a:rPr lang="de-DE" sz="2400" dirty="0" err="1"/>
+              <a:t>is</a:t>
+            </a:r>
+            <a:r>
+              <a:rPr lang="de-DE" sz="2400" dirty="0"/>
+              <a:t> </a:t>
+            </a:r>
+            <a:r>
+              <a:rPr lang="de-DE" sz="2400" dirty="0" err="1"/>
+              <a:t>of</a:t>
+            </a:r>
+            <a:r>
+              <a:rPr lang="de-DE" sz="2400" dirty="0"/>
+              <a:t> </a:t>
+            </a:r>
+            <a:r>
+              <a:rPr lang="de-DE" sz="2400" dirty="0" err="1"/>
+              <a:t>great</a:t>
+            </a:r>
+            <a:r>
+              <a:rPr lang="de-DE" sz="2400" dirty="0"/>
+              <a:t> </a:t>
+            </a:r>
+            <a:r>
+              <a:rPr lang="de-DE" sz="2400" dirty="0" err="1"/>
+              <a:t>value</a:t>
+            </a:r>
+            <a:r>
+              <a:rPr lang="de-DE" sz="2400" dirty="0"/>
+              <a:t> </a:t>
+            </a:r>
+            <a:r>
+              <a:rPr lang="de-DE" sz="2400" dirty="0" err="1"/>
+              <a:t>for</a:t>
+            </a:r>
+            <a:r>
+              <a:rPr lang="de-DE" sz="2400" dirty="0"/>
+              <a:t> </a:t>
+            </a:r>
+            <a:r>
+              <a:rPr lang="de-DE" sz="2400" dirty="0" err="1"/>
+              <a:t>future</a:t>
+            </a:r>
+            <a:r>
+              <a:rPr lang="de-DE" sz="2400" dirty="0"/>
+              <a:t> </a:t>
+            </a:r>
+            <a:r>
+              <a:rPr lang="de-DE" sz="2400" dirty="0" err="1"/>
+              <a:t>students</a:t>
+            </a:r>
+            <a:r>
+              <a:rPr lang="de-DE" sz="2400" dirty="0"/>
+              <a:t>. </a:t>
+            </a:r>
+          </a:p>
+          <a:p>
+            <a:pPr marL="285750" indent="-285750">
+              <a:buFont typeface="Arial" panose="020B0604020202020204" pitchFamily="34" charset="0"/>
+              <a:buChar char="•"/>
+            </a:pPr>
+            <a:r>
+              <a:rPr lang="de-DE" sz="2400" dirty="0" err="1"/>
+              <a:t>You</a:t>
+            </a:r>
+            <a:r>
+              <a:rPr lang="de-DE" sz="2400" dirty="0"/>
+              <a:t> </a:t>
+            </a:r>
+            <a:r>
+              <a:rPr lang="de-DE" sz="2400" dirty="0" err="1"/>
+              <a:t>agree</a:t>
+            </a:r>
+            <a:r>
+              <a:rPr lang="de-DE" sz="2400" dirty="0"/>
+              <a:t> </a:t>
+            </a:r>
+            <a:r>
+              <a:rPr lang="de-DE" sz="2400" dirty="0" err="1"/>
+              <a:t>with</a:t>
+            </a:r>
+            <a:r>
+              <a:rPr lang="de-DE" sz="2400" dirty="0"/>
+              <a:t> </a:t>
+            </a:r>
+            <a:r>
+              <a:rPr lang="de-DE" sz="2400" dirty="0" err="1"/>
+              <a:t>the</a:t>
+            </a:r>
+            <a:r>
+              <a:rPr lang="de-DE" sz="2400" dirty="0"/>
+              <a:t> </a:t>
+            </a:r>
+            <a:r>
+              <a:rPr lang="de-DE" sz="2400" dirty="0" err="1"/>
+              <a:t>terms</a:t>
+            </a:r>
+            <a:r>
+              <a:rPr lang="de-DE" sz="2400" dirty="0"/>
+              <a:t> </a:t>
+            </a:r>
+            <a:r>
+              <a:rPr lang="de-DE" sz="2400" dirty="0" err="1"/>
+              <a:t>of</a:t>
+            </a:r>
+            <a:r>
+              <a:rPr lang="de-DE" sz="2400" dirty="0"/>
+              <a:t> GitHub </a:t>
+            </a:r>
+          </a:p>
+          <a:p>
+            <a:r>
+              <a:rPr lang="de-DE" sz="2400" dirty="0"/>
+              <a:t> </a:t>
+            </a:r>
+          </a:p>
+        </p:txBody>
+      </p:sp>
+    </p:spTree>
+    <p:extLst>
+      <p:ext uri="{BB962C8B-B14F-4D97-AF65-F5344CB8AC3E}">
+        <p14:creationId xmlns:p14="http://schemas.microsoft.com/office/powerpoint/2010/main" val="1097715251"/>
+      </p:ext>
+    </p:extLst>
+  </p:cSld>
+  <p:clrMapOvr>
+    <a:masterClrMapping/>
+  </p:clrMapOvr>
+</p:sld>
+</file>
+
+<file path=ppt/slides/slide5.xml><?xml version="1.0" encoding="utf-8"?>
 <p:sld xmlns:a="http://schemas.openxmlformats.org/drawingml/2006/main" xmlns:r="http://schemas.openxmlformats.org/officeDocument/2006/relationships" xmlns:p="http://schemas.openxmlformats.org/presentationml/2006/main">
   <p:cSld>
     <p:spTree>
@@ -5146,7 +6776,7 @@
 </p:sld>
 </file>
 
-<file path=ppt/slides/slide5.xml><?xml version="1.0" encoding="utf-8"?>
+<file path=ppt/slides/slide6.xml><?xml version="1.0" encoding="utf-8"?>
 <p:sld xmlns:a="http://schemas.openxmlformats.org/drawingml/2006/main" xmlns:r="http://schemas.openxmlformats.org/officeDocument/2006/relationships" xmlns:p="http://schemas.openxmlformats.org/presentationml/2006/main">
   <p:cSld>
     <p:spTree>
@@ -5268,7 +6898,7 @@
 </p:sld>
 </file>
 
-<file path=ppt/slides/slide6.xml><?xml version="1.0" encoding="utf-8"?>
+<file path=ppt/slides/slide7.xml><?xml version="1.0" encoding="utf-8"?>
 <p:sld xmlns:a="http://schemas.openxmlformats.org/drawingml/2006/main" xmlns:r="http://schemas.openxmlformats.org/officeDocument/2006/relationships" xmlns:p="http://schemas.openxmlformats.org/presentationml/2006/main">
   <p:cSld>
     <p:spTree>
@@ -5390,7 +7020,7 @@
 </p:sld>
 </file>
 
-<file path=ppt/slides/slide7.xml><?xml version="1.0" encoding="utf-8"?>
+<file path=ppt/slides/slide8.xml><?xml version="1.0" encoding="utf-8"?>
 <p:sld xmlns:a="http://schemas.openxmlformats.org/drawingml/2006/main" xmlns:r="http://schemas.openxmlformats.org/officeDocument/2006/relationships" xmlns:p="http://schemas.openxmlformats.org/presentationml/2006/main">
   <p:cSld>
     <p:spTree>
@@ -5512,7 +7142,7 @@
 </p:sld>
 </file>
 
-<file path=ppt/slides/slide8.xml><?xml version="1.0" encoding="utf-8"?>
+<file path=ppt/slides/slide9.xml><?xml version="1.0" encoding="utf-8"?>
 <p:sld xmlns:a="http://schemas.openxmlformats.org/drawingml/2006/main" xmlns:r="http://schemas.openxmlformats.org/officeDocument/2006/relationships" xmlns:p="http://schemas.openxmlformats.org/presentationml/2006/main">
   <p:cSld>
     <p:spTree>
@@ -5625,220 +7255,6 @@
     <p:extLst>
       <p:ext uri="{BB962C8B-B14F-4D97-AF65-F5344CB8AC3E}">
         <p14:creationId xmlns:p14="http://schemas.microsoft.com/office/powerpoint/2010/main" val="2402186498"/>
-      </p:ext>
-    </p:extLst>
-  </p:cSld>
-  <p:clrMapOvr>
-    <a:masterClrMapping/>
-  </p:clrMapOvr>
-</p:sld>
-</file>
-
-<file path=ppt/slides/slide9.xml><?xml version="1.0" encoding="utf-8"?>
-<p:sld xmlns:a="http://schemas.openxmlformats.org/drawingml/2006/main" xmlns:r="http://schemas.openxmlformats.org/officeDocument/2006/relationships" xmlns:p="http://schemas.openxmlformats.org/presentationml/2006/main">
-  <p:cSld>
-    <p:spTree>
-      <p:nvGrpSpPr>
-        <p:cNvPr id="1" name=""/>
-        <p:cNvGrpSpPr/>
-        <p:nvPr/>
-      </p:nvGrpSpPr>
-      <p:grpSpPr>
-        <a:xfrm>
-          <a:off x="0" y="0"/>
-          <a:ext cx="0" cy="0"/>
-          <a:chOff x="0" y="0"/>
-          <a:chExt cx="0" cy="0"/>
-        </a:xfrm>
-      </p:grpSpPr>
-      <p:sp>
-        <p:nvSpPr>
-          <p:cNvPr id="2" name="Titel 1">
-            <a:extLst>
-              <a:ext uri="{FF2B5EF4-FFF2-40B4-BE49-F238E27FC236}">
-                <a16:creationId xmlns:a16="http://schemas.microsoft.com/office/drawing/2014/main" id="{81264B19-BEA1-341E-A167-7776CBBEA8E5}"/>
-              </a:ext>
-            </a:extLst>
-          </p:cNvPr>
-          <p:cNvSpPr>
-            <a:spLocks noGrp="1"/>
-          </p:cNvSpPr>
-          <p:nvPr>
-            <p:ph type="title"/>
-          </p:nvPr>
-        </p:nvSpPr>
-        <p:spPr/>
-        <p:txBody>
-          <a:bodyPr/>
-          <a:lstStyle/>
-          <a:p>
-            <a:r>
-              <a:rPr lang="de-DE" dirty="0"/>
-              <a:t>Bayes Theory </a:t>
-            </a:r>
-            <a:r>
-              <a:rPr lang="de-DE" dirty="0" err="1"/>
-              <a:t>Introduction</a:t>
-            </a:r>
-            <a:endParaRPr lang="en-DE" dirty="0"/>
-          </a:p>
-        </p:txBody>
-      </p:sp>
-      <p:sp>
-        <p:nvSpPr>
-          <p:cNvPr id="4" name="Fußzeilenplatzhalter 3">
-            <a:extLst>
-              <a:ext uri="{FF2B5EF4-FFF2-40B4-BE49-F238E27FC236}">
-                <a16:creationId xmlns:a16="http://schemas.microsoft.com/office/drawing/2014/main" id="{AE13EFB2-E920-7F98-14C2-9D2B40D9DE22}"/>
-              </a:ext>
-            </a:extLst>
-          </p:cNvPr>
-          <p:cNvSpPr>
-            <a:spLocks noGrp="1"/>
-          </p:cNvSpPr>
-          <p:nvPr>
-            <p:ph type="ftr" sz="quarter" idx="11"/>
-          </p:nvPr>
-        </p:nvSpPr>
-        <p:spPr/>
-        <p:txBody>
-          <a:bodyPr/>
-          <a:lstStyle/>
-          <a:p>
-            <a:r>
-              <a:rPr lang="en-US"/>
-              <a:t>Introduction Bioinformatics, Dr. Denise Welsch</a:t>
-            </a:r>
-            <a:endParaRPr lang="en-DE"/>
-          </a:p>
-        </p:txBody>
-      </p:sp>
-      <p:pic>
-        <p:nvPicPr>
-          <p:cNvPr id="6" name="Grafik 5">
-            <a:extLst>
-              <a:ext uri="{FF2B5EF4-FFF2-40B4-BE49-F238E27FC236}">
-                <a16:creationId xmlns:a16="http://schemas.microsoft.com/office/drawing/2014/main" id="{0199B530-74FD-1F90-8468-9578F13D851C}"/>
-              </a:ext>
-            </a:extLst>
-          </p:cNvPr>
-          <p:cNvPicPr>
-            <a:picLocks noChangeAspect="1"/>
-          </p:cNvPicPr>
-          <p:nvPr/>
-        </p:nvPicPr>
-        <p:blipFill>
-          <a:blip r:embed="rId2"/>
-          <a:stretch>
-            <a:fillRect/>
-          </a:stretch>
-        </p:blipFill>
-        <p:spPr>
-          <a:xfrm>
-            <a:off x="2971799" y="2774497"/>
-            <a:ext cx="6402639" cy="1775732"/>
-          </a:xfrm>
-          <a:prstGeom prst="rect">
-            <a:avLst/>
-          </a:prstGeom>
-        </p:spPr>
-      </p:pic>
-      <p:sp>
-        <p:nvSpPr>
-          <p:cNvPr id="7" name="Textfeld 6">
-            <a:extLst>
-              <a:ext uri="{FF2B5EF4-FFF2-40B4-BE49-F238E27FC236}">
-                <a16:creationId xmlns:a16="http://schemas.microsoft.com/office/drawing/2014/main" id="{7D58B874-E407-B5CA-5F40-1EC12E16AE88}"/>
-              </a:ext>
-            </a:extLst>
-          </p:cNvPr>
-          <p:cNvSpPr txBox="1"/>
-          <p:nvPr/>
-        </p:nvSpPr>
-        <p:spPr>
-          <a:xfrm>
-            <a:off x="838200" y="5634038"/>
-            <a:ext cx="5918543" cy="369332"/>
-          </a:xfrm>
-          <a:prstGeom prst="rect">
-            <a:avLst/>
-          </a:prstGeom>
-          <a:noFill/>
-        </p:spPr>
-        <p:txBody>
-          <a:bodyPr wrap="none" rtlCol="0">
-            <a:spAutoFit/>
-          </a:bodyPr>
-          <a:lstStyle/>
-          <a:p>
-            <a:r>
-              <a:rPr lang="de-DE" dirty="0"/>
-              <a:t>Out </a:t>
-            </a:r>
-            <a:r>
-              <a:rPr lang="de-DE" dirty="0" err="1"/>
-              <a:t>of</a:t>
-            </a:r>
-            <a:r>
-              <a:rPr lang="de-DE" dirty="0"/>
-              <a:t> </a:t>
-            </a:r>
-            <a:r>
-              <a:rPr lang="de-DE" dirty="0" err="1"/>
-              <a:t>posterior</a:t>
-            </a:r>
-            <a:r>
-              <a:rPr lang="de-DE" dirty="0"/>
-              <a:t>, </a:t>
-            </a:r>
-            <a:r>
-              <a:rPr lang="de-DE" dirty="0" err="1"/>
-              <a:t>credibility</a:t>
-            </a:r>
-            <a:r>
-              <a:rPr lang="de-DE" dirty="0"/>
-              <a:t> </a:t>
-            </a:r>
-            <a:r>
-              <a:rPr lang="de-DE" dirty="0" err="1"/>
-              <a:t>intervals</a:t>
-            </a:r>
-            <a:r>
-              <a:rPr lang="de-DE" dirty="0"/>
-              <a:t> and </a:t>
-            </a:r>
-            <a:r>
-              <a:rPr lang="de-DE" dirty="0" err="1"/>
-              <a:t>methods</a:t>
-            </a:r>
-            <a:r>
-              <a:rPr lang="de-DE" dirty="0"/>
-              <a:t> </a:t>
-            </a:r>
-            <a:r>
-              <a:rPr lang="de-DE" dirty="0" err="1"/>
-              <a:t>for</a:t>
-            </a:r>
-            <a:r>
-              <a:rPr lang="de-DE" dirty="0"/>
-              <a:t> </a:t>
-            </a:r>
-            <a:r>
-              <a:rPr lang="de-DE" dirty="0" err="1"/>
-              <a:t>testing</a:t>
-            </a:r>
-            <a:r>
-              <a:rPr lang="de-DE" dirty="0"/>
-              <a:t>.</a:t>
-            </a:r>
-            <a:endParaRPr lang="en-DE" dirty="0"/>
-          </a:p>
-        </p:txBody>
-      </p:sp>
-    </p:spTree>
-    <p:extLst>
-      <p:ext uri="{BB962C8B-B14F-4D97-AF65-F5344CB8AC3E}">
-        <p14:creationId xmlns:p14="http://schemas.microsoft.com/office/powerpoint/2010/main" val="1493391760"/>
       </p:ext>
     </p:extLst>
   </p:cSld>

--- a/documents/Introduction.pptx
+++ b/documents/Introduction.pptx
@@ -19,9 +19,9 @@
     <p:sldId id="264" r:id="rId10"/>
     <p:sldId id="265" r:id="rId11"/>
     <p:sldId id="267" r:id="rId12"/>
-    <p:sldId id="266" r:id="rId13"/>
-    <p:sldId id="268" r:id="rId14"/>
-    <p:sldId id="269" r:id="rId15"/>
+    <p:sldId id="272" r:id="rId13"/>
+    <p:sldId id="273" r:id="rId14"/>
+    <p:sldId id="266" r:id="rId15"/>
   </p:sldIdLst>
   <p:sldSz cx="12192000" cy="6858000"/>
   <p:notesSz cx="6858000" cy="9144000"/>
@@ -221,7 +221,7 @@
           <a:p>
             <a:fld id="{67C8102D-6625-460C-9AF5-7434CFE4F25A}" type="datetimeFigureOut">
               <a:rPr lang="en-DE" smtClean="0"/>
-              <a:t>03/09/2024</a:t>
+              <a:t>05/09/2024</a:t>
             </a:fld>
             <a:endParaRPr lang="en-DE"/>
           </a:p>
@@ -4258,7 +4258,7 @@
         <p:spPr>
           <a:xfrm>
             <a:off x="838200" y="5634038"/>
-            <a:ext cx="5918543" cy="369332"/>
+            <a:ext cx="7088287" cy="369332"/>
           </a:xfrm>
           <a:prstGeom prst="rect">
             <a:avLst/>
@@ -4285,11 +4285,35 @@
             </a:r>
             <a:r>
               <a:rPr lang="de-DE" dirty="0" err="1"/>
+              <a:t>the</a:t>
+            </a:r>
+            <a:r>
+              <a:rPr lang="de-DE" dirty="0"/>
+              <a:t> </a:t>
+            </a:r>
+            <a:r>
+              <a:rPr lang="de-DE" dirty="0" err="1"/>
               <a:t>posterior</a:t>
             </a:r>
             <a:r>
               <a:rPr lang="de-DE" dirty="0"/>
               <a:t>, </a:t>
+            </a:r>
+            <a:r>
+              <a:rPr lang="de-DE" dirty="0" err="1"/>
+              <a:t>we</a:t>
+            </a:r>
+            <a:r>
+              <a:rPr lang="de-DE" dirty="0"/>
+              <a:t> </a:t>
+            </a:r>
+            <a:r>
+              <a:rPr lang="de-DE" dirty="0" err="1"/>
+              <a:t>build</a:t>
+            </a:r>
+            <a:r>
+              <a:rPr lang="de-DE" dirty="0"/>
+              <a:t> </a:t>
             </a:r>
             <a:r>
               <a:rPr lang="de-DE" dirty="0" err="1"/>
@@ -4332,6 +4356,66 @@
               <a:t>.</a:t>
             </a:r>
             <a:endParaRPr lang="en-DE" dirty="0"/>
+          </a:p>
+        </p:txBody>
+      </p:sp>
+      <p:sp>
+        <p:nvSpPr>
+          <p:cNvPr id="3" name="Textfeld 2">
+            <a:extLst>
+              <a:ext uri="{FF2B5EF4-FFF2-40B4-BE49-F238E27FC236}">
+                <a16:creationId xmlns:a16="http://schemas.microsoft.com/office/drawing/2014/main" id="{B6763287-FADE-E333-3565-491543327CB2}"/>
+              </a:ext>
+            </a:extLst>
+          </p:cNvPr>
+          <p:cNvSpPr txBox="1"/>
+          <p:nvPr/>
+        </p:nvSpPr>
+        <p:spPr>
+          <a:xfrm>
+            <a:off x="9518072" y="5305492"/>
+            <a:ext cx="1895071" cy="246221"/>
+          </a:xfrm>
+          <a:prstGeom prst="rect">
+            <a:avLst/>
+          </a:prstGeom>
+          <a:noFill/>
+        </p:spPr>
+        <p:txBody>
+          <a:bodyPr wrap="none" rtlCol="0">
+            <a:spAutoFit/>
+          </a:bodyPr>
+          <a:lstStyle/>
+          <a:p>
+            <a:r>
+              <a:rPr lang="de-DE" sz="1000" dirty="0"/>
+              <a:t>All </a:t>
+            </a:r>
+            <a:r>
+              <a:rPr lang="de-DE" sz="1000" dirty="0" err="1"/>
+              <a:t>of</a:t>
+            </a:r>
+            <a:r>
+              <a:rPr lang="de-DE" sz="1000" dirty="0"/>
+              <a:t> </a:t>
+            </a:r>
+            <a:r>
+              <a:rPr lang="de-DE" sz="1000" dirty="0" err="1"/>
+              <a:t>Statistics</a:t>
+            </a:r>
+            <a:r>
+              <a:rPr lang="de-DE" sz="1000" dirty="0"/>
+              <a:t>, </a:t>
+            </a:r>
+            <a:r>
+              <a:rPr lang="de-DE" sz="1000" dirty="0" err="1"/>
+              <a:t>Wasseman</a:t>
+            </a:r>
+            <a:r>
+              <a:rPr lang="de-DE" sz="1000" dirty="0"/>
+              <a:t>, 2004</a:t>
+            </a:r>
+            <a:endParaRPr lang="en-DE" sz="1000" dirty="0"/>
           </a:p>
         </p:txBody>
       </p:sp>
@@ -4388,34 +4472,17 @@
           <a:p>
             <a:r>
               <a:rPr lang="de-DE" dirty="0"/>
-              <a:t>Problem and Data</a:t>
+              <a:t>Datasets and </a:t>
+            </a:r>
+            <a:r>
+              <a:rPr lang="de-DE" dirty="0" err="1"/>
+              <a:t>Related</a:t>
+            </a:r>
+            <a:r>
+              <a:rPr lang="de-DE" dirty="0"/>
+              <a:t> Problems</a:t>
             </a:r>
             <a:endParaRPr lang="en-DE" dirty="0"/>
-          </a:p>
-        </p:txBody>
-      </p:sp>
-      <p:sp>
-        <p:nvSpPr>
-          <p:cNvPr id="3" name="Inhaltsplatzhalter 2">
-            <a:extLst>
-              <a:ext uri="{FF2B5EF4-FFF2-40B4-BE49-F238E27FC236}">
-                <a16:creationId xmlns:a16="http://schemas.microsoft.com/office/drawing/2014/main" id="{36618206-BEA9-4208-DBA7-4F50BFE46DB5}"/>
-              </a:ext>
-            </a:extLst>
-          </p:cNvPr>
-          <p:cNvSpPr>
-            <a:spLocks noGrp="1"/>
-          </p:cNvSpPr>
-          <p:nvPr>
-            <p:ph idx="1"/>
-          </p:nvPr>
-        </p:nvSpPr>
-        <p:spPr/>
-        <p:txBody>
-          <a:bodyPr/>
-          <a:lstStyle/>
-          <a:p>
-            <a:endParaRPr lang="en-DE"/>
           </a:p>
         </p:txBody>
       </p:sp>
@@ -4448,6 +4515,36 @@
           </a:p>
         </p:txBody>
       </p:sp>
+      <p:pic>
+        <p:nvPicPr>
+          <p:cNvPr id="7" name="Grafik 6">
+            <a:extLst>
+              <a:ext uri="{FF2B5EF4-FFF2-40B4-BE49-F238E27FC236}">
+                <a16:creationId xmlns:a16="http://schemas.microsoft.com/office/drawing/2014/main" id="{F88BBBDC-18CA-5771-50C9-309B70D2C54C}"/>
+              </a:ext>
+            </a:extLst>
+          </p:cNvPr>
+          <p:cNvPicPr>
+            <a:picLocks noChangeAspect="1"/>
+          </p:cNvPicPr>
+          <p:nvPr/>
+        </p:nvPicPr>
+        <p:blipFill>
+          <a:blip r:embed="rId2"/>
+          <a:stretch>
+            <a:fillRect/>
+          </a:stretch>
+        </p:blipFill>
+        <p:spPr>
+          <a:xfrm>
+            <a:off x="2073419" y="2122344"/>
+            <a:ext cx="7306570" cy="3239366"/>
+          </a:xfrm>
+          <a:prstGeom prst="rect">
+            <a:avLst/>
+          </a:prstGeom>
+        </p:spPr>
+      </p:pic>
     </p:spTree>
     <p:extLst>
       <p:ext uri="{BB962C8B-B14F-4D97-AF65-F5344CB8AC3E}">
@@ -4483,7 +4580,7 @@
           <p:cNvPr id="2" name="Titel 1">
             <a:extLst>
               <a:ext uri="{FF2B5EF4-FFF2-40B4-BE49-F238E27FC236}">
-                <a16:creationId xmlns:a16="http://schemas.microsoft.com/office/drawing/2014/main" id="{16425EFF-A71B-574E-5A39-4AD02898D217}"/>
+                <a16:creationId xmlns:a16="http://schemas.microsoft.com/office/drawing/2014/main" id="{7B372B13-3EE1-255F-A144-CECE989B2912}"/>
               </a:ext>
             </a:extLst>
           </p:cNvPr>
@@ -4501,11 +4598,15 @@
           <a:p>
             <a:r>
               <a:rPr lang="de-DE" dirty="0"/>
-              <a:t>Bayes </a:t>
+              <a:t>Datasets and </a:t>
             </a:r>
             <a:r>
               <a:rPr lang="de-DE" dirty="0" err="1"/>
-              <a:t>Estimation</a:t>
+              <a:t>Related</a:t>
+            </a:r>
+            <a:r>
+              <a:rPr lang="de-DE" dirty="0"/>
+              <a:t> Problems</a:t>
             </a:r>
             <a:endParaRPr lang="en-DE" dirty="0"/>
           </a:p>
@@ -4516,7 +4617,7 @@
           <p:cNvPr id="4" name="Fußzeilenplatzhalter 3">
             <a:extLst>
               <a:ext uri="{FF2B5EF4-FFF2-40B4-BE49-F238E27FC236}">
-                <a16:creationId xmlns:a16="http://schemas.microsoft.com/office/drawing/2014/main" id="{312222A2-E0FC-DD60-00C5-13C63843EC9A}"/>
+                <a16:creationId xmlns:a16="http://schemas.microsoft.com/office/drawing/2014/main" id="{ACBCE85D-90B9-FD95-9599-F480CCBD8137}"/>
               </a:ext>
             </a:extLst>
           </p:cNvPr>
@@ -4545,7 +4646,7 @@
           <p:cNvPr id="6" name="Grafik 5">
             <a:extLst>
               <a:ext uri="{FF2B5EF4-FFF2-40B4-BE49-F238E27FC236}">
-                <a16:creationId xmlns:a16="http://schemas.microsoft.com/office/drawing/2014/main" id="{0127EC34-B02E-8DEB-4B0D-BB5511E50C7B}"/>
+                <a16:creationId xmlns:a16="http://schemas.microsoft.com/office/drawing/2014/main" id="{2CB69858-6A8F-C2BA-89B3-A47ECAF4A565}"/>
               </a:ext>
             </a:extLst>
           </p:cNvPr>
@@ -4555,21 +4656,15 @@
           <p:nvPr/>
         </p:nvPicPr>
         <p:blipFill>
-          <a:blip r:embed="rId2">
-            <a:extLst>
-              <a:ext uri="{28A0092B-C50C-407E-A947-70E740481C1C}">
-                <a14:useLocalDpi xmlns:a14="http://schemas.microsoft.com/office/drawing/2010/main" val="0"/>
-              </a:ext>
-            </a:extLst>
-          </a:blip>
+          <a:blip r:embed="rId2"/>
           <a:stretch>
             <a:fillRect/>
           </a:stretch>
         </p:blipFill>
         <p:spPr>
-          <a:xfrm rot="5400000">
-            <a:off x="3875618" y="2416059"/>
-            <a:ext cx="4231142" cy="3173357"/>
+          <a:xfrm>
+            <a:off x="2049606" y="2001358"/>
+            <a:ext cx="8289349" cy="3807160"/>
           </a:xfrm>
           <a:prstGeom prst="rect">
             <a:avLst/>
@@ -4579,7 +4674,7 @@
     </p:spTree>
     <p:extLst>
       <p:ext uri="{BB962C8B-B14F-4D97-AF65-F5344CB8AC3E}">
-        <p14:creationId xmlns:p14="http://schemas.microsoft.com/office/powerpoint/2010/main" val="1960717151"/>
+        <p14:creationId xmlns:p14="http://schemas.microsoft.com/office/powerpoint/2010/main" val="1638074327"/>
       </p:ext>
     </p:extLst>
   </p:cSld>
@@ -4611,7 +4706,7 @@
           <p:cNvPr id="2" name="Titel 1">
             <a:extLst>
               <a:ext uri="{FF2B5EF4-FFF2-40B4-BE49-F238E27FC236}">
-                <a16:creationId xmlns:a16="http://schemas.microsoft.com/office/drawing/2014/main" id="{E629E96C-4CA1-9C96-D5E1-6B4CDB478175}"/>
+                <a16:creationId xmlns:a16="http://schemas.microsoft.com/office/drawing/2014/main" id="{B427A6FC-FC88-CEDD-200D-1FF58F4BEEF0}"/>
               </a:ext>
             </a:extLst>
           </p:cNvPr>
@@ -4629,11 +4724,15 @@
           <a:p>
             <a:r>
               <a:rPr lang="de-DE" dirty="0"/>
-              <a:t>Bayes </a:t>
+              <a:t>Datasets and </a:t>
             </a:r>
             <a:r>
               <a:rPr lang="de-DE" dirty="0" err="1"/>
-              <a:t>Estimation</a:t>
+              <a:t>Related</a:t>
+            </a:r>
+            <a:r>
+              <a:rPr lang="de-DE" dirty="0"/>
+              <a:t> Problems</a:t>
             </a:r>
             <a:endParaRPr lang="en-DE" dirty="0"/>
           </a:p>
@@ -4644,7 +4743,7 @@
           <p:cNvPr id="4" name="Fußzeilenplatzhalter 3">
             <a:extLst>
               <a:ext uri="{FF2B5EF4-FFF2-40B4-BE49-F238E27FC236}">
-                <a16:creationId xmlns:a16="http://schemas.microsoft.com/office/drawing/2014/main" id="{4B5425FD-F29A-3FA6-DDEF-37E538CC609F}"/>
+                <a16:creationId xmlns:a16="http://schemas.microsoft.com/office/drawing/2014/main" id="{31A1D334-4458-0EAE-AC3C-6DC0E9462072}"/>
               </a:ext>
             </a:extLst>
           </p:cNvPr>
@@ -4673,7 +4772,7 @@
           <p:cNvPr id="6" name="Grafik 5">
             <a:extLst>
               <a:ext uri="{FF2B5EF4-FFF2-40B4-BE49-F238E27FC236}">
-                <a16:creationId xmlns:a16="http://schemas.microsoft.com/office/drawing/2014/main" id="{8428DF2E-4870-B2BC-8365-D845B868E387}"/>
+                <a16:creationId xmlns:a16="http://schemas.microsoft.com/office/drawing/2014/main" id="{C83EEFC3-DA62-6980-F757-D604530DA3E2}"/>
               </a:ext>
             </a:extLst>
           </p:cNvPr>
@@ -4690,38 +4789,8 @@
         </p:blipFill>
         <p:spPr>
           <a:xfrm>
-            <a:off x="1063398" y="1866698"/>
-            <a:ext cx="4629831" cy="4149700"/>
-          </a:xfrm>
-          <a:prstGeom prst="rect">
-            <a:avLst/>
-          </a:prstGeom>
-        </p:spPr>
-      </p:pic>
-      <p:pic>
-        <p:nvPicPr>
-          <p:cNvPr id="8" name="Grafik 7">
-            <a:extLst>
-              <a:ext uri="{FF2B5EF4-FFF2-40B4-BE49-F238E27FC236}">
-                <a16:creationId xmlns:a16="http://schemas.microsoft.com/office/drawing/2014/main" id="{065807AC-DD3C-70FF-F4AA-47566644B664}"/>
-              </a:ext>
-            </a:extLst>
-          </p:cNvPr>
-          <p:cNvPicPr>
-            <a:picLocks noChangeAspect="1"/>
-          </p:cNvPicPr>
-          <p:nvPr/>
-        </p:nvPicPr>
-        <p:blipFill>
-          <a:blip r:embed="rId3"/>
-          <a:stretch>
-            <a:fillRect/>
-          </a:stretch>
-        </p:blipFill>
-        <p:spPr>
-          <a:xfrm>
-            <a:off x="5907541" y="3616098"/>
-            <a:ext cx="5667375" cy="2400300"/>
+            <a:off x="2603190" y="1938172"/>
+            <a:ext cx="6985619" cy="3910610"/>
           </a:xfrm>
           <a:prstGeom prst="rect">
             <a:avLst/>
@@ -4731,7 +4800,7 @@
     </p:spTree>
     <p:extLst>
       <p:ext uri="{BB962C8B-B14F-4D97-AF65-F5344CB8AC3E}">
-        <p14:creationId xmlns:p14="http://schemas.microsoft.com/office/powerpoint/2010/main" val="3552856742"/>
+        <p14:creationId xmlns:p14="http://schemas.microsoft.com/office/powerpoint/2010/main" val="140653377"/>
       </p:ext>
     </p:extLst>
   </p:cSld>
@@ -4763,7 +4832,7 @@
           <p:cNvPr id="2" name="Titel 1">
             <a:extLst>
               <a:ext uri="{FF2B5EF4-FFF2-40B4-BE49-F238E27FC236}">
-                <a16:creationId xmlns:a16="http://schemas.microsoft.com/office/drawing/2014/main" id="{21B40BB9-4C3D-997C-79D9-C6DBA8950143}"/>
+                <a16:creationId xmlns:a16="http://schemas.microsoft.com/office/drawing/2014/main" id="{16425EFF-A71B-574E-5A39-4AD02898D217}"/>
               </a:ext>
             </a:extLst>
           </p:cNvPr>
@@ -4785,7 +4854,27 @@
             </a:r>
             <a:r>
               <a:rPr lang="de-DE" dirty="0" err="1"/>
-              <a:t>Estimation</a:t>
+              <a:t>for</a:t>
+            </a:r>
+            <a:r>
+              <a:rPr lang="de-DE" dirty="0"/>
+              <a:t> </a:t>
+            </a:r>
+            <a:r>
+              <a:rPr lang="de-DE" dirty="0" err="1"/>
+              <a:t>One</a:t>
+            </a:r>
+            <a:r>
+              <a:rPr lang="de-DE" dirty="0"/>
+              <a:t> </a:t>
+            </a:r>
+            <a:r>
+              <a:rPr lang="de-DE" dirty="0" err="1"/>
+              <a:t>Binomial</a:t>
+            </a:r>
+            <a:r>
+              <a:rPr lang="de-DE" dirty="0"/>
+              <a:t> </a:t>
             </a:r>
             <a:endParaRPr lang="en-DE" dirty="0"/>
           </a:p>
@@ -4796,7 +4885,7 @@
           <p:cNvPr id="4" name="Fußzeilenplatzhalter 3">
             <a:extLst>
               <a:ext uri="{FF2B5EF4-FFF2-40B4-BE49-F238E27FC236}">
-                <a16:creationId xmlns:a16="http://schemas.microsoft.com/office/drawing/2014/main" id="{8BBE9261-CB58-6DEB-B2FA-1CA0B5C4A748}"/>
+                <a16:creationId xmlns:a16="http://schemas.microsoft.com/office/drawing/2014/main" id="{312222A2-E0FC-DD60-00C5-13C63843EC9A}"/>
               </a:ext>
             </a:extLst>
           </p:cNvPr>
@@ -4820,40 +4909,10 @@
           </a:p>
         </p:txBody>
       </p:sp>
-      <p:pic>
-        <p:nvPicPr>
-          <p:cNvPr id="6" name="Grafik 5">
-            <a:extLst>
-              <a:ext uri="{FF2B5EF4-FFF2-40B4-BE49-F238E27FC236}">
-                <a16:creationId xmlns:a16="http://schemas.microsoft.com/office/drawing/2014/main" id="{07107301-CCD3-0501-0AAF-19F979CD1FFD}"/>
-              </a:ext>
-            </a:extLst>
-          </p:cNvPr>
-          <p:cNvPicPr>
-            <a:picLocks noChangeAspect="1"/>
-          </p:cNvPicPr>
-          <p:nvPr/>
-        </p:nvPicPr>
-        <p:blipFill>
-          <a:blip r:embed="rId2"/>
-          <a:stretch>
-            <a:fillRect/>
-          </a:stretch>
-        </p:blipFill>
-        <p:spPr>
-          <a:xfrm>
-            <a:off x="4445734" y="1943818"/>
-            <a:ext cx="2991499" cy="3890703"/>
-          </a:xfrm>
-          <a:prstGeom prst="rect">
-            <a:avLst/>
-          </a:prstGeom>
-        </p:spPr>
-      </p:pic>
     </p:spTree>
     <p:extLst>
       <p:ext uri="{BB962C8B-B14F-4D97-AF65-F5344CB8AC3E}">
-        <p14:creationId xmlns:p14="http://schemas.microsoft.com/office/powerpoint/2010/main" val="4257532662"/>
+        <p14:creationId xmlns:p14="http://schemas.microsoft.com/office/powerpoint/2010/main" val="1960717151"/>
       </p:ext>
     </p:extLst>
   </p:cSld>
@@ -5761,7 +5820,7 @@
           <a:p>
             <a:r>
               <a:rPr lang="de-DE" dirty="0"/>
-              <a:t>Communication</a:t>
+              <a:t>Tools in Work &amp; Communication</a:t>
             </a:r>
             <a:endParaRPr lang="en-DE" dirty="0"/>
           </a:p>
@@ -5811,7 +5870,7 @@
         <p:spPr>
           <a:xfrm>
             <a:off x="957943" y="2905780"/>
-            <a:ext cx="7304757" cy="954107"/>
+            <a:ext cx="10709278" cy="2677656"/>
           </a:xfrm>
           <a:prstGeom prst="rect">
             <a:avLst/>
@@ -5830,15 +5889,7 @@
             </a:pPr>
             <a:r>
               <a:rPr lang="de-DE" sz="2800" dirty="0"/>
-              <a:t>GitHub: </a:t>
-            </a:r>
-            <a:r>
-              <a:rPr lang="de-DE" sz="2800" dirty="0" err="1"/>
-              <a:t>Issues</a:t>
-            </a:r>
-            <a:r>
-              <a:rPr lang="de-DE" sz="2800" dirty="0"/>
-              <a:t>. </a:t>
+              <a:t>GitHub Web</a:t>
             </a:r>
           </a:p>
           <a:p>
@@ -5847,12 +5898,118 @@
               <a:buChar char="•"/>
             </a:pPr>
             <a:r>
+              <a:rPr lang="de-DE" sz="2800" dirty="0"/>
+              <a:t>GitHub Desktop</a:t>
+            </a:r>
+          </a:p>
+          <a:p>
+            <a:pPr marL="457200" indent="-457200">
+              <a:buFont typeface="Arial" panose="020B0604020202020204" pitchFamily="34" charset="0"/>
+              <a:buChar char="•"/>
+            </a:pPr>
+            <a:r>
+              <a:rPr lang="de-DE" sz="2800" dirty="0"/>
+              <a:t>R Studio Desktop &amp; R </a:t>
+            </a:r>
+          </a:p>
+          <a:p>
+            <a:pPr marL="457200" indent="-457200">
+              <a:buFont typeface="Arial" panose="020B0604020202020204" pitchFamily="34" charset="0"/>
+              <a:buChar char="•"/>
+            </a:pPr>
+            <a:r>
+              <a:rPr lang="de-DE" sz="2800" dirty="0"/>
+              <a:t>R </a:t>
+            </a:r>
+            <a:r>
               <a:rPr lang="de-DE" sz="2800" dirty="0" err="1"/>
-              <a:t>Olat</a:t>
+              <a:t>Posit</a:t>
             </a:r>
             <a:r>
               <a:rPr lang="de-DE" sz="2800" dirty="0"/>
-              <a:t>: </a:t>
+              <a:t> Cloud (</a:t>
+            </a:r>
+            <a:r>
+              <a:rPr lang="de-DE" sz="2800" dirty="0" err="1"/>
+              <a:t>we</a:t>
+            </a:r>
+            <a:r>
+              <a:rPr lang="de-DE" sz="2800" dirty="0"/>
+              <a:t> </a:t>
+            </a:r>
+            <a:r>
+              <a:rPr lang="de-DE" sz="2800" dirty="0" err="1"/>
+              <a:t>need</a:t>
+            </a:r>
+            <a:r>
+              <a:rPr lang="de-DE" sz="2800" dirty="0"/>
+              <a:t> </a:t>
+            </a:r>
+            <a:r>
+              <a:rPr lang="de-DE" sz="2800" dirty="0" err="1"/>
+              <a:t>to</a:t>
+            </a:r>
+            <a:r>
+              <a:rPr lang="de-DE" sz="2800" dirty="0"/>
+              <a:t> check </a:t>
+            </a:r>
+            <a:r>
+              <a:rPr lang="de-DE" sz="2800" dirty="0" err="1"/>
+              <a:t>if</a:t>
+            </a:r>
+            <a:r>
+              <a:rPr lang="de-DE" sz="2800" dirty="0"/>
+              <a:t> </a:t>
+            </a:r>
+            <a:r>
+              <a:rPr lang="de-DE" sz="2800" dirty="0" err="1"/>
+              <a:t>the</a:t>
+            </a:r>
+            <a:r>
+              <a:rPr lang="de-DE" sz="2800" dirty="0"/>
+              <a:t> </a:t>
+            </a:r>
+            <a:r>
+              <a:rPr lang="de-DE" sz="2800" dirty="0" err="1"/>
+              <a:t>free</a:t>
+            </a:r>
+            <a:r>
+              <a:rPr lang="de-DE" sz="2800" dirty="0"/>
+              <a:t> </a:t>
+            </a:r>
+            <a:r>
+              <a:rPr lang="de-DE" sz="2800" dirty="0" err="1"/>
+              <a:t>resources</a:t>
+            </a:r>
+            <a:r>
+              <a:rPr lang="de-DE" sz="2800" dirty="0"/>
+              <a:t> </a:t>
+            </a:r>
+            <a:r>
+              <a:rPr lang="de-DE" sz="2800" dirty="0" err="1"/>
+              <a:t>are</a:t>
+            </a:r>
+            <a:r>
+              <a:rPr lang="de-DE" sz="2800" dirty="0"/>
+              <a:t> </a:t>
+            </a:r>
+            <a:r>
+              <a:rPr lang="de-DE" sz="2800" dirty="0" err="1"/>
+              <a:t>satisfactory</a:t>
+            </a:r>
+            <a:r>
+              <a:rPr lang="de-DE" sz="2800" dirty="0"/>
+              <a:t>)</a:t>
+            </a:r>
+          </a:p>
+          <a:p>
+            <a:pPr marL="457200" indent="-457200">
+              <a:buFont typeface="Arial" panose="020B0604020202020204" pitchFamily="34" charset="0"/>
+              <a:buChar char="•"/>
+            </a:pPr>
+            <a:r>
+              <a:rPr lang="de-DE" sz="2800" dirty="0"/>
+              <a:t>OLAT: </a:t>
             </a:r>
             <a:r>
               <a:rPr lang="de-DE" sz="2800" dirty="0" err="1"/>
@@ -5876,7 +6033,33 @@
             </a:r>
             <a:r>
               <a:rPr lang="de-DE" sz="2800" dirty="0"/>
-              <a:t> (Mitteilungen).</a:t>
+              <a:t> (Mitteilungen)</a:t>
+            </a:r>
+          </a:p>
+          <a:p>
+            <a:pPr marL="457200" indent="-457200">
+              <a:buFont typeface="Arial" panose="020B0604020202020204" pitchFamily="34" charset="0"/>
+              <a:buChar char="•"/>
+            </a:pPr>
+            <a:r>
+              <a:rPr lang="de-DE" sz="2800" dirty="0"/>
+              <a:t>Zoom: In </a:t>
+            </a:r>
+            <a:r>
+              <a:rPr lang="de-DE" sz="2800" dirty="0" err="1"/>
+              <a:t>special</a:t>
+            </a:r>
+            <a:r>
+              <a:rPr lang="de-DE" sz="2800" dirty="0"/>
+              <a:t> </a:t>
+            </a:r>
+            <a:r>
+              <a:rPr lang="de-DE" sz="2800" dirty="0" err="1"/>
+              <a:t>cases</a:t>
+            </a:r>
+            <a:r>
+              <a:rPr lang="de-DE" sz="2800" dirty="0"/>
+              <a:t> </a:t>
             </a:r>
             <a:endParaRPr lang="en-DE" sz="2800" dirty="0"/>
           </a:p>
@@ -5993,7 +6176,7 @@
         <p:spPr>
           <a:xfrm>
             <a:off x="838200" y="1946027"/>
-            <a:ext cx="11111345" cy="3785652"/>
+            <a:ext cx="11111345" cy="4154984"/>
           </a:xfrm>
           <a:prstGeom prst="rect">
             <a:avLst/>
@@ -6279,6 +6462,14 @@
             </a:r>
             <a:r>
               <a:rPr lang="de-DE" sz="2400" dirty="0"/>
+              <a:t> in </a:t>
+            </a:r>
+            <a:r>
+              <a:rPr lang="de-DE" sz="2400" dirty="0" err="1"/>
+              <a:t>advance</a:t>
+            </a:r>
+            <a:r>
+              <a:rPr lang="de-DE" sz="2400" dirty="0"/>
               <a:t>)</a:t>
             </a:r>
           </a:p>
@@ -6424,7 +6615,7 @@
             </a:r>
             <a:r>
               <a:rPr lang="de-DE" sz="2400" dirty="0"/>
-              <a:t> also </a:t>
+              <a:t> </a:t>
             </a:r>
             <a:r>
               <a:rPr lang="de-DE" sz="2400" dirty="0" err="1"/>
@@ -6520,11 +6711,43 @@
             </a:r>
             <a:r>
               <a:rPr lang="de-DE" sz="2400" dirty="0"/>
+              <a:t>, </a:t>
+            </a:r>
+            <a:r>
+              <a:rPr lang="de-DE" sz="2400" dirty="0" err="1"/>
+              <a:t>if</a:t>
+            </a:r>
+            <a:r>
+              <a:rPr lang="de-DE" sz="2400" dirty="0"/>
+              <a:t> </a:t>
+            </a:r>
+            <a:r>
+              <a:rPr lang="de-DE" sz="2400" dirty="0" err="1"/>
+              <a:t>you</a:t>
+            </a:r>
+            <a:r>
+              <a:rPr lang="de-DE" sz="2400" dirty="0"/>
+              <a:t> </a:t>
+            </a:r>
+            <a:r>
+              <a:rPr lang="de-DE" sz="2400" dirty="0" err="1"/>
+              <a:t>agree</a:t>
+            </a:r>
+            <a:r>
+              <a:rPr lang="de-DE" sz="2400" dirty="0"/>
               <a:t>. This </a:t>
             </a:r>
             <a:r>
               <a:rPr lang="de-DE" sz="2400" dirty="0" err="1"/>
-              <a:t>is</a:t>
+              <a:t>would</a:t>
+            </a:r>
+            <a:r>
+              <a:rPr lang="de-DE" sz="2400" dirty="0"/>
+              <a:t> </a:t>
+            </a:r>
+            <a:r>
+              <a:rPr lang="de-DE" sz="2400" dirty="0" err="1"/>
+              <a:t>be</a:t>
             </a:r>
             <a:r>
               <a:rPr lang="de-DE" sz="2400" dirty="0"/>
@@ -6763,6 +6986,66 @@
           </a:prstGeom>
         </p:spPr>
       </p:pic>
+      <p:sp>
+        <p:nvSpPr>
+          <p:cNvPr id="3" name="Textfeld 2">
+            <a:extLst>
+              <a:ext uri="{FF2B5EF4-FFF2-40B4-BE49-F238E27FC236}">
+                <a16:creationId xmlns:a16="http://schemas.microsoft.com/office/drawing/2014/main" id="{D9C8081B-801C-84A8-6051-D00EA8220207}"/>
+              </a:ext>
+            </a:extLst>
+          </p:cNvPr>
+          <p:cNvSpPr txBox="1"/>
+          <p:nvPr/>
+        </p:nvSpPr>
+        <p:spPr>
+          <a:xfrm>
+            <a:off x="9518072" y="5305492"/>
+            <a:ext cx="1895071" cy="246221"/>
+          </a:xfrm>
+          <a:prstGeom prst="rect">
+            <a:avLst/>
+          </a:prstGeom>
+          <a:noFill/>
+        </p:spPr>
+        <p:txBody>
+          <a:bodyPr wrap="none" rtlCol="0">
+            <a:spAutoFit/>
+          </a:bodyPr>
+          <a:lstStyle/>
+          <a:p>
+            <a:r>
+              <a:rPr lang="de-DE" sz="1000" dirty="0"/>
+              <a:t>All </a:t>
+            </a:r>
+            <a:r>
+              <a:rPr lang="de-DE" sz="1000" dirty="0" err="1"/>
+              <a:t>of</a:t>
+            </a:r>
+            <a:r>
+              <a:rPr lang="de-DE" sz="1000" dirty="0"/>
+              <a:t> </a:t>
+            </a:r>
+            <a:r>
+              <a:rPr lang="de-DE" sz="1000" dirty="0" err="1"/>
+              <a:t>Statistics</a:t>
+            </a:r>
+            <a:r>
+              <a:rPr lang="de-DE" sz="1000" dirty="0"/>
+              <a:t>, </a:t>
+            </a:r>
+            <a:r>
+              <a:rPr lang="de-DE" sz="1000" dirty="0" err="1"/>
+              <a:t>Wasseman</a:t>
+            </a:r>
+            <a:r>
+              <a:rPr lang="de-DE" sz="1000" dirty="0"/>
+              <a:t>, 2004</a:t>
+            </a:r>
+            <a:endParaRPr lang="en-DE" sz="1000" dirty="0"/>
+          </a:p>
+        </p:txBody>
+      </p:sp>
     </p:spTree>
     <p:extLst>
       <p:ext uri="{BB962C8B-B14F-4D97-AF65-F5344CB8AC3E}">
@@ -6885,6 +7168,66 @@
           </a:prstGeom>
         </p:spPr>
       </p:pic>
+      <p:sp>
+        <p:nvSpPr>
+          <p:cNvPr id="3" name="Textfeld 2">
+            <a:extLst>
+              <a:ext uri="{FF2B5EF4-FFF2-40B4-BE49-F238E27FC236}">
+                <a16:creationId xmlns:a16="http://schemas.microsoft.com/office/drawing/2014/main" id="{415C6C6F-C8A1-92B3-8FA5-84D5A1CC0296}"/>
+              </a:ext>
+            </a:extLst>
+          </p:cNvPr>
+          <p:cNvSpPr txBox="1"/>
+          <p:nvPr/>
+        </p:nvSpPr>
+        <p:spPr>
+          <a:xfrm>
+            <a:off x="8813687" y="5643086"/>
+            <a:ext cx="1895071" cy="246221"/>
+          </a:xfrm>
+          <a:prstGeom prst="rect">
+            <a:avLst/>
+          </a:prstGeom>
+          <a:noFill/>
+        </p:spPr>
+        <p:txBody>
+          <a:bodyPr wrap="none" rtlCol="0">
+            <a:spAutoFit/>
+          </a:bodyPr>
+          <a:lstStyle/>
+          <a:p>
+            <a:r>
+              <a:rPr lang="de-DE" sz="1000" dirty="0"/>
+              <a:t>All </a:t>
+            </a:r>
+            <a:r>
+              <a:rPr lang="de-DE" sz="1000" dirty="0" err="1"/>
+              <a:t>of</a:t>
+            </a:r>
+            <a:r>
+              <a:rPr lang="de-DE" sz="1000" dirty="0"/>
+              <a:t> </a:t>
+            </a:r>
+            <a:r>
+              <a:rPr lang="de-DE" sz="1000" dirty="0" err="1"/>
+              <a:t>Statistics</a:t>
+            </a:r>
+            <a:r>
+              <a:rPr lang="de-DE" sz="1000" dirty="0"/>
+              <a:t>, </a:t>
+            </a:r>
+            <a:r>
+              <a:rPr lang="de-DE" sz="1000" dirty="0" err="1"/>
+              <a:t>Wasseman</a:t>
+            </a:r>
+            <a:r>
+              <a:rPr lang="de-DE" sz="1000" dirty="0"/>
+              <a:t>, 2004</a:t>
+            </a:r>
+            <a:endParaRPr lang="en-DE" sz="1000" dirty="0"/>
+          </a:p>
+        </p:txBody>
+      </p:sp>
     </p:spTree>
     <p:extLst>
       <p:ext uri="{BB962C8B-B14F-4D97-AF65-F5344CB8AC3E}">
@@ -7007,6 +7350,66 @@
           </a:prstGeom>
         </p:spPr>
       </p:pic>
+      <p:sp>
+        <p:nvSpPr>
+          <p:cNvPr id="3" name="Textfeld 2">
+            <a:extLst>
+              <a:ext uri="{FF2B5EF4-FFF2-40B4-BE49-F238E27FC236}">
+                <a16:creationId xmlns:a16="http://schemas.microsoft.com/office/drawing/2014/main" id="{1756CC39-DCD1-4F74-50E0-DD1DB65E37D1}"/>
+              </a:ext>
+            </a:extLst>
+          </p:cNvPr>
+          <p:cNvSpPr txBox="1"/>
+          <p:nvPr/>
+        </p:nvSpPr>
+        <p:spPr>
+          <a:xfrm>
+            <a:off x="9518072" y="5305492"/>
+            <a:ext cx="1895071" cy="246221"/>
+          </a:xfrm>
+          <a:prstGeom prst="rect">
+            <a:avLst/>
+          </a:prstGeom>
+          <a:noFill/>
+        </p:spPr>
+        <p:txBody>
+          <a:bodyPr wrap="none" rtlCol="0">
+            <a:spAutoFit/>
+          </a:bodyPr>
+          <a:lstStyle/>
+          <a:p>
+            <a:r>
+              <a:rPr lang="de-DE" sz="1000" dirty="0"/>
+              <a:t>All </a:t>
+            </a:r>
+            <a:r>
+              <a:rPr lang="de-DE" sz="1000" dirty="0" err="1"/>
+              <a:t>of</a:t>
+            </a:r>
+            <a:r>
+              <a:rPr lang="de-DE" sz="1000" dirty="0"/>
+              <a:t> </a:t>
+            </a:r>
+            <a:r>
+              <a:rPr lang="de-DE" sz="1000" dirty="0" err="1"/>
+              <a:t>Statistics</a:t>
+            </a:r>
+            <a:r>
+              <a:rPr lang="de-DE" sz="1000" dirty="0"/>
+              <a:t>, </a:t>
+            </a:r>
+            <a:r>
+              <a:rPr lang="de-DE" sz="1000" dirty="0" err="1"/>
+              <a:t>Wasseman</a:t>
+            </a:r>
+            <a:r>
+              <a:rPr lang="de-DE" sz="1000" dirty="0"/>
+              <a:t>, 2004</a:t>
+            </a:r>
+            <a:endParaRPr lang="en-DE" sz="1000" dirty="0"/>
+          </a:p>
+        </p:txBody>
+      </p:sp>
     </p:spTree>
     <p:extLst>
       <p:ext uri="{BB962C8B-B14F-4D97-AF65-F5344CB8AC3E}">
@@ -7129,6 +7532,170 @@
           </a:prstGeom>
         </p:spPr>
       </p:pic>
+      <p:sp>
+        <p:nvSpPr>
+          <p:cNvPr id="3" name="Rechteck 2">
+            <a:extLst>
+              <a:ext uri="{FF2B5EF4-FFF2-40B4-BE49-F238E27FC236}">
+                <a16:creationId xmlns:a16="http://schemas.microsoft.com/office/drawing/2014/main" id="{4A823CD3-72B1-0599-31DF-E6BE1C50E05F}"/>
+              </a:ext>
+            </a:extLst>
+          </p:cNvPr>
+          <p:cNvSpPr/>
+          <p:nvPr/>
+        </p:nvSpPr>
+        <p:spPr>
+          <a:xfrm>
+            <a:off x="2576945" y="2078182"/>
+            <a:ext cx="6774873" cy="602672"/>
+          </a:xfrm>
+          <a:prstGeom prst="rect">
+            <a:avLst/>
+          </a:prstGeom>
+          <a:solidFill>
+            <a:schemeClr val="bg1"/>
+          </a:solidFill>
+          <a:ln>
+            <a:noFill/>
+          </a:ln>
+        </p:spPr>
+        <p:style>
+          <a:lnRef idx="2">
+            <a:schemeClr val="accent1">
+              <a:shade val="15000"/>
+            </a:schemeClr>
+          </a:lnRef>
+          <a:fillRef idx="1">
+            <a:schemeClr val="accent1"/>
+          </a:fillRef>
+          <a:effectRef idx="0">
+            <a:schemeClr val="accent1"/>
+          </a:effectRef>
+          <a:fontRef idx="minor">
+            <a:schemeClr val="lt1"/>
+          </a:fontRef>
+        </p:style>
+        <p:txBody>
+          <a:bodyPr rtlCol="0" anchor="ctr"/>
+          <a:lstStyle/>
+          <a:p>
+            <a:pPr algn="ctr"/>
+            <a:endParaRPr lang="en-DE" dirty="0"/>
+          </a:p>
+        </p:txBody>
+      </p:sp>
+      <p:sp>
+        <p:nvSpPr>
+          <p:cNvPr id="5" name="Rechteck 4">
+            <a:extLst>
+              <a:ext uri="{FF2B5EF4-FFF2-40B4-BE49-F238E27FC236}">
+                <a16:creationId xmlns:a16="http://schemas.microsoft.com/office/drawing/2014/main" id="{3E1F75F9-215C-169F-E4CD-1152B196F7E4}"/>
+              </a:ext>
+            </a:extLst>
+          </p:cNvPr>
+          <p:cNvSpPr/>
+          <p:nvPr/>
+        </p:nvSpPr>
+        <p:spPr>
+          <a:xfrm>
+            <a:off x="1818409" y="2506373"/>
+            <a:ext cx="3758046" cy="602672"/>
+          </a:xfrm>
+          <a:prstGeom prst="rect">
+            <a:avLst/>
+          </a:prstGeom>
+          <a:solidFill>
+            <a:schemeClr val="bg1"/>
+          </a:solidFill>
+          <a:ln>
+            <a:noFill/>
+          </a:ln>
+        </p:spPr>
+        <p:style>
+          <a:lnRef idx="2">
+            <a:schemeClr val="accent1">
+              <a:shade val="15000"/>
+            </a:schemeClr>
+          </a:lnRef>
+          <a:fillRef idx="1">
+            <a:schemeClr val="accent1"/>
+          </a:fillRef>
+          <a:effectRef idx="0">
+            <a:schemeClr val="accent1"/>
+          </a:effectRef>
+          <a:fontRef idx="minor">
+            <a:schemeClr val="lt1"/>
+          </a:fontRef>
+        </p:style>
+        <p:txBody>
+          <a:bodyPr rtlCol="0" anchor="ctr"/>
+          <a:lstStyle/>
+          <a:p>
+            <a:pPr algn="ctr"/>
+            <a:endParaRPr lang="en-DE" dirty="0"/>
+          </a:p>
+        </p:txBody>
+      </p:sp>
+      <p:sp>
+        <p:nvSpPr>
+          <p:cNvPr id="7" name="Textfeld 6">
+            <a:extLst>
+              <a:ext uri="{FF2B5EF4-FFF2-40B4-BE49-F238E27FC236}">
+                <a16:creationId xmlns:a16="http://schemas.microsoft.com/office/drawing/2014/main" id="{A2865B3D-FD02-7F0D-AAFB-59E14C5FE3D6}"/>
+              </a:ext>
+            </a:extLst>
+          </p:cNvPr>
+          <p:cNvSpPr txBox="1"/>
+          <p:nvPr/>
+        </p:nvSpPr>
+        <p:spPr>
+          <a:xfrm>
+            <a:off x="9518072" y="5305492"/>
+            <a:ext cx="1895071" cy="246221"/>
+          </a:xfrm>
+          <a:prstGeom prst="rect">
+            <a:avLst/>
+          </a:prstGeom>
+          <a:noFill/>
+        </p:spPr>
+        <p:txBody>
+          <a:bodyPr wrap="none" rtlCol="0">
+            <a:spAutoFit/>
+          </a:bodyPr>
+          <a:lstStyle/>
+          <a:p>
+            <a:r>
+              <a:rPr lang="de-DE" sz="1000" dirty="0"/>
+              <a:t>All </a:t>
+            </a:r>
+            <a:r>
+              <a:rPr lang="de-DE" sz="1000" dirty="0" err="1"/>
+              <a:t>of</a:t>
+            </a:r>
+            <a:r>
+              <a:rPr lang="de-DE" sz="1000" dirty="0"/>
+              <a:t> </a:t>
+            </a:r>
+            <a:r>
+              <a:rPr lang="de-DE" sz="1000" dirty="0" err="1"/>
+              <a:t>Statistics</a:t>
+            </a:r>
+            <a:r>
+              <a:rPr lang="de-DE" sz="1000" dirty="0"/>
+              <a:t>, </a:t>
+            </a:r>
+            <a:r>
+              <a:rPr lang="de-DE" sz="1000" dirty="0" err="1"/>
+              <a:t>Wasseman</a:t>
+            </a:r>
+            <a:r>
+              <a:rPr lang="de-DE" sz="1000" dirty="0"/>
+              <a:t>, 2004</a:t>
+            </a:r>
+            <a:endParaRPr lang="en-DE" sz="1000" dirty="0"/>
+          </a:p>
+        </p:txBody>
+      </p:sp>
     </p:spTree>
     <p:extLst>
       <p:ext uri="{BB962C8B-B14F-4D97-AF65-F5344CB8AC3E}">
@@ -7243,14 +7810,74 @@
         </p:blipFill>
         <p:spPr>
           <a:xfrm>
-            <a:off x="3841977" y="2029893"/>
-            <a:ext cx="4508046" cy="3873835"/>
+            <a:off x="3716790" y="1922319"/>
+            <a:ext cx="4633233" cy="3981410"/>
           </a:xfrm>
           <a:prstGeom prst="rect">
             <a:avLst/>
           </a:prstGeom>
         </p:spPr>
       </p:pic>
+      <p:sp>
+        <p:nvSpPr>
+          <p:cNvPr id="3" name="Textfeld 2">
+            <a:extLst>
+              <a:ext uri="{FF2B5EF4-FFF2-40B4-BE49-F238E27FC236}">
+                <a16:creationId xmlns:a16="http://schemas.microsoft.com/office/drawing/2014/main" id="{098386F4-EC79-4E5D-3F68-FA5F2478E0E6}"/>
+              </a:ext>
+            </a:extLst>
+          </p:cNvPr>
+          <p:cNvSpPr txBox="1"/>
+          <p:nvPr/>
+        </p:nvSpPr>
+        <p:spPr>
+          <a:xfrm>
+            <a:off x="8350023" y="5544483"/>
+            <a:ext cx="1895071" cy="246221"/>
+          </a:xfrm>
+          <a:prstGeom prst="rect">
+            <a:avLst/>
+          </a:prstGeom>
+          <a:noFill/>
+        </p:spPr>
+        <p:txBody>
+          <a:bodyPr wrap="none" rtlCol="0">
+            <a:spAutoFit/>
+          </a:bodyPr>
+          <a:lstStyle/>
+          <a:p>
+            <a:r>
+              <a:rPr lang="de-DE" sz="1000" dirty="0"/>
+              <a:t>All </a:t>
+            </a:r>
+            <a:r>
+              <a:rPr lang="de-DE" sz="1000" dirty="0" err="1"/>
+              <a:t>of</a:t>
+            </a:r>
+            <a:r>
+              <a:rPr lang="de-DE" sz="1000" dirty="0"/>
+              <a:t> </a:t>
+            </a:r>
+            <a:r>
+              <a:rPr lang="de-DE" sz="1000" dirty="0" err="1"/>
+              <a:t>Statistics</a:t>
+            </a:r>
+            <a:r>
+              <a:rPr lang="de-DE" sz="1000" dirty="0"/>
+              <a:t>, </a:t>
+            </a:r>
+            <a:r>
+              <a:rPr lang="de-DE" sz="1000" dirty="0" err="1"/>
+              <a:t>Wasseman</a:t>
+            </a:r>
+            <a:r>
+              <a:rPr lang="de-DE" sz="1000" dirty="0"/>
+              <a:t>, 2004</a:t>
+            </a:r>
+            <a:endParaRPr lang="en-DE" sz="1000" dirty="0"/>
+          </a:p>
+        </p:txBody>
+      </p:sp>
     </p:spTree>
     <p:extLst>
       <p:ext uri="{BB962C8B-B14F-4D97-AF65-F5344CB8AC3E}">

--- a/documents/Introduction.pptx
+++ b/documents/Introduction.pptx
@@ -221,7 +221,7 @@
           <a:p>
             <a:fld id="{67C8102D-6625-460C-9AF5-7434CFE4F25A}" type="datetimeFigureOut">
               <a:rPr lang="en-DE" smtClean="0"/>
-              <a:t>05/09/2024</a:t>
+              <a:t>10/09/2024</a:t>
             </a:fld>
             <a:endParaRPr lang="en-DE"/>
           </a:p>
@@ -5889,7 +5889,23 @@
             </a:pPr>
             <a:r>
               <a:rPr lang="de-DE" sz="2800" dirty="0"/>
-              <a:t>GitHub Web</a:t>
+              <a:t>GitHub Web (</a:t>
+            </a:r>
+            <a:r>
+              <a:rPr lang="de-DE" sz="2800" dirty="0" err="1"/>
+              <a:t>repository</a:t>
+            </a:r>
+            <a:r>
+              <a:rPr lang="de-DE" sz="2800" dirty="0"/>
+              <a:t> and </a:t>
+            </a:r>
+            <a:r>
+              <a:rPr lang="de-DE" sz="2800" dirty="0" err="1"/>
+              <a:t>project</a:t>
+            </a:r>
+            <a:r>
+              <a:rPr lang="de-DE" sz="2800" dirty="0"/>
+              <a:t>) </a:t>
             </a:r>
           </a:p>
           <a:p>

--- a/documents/Introduction.pptx
+++ b/documents/Introduction.pptx
@@ -5,23 +5,22 @@
     <p:sldMasterId id="2147483648" r:id="rId1"/>
   </p:sldMasterIdLst>
   <p:notesMasterIdLst>
-    <p:notesMasterId r:id="rId16"/>
+    <p:notesMasterId r:id="rId15"/>
   </p:notesMasterIdLst>
   <p:sldIdLst>
     <p:sldId id="256" r:id="rId2"/>
     <p:sldId id="258" r:id="rId3"/>
-    <p:sldId id="270" r:id="rId4"/>
-    <p:sldId id="271" r:id="rId5"/>
-    <p:sldId id="261" r:id="rId6"/>
-    <p:sldId id="262" r:id="rId7"/>
-    <p:sldId id="260" r:id="rId8"/>
-    <p:sldId id="263" r:id="rId9"/>
-    <p:sldId id="264" r:id="rId10"/>
-    <p:sldId id="265" r:id="rId11"/>
-    <p:sldId id="267" r:id="rId12"/>
-    <p:sldId id="272" r:id="rId13"/>
-    <p:sldId id="273" r:id="rId14"/>
-    <p:sldId id="266" r:id="rId15"/>
+    <p:sldId id="271" r:id="rId4"/>
+    <p:sldId id="261" r:id="rId5"/>
+    <p:sldId id="262" r:id="rId6"/>
+    <p:sldId id="260" r:id="rId7"/>
+    <p:sldId id="263" r:id="rId8"/>
+    <p:sldId id="264" r:id="rId9"/>
+    <p:sldId id="265" r:id="rId10"/>
+    <p:sldId id="267" r:id="rId11"/>
+    <p:sldId id="272" r:id="rId12"/>
+    <p:sldId id="273" r:id="rId13"/>
+    <p:sldId id="266" r:id="rId14"/>
   </p:sldIdLst>
   <p:sldSz cx="12192000" cy="6858000"/>
   <p:notesSz cx="6858000" cy="9144000"/>
@@ -221,7 +220,7 @@
           <a:p>
             <a:fld id="{67C8102D-6625-460C-9AF5-7434CFE4F25A}" type="datetimeFigureOut">
               <a:rPr lang="en-DE" smtClean="0"/>
-              <a:t>10/09/2024</a:t>
+              <a:t>12/09/2024</a:t>
             </a:fld>
             <a:endParaRPr lang="en-DE"/>
           </a:p>
@@ -4156,304 +4155,6 @@
           <p:cNvPr id="2" name="Titel 1">
             <a:extLst>
               <a:ext uri="{FF2B5EF4-FFF2-40B4-BE49-F238E27FC236}">
-                <a16:creationId xmlns:a16="http://schemas.microsoft.com/office/drawing/2014/main" id="{81264B19-BEA1-341E-A167-7776CBBEA8E5}"/>
-              </a:ext>
-            </a:extLst>
-          </p:cNvPr>
-          <p:cNvSpPr>
-            <a:spLocks noGrp="1"/>
-          </p:cNvSpPr>
-          <p:nvPr>
-            <p:ph type="title"/>
-          </p:nvPr>
-        </p:nvSpPr>
-        <p:spPr/>
-        <p:txBody>
-          <a:bodyPr/>
-          <a:lstStyle/>
-          <a:p>
-            <a:r>
-              <a:rPr lang="de-DE" dirty="0"/>
-              <a:t>Bayes Theory </a:t>
-            </a:r>
-            <a:r>
-              <a:rPr lang="de-DE" dirty="0" err="1"/>
-              <a:t>Introduction</a:t>
-            </a:r>
-            <a:endParaRPr lang="en-DE" dirty="0"/>
-          </a:p>
-        </p:txBody>
-      </p:sp>
-      <p:sp>
-        <p:nvSpPr>
-          <p:cNvPr id="4" name="Fußzeilenplatzhalter 3">
-            <a:extLst>
-              <a:ext uri="{FF2B5EF4-FFF2-40B4-BE49-F238E27FC236}">
-                <a16:creationId xmlns:a16="http://schemas.microsoft.com/office/drawing/2014/main" id="{AE13EFB2-E920-7F98-14C2-9D2B40D9DE22}"/>
-              </a:ext>
-            </a:extLst>
-          </p:cNvPr>
-          <p:cNvSpPr>
-            <a:spLocks noGrp="1"/>
-          </p:cNvSpPr>
-          <p:nvPr>
-            <p:ph type="ftr" sz="quarter" idx="11"/>
-          </p:nvPr>
-        </p:nvSpPr>
-        <p:spPr/>
-        <p:txBody>
-          <a:bodyPr/>
-          <a:lstStyle/>
-          <a:p>
-            <a:r>
-              <a:rPr lang="en-US"/>
-              <a:t>Introduction Bioinformatics, Dr. Denise Welsch</a:t>
-            </a:r>
-            <a:endParaRPr lang="en-DE"/>
-          </a:p>
-        </p:txBody>
-      </p:sp>
-      <p:pic>
-        <p:nvPicPr>
-          <p:cNvPr id="6" name="Grafik 5">
-            <a:extLst>
-              <a:ext uri="{FF2B5EF4-FFF2-40B4-BE49-F238E27FC236}">
-                <a16:creationId xmlns:a16="http://schemas.microsoft.com/office/drawing/2014/main" id="{0199B530-74FD-1F90-8468-9578F13D851C}"/>
-              </a:ext>
-            </a:extLst>
-          </p:cNvPr>
-          <p:cNvPicPr>
-            <a:picLocks noChangeAspect="1"/>
-          </p:cNvPicPr>
-          <p:nvPr/>
-        </p:nvPicPr>
-        <p:blipFill>
-          <a:blip r:embed="rId2"/>
-          <a:stretch>
-            <a:fillRect/>
-          </a:stretch>
-        </p:blipFill>
-        <p:spPr>
-          <a:xfrm>
-            <a:off x="2971799" y="2774497"/>
-            <a:ext cx="6402639" cy="1775732"/>
-          </a:xfrm>
-          <a:prstGeom prst="rect">
-            <a:avLst/>
-          </a:prstGeom>
-        </p:spPr>
-      </p:pic>
-      <p:sp>
-        <p:nvSpPr>
-          <p:cNvPr id="7" name="Textfeld 6">
-            <a:extLst>
-              <a:ext uri="{FF2B5EF4-FFF2-40B4-BE49-F238E27FC236}">
-                <a16:creationId xmlns:a16="http://schemas.microsoft.com/office/drawing/2014/main" id="{7D58B874-E407-B5CA-5F40-1EC12E16AE88}"/>
-              </a:ext>
-            </a:extLst>
-          </p:cNvPr>
-          <p:cNvSpPr txBox="1"/>
-          <p:nvPr/>
-        </p:nvSpPr>
-        <p:spPr>
-          <a:xfrm>
-            <a:off x="838200" y="5634038"/>
-            <a:ext cx="7088287" cy="369332"/>
-          </a:xfrm>
-          <a:prstGeom prst="rect">
-            <a:avLst/>
-          </a:prstGeom>
-          <a:noFill/>
-        </p:spPr>
-        <p:txBody>
-          <a:bodyPr wrap="none" rtlCol="0">
-            <a:spAutoFit/>
-          </a:bodyPr>
-          <a:lstStyle/>
-          <a:p>
-            <a:r>
-              <a:rPr lang="de-DE" dirty="0"/>
-              <a:t>Out </a:t>
-            </a:r>
-            <a:r>
-              <a:rPr lang="de-DE" dirty="0" err="1"/>
-              <a:t>of</a:t>
-            </a:r>
-            <a:r>
-              <a:rPr lang="de-DE" dirty="0"/>
-              <a:t> </a:t>
-            </a:r>
-            <a:r>
-              <a:rPr lang="de-DE" dirty="0" err="1"/>
-              <a:t>the</a:t>
-            </a:r>
-            <a:r>
-              <a:rPr lang="de-DE" dirty="0"/>
-              <a:t> </a:t>
-            </a:r>
-            <a:r>
-              <a:rPr lang="de-DE" dirty="0" err="1"/>
-              <a:t>posterior</a:t>
-            </a:r>
-            <a:r>
-              <a:rPr lang="de-DE" dirty="0"/>
-              <a:t>, </a:t>
-            </a:r>
-            <a:r>
-              <a:rPr lang="de-DE" dirty="0" err="1"/>
-              <a:t>we</a:t>
-            </a:r>
-            <a:r>
-              <a:rPr lang="de-DE" dirty="0"/>
-              <a:t> </a:t>
-            </a:r>
-            <a:r>
-              <a:rPr lang="de-DE" dirty="0" err="1"/>
-              <a:t>build</a:t>
-            </a:r>
-            <a:r>
-              <a:rPr lang="de-DE" dirty="0"/>
-              <a:t> </a:t>
-            </a:r>
-            <a:r>
-              <a:rPr lang="de-DE" dirty="0" err="1"/>
-              <a:t>credibility</a:t>
-            </a:r>
-            <a:r>
-              <a:rPr lang="de-DE" dirty="0"/>
-              <a:t> </a:t>
-            </a:r>
-            <a:r>
-              <a:rPr lang="de-DE" dirty="0" err="1"/>
-              <a:t>intervals</a:t>
-            </a:r>
-            <a:r>
-              <a:rPr lang="de-DE" dirty="0"/>
-              <a:t> and </a:t>
-            </a:r>
-            <a:r>
-              <a:rPr lang="de-DE" dirty="0" err="1"/>
-              <a:t>methods</a:t>
-            </a:r>
-            <a:r>
-              <a:rPr lang="de-DE" dirty="0"/>
-              <a:t> </a:t>
-            </a:r>
-            <a:r>
-              <a:rPr lang="de-DE" dirty="0" err="1"/>
-              <a:t>for</a:t>
-            </a:r>
-            <a:r>
-              <a:rPr lang="de-DE" dirty="0"/>
-              <a:t> </a:t>
-            </a:r>
-            <a:r>
-              <a:rPr lang="de-DE" dirty="0" err="1"/>
-              <a:t>testing</a:t>
-            </a:r>
-            <a:r>
-              <a:rPr lang="de-DE" dirty="0"/>
-              <a:t>.</a:t>
-            </a:r>
-            <a:endParaRPr lang="en-DE" dirty="0"/>
-          </a:p>
-        </p:txBody>
-      </p:sp>
-      <p:sp>
-        <p:nvSpPr>
-          <p:cNvPr id="3" name="Textfeld 2">
-            <a:extLst>
-              <a:ext uri="{FF2B5EF4-FFF2-40B4-BE49-F238E27FC236}">
-                <a16:creationId xmlns:a16="http://schemas.microsoft.com/office/drawing/2014/main" id="{B6763287-FADE-E333-3565-491543327CB2}"/>
-              </a:ext>
-            </a:extLst>
-          </p:cNvPr>
-          <p:cNvSpPr txBox="1"/>
-          <p:nvPr/>
-        </p:nvSpPr>
-        <p:spPr>
-          <a:xfrm>
-            <a:off x="9518072" y="5305492"/>
-            <a:ext cx="1895071" cy="246221"/>
-          </a:xfrm>
-          <a:prstGeom prst="rect">
-            <a:avLst/>
-          </a:prstGeom>
-          <a:noFill/>
-        </p:spPr>
-        <p:txBody>
-          <a:bodyPr wrap="none" rtlCol="0">
-            <a:spAutoFit/>
-          </a:bodyPr>
-          <a:lstStyle/>
-          <a:p>
-            <a:r>
-              <a:rPr lang="de-DE" sz="1000" dirty="0"/>
-              <a:t>All </a:t>
-            </a:r>
-            <a:r>
-              <a:rPr lang="de-DE" sz="1000" dirty="0" err="1"/>
-              <a:t>of</a:t>
-            </a:r>
-            <a:r>
-              <a:rPr lang="de-DE" sz="1000" dirty="0"/>
-              <a:t> </a:t>
-            </a:r>
-            <a:r>
-              <a:rPr lang="de-DE" sz="1000" dirty="0" err="1"/>
-              <a:t>Statistics</a:t>
-            </a:r>
-            <a:r>
-              <a:rPr lang="de-DE" sz="1000" dirty="0"/>
-              <a:t>, </a:t>
-            </a:r>
-            <a:r>
-              <a:rPr lang="de-DE" sz="1000" dirty="0" err="1"/>
-              <a:t>Wasseman</a:t>
-            </a:r>
-            <a:r>
-              <a:rPr lang="de-DE" sz="1000" dirty="0"/>
-              <a:t>, 2004</a:t>
-            </a:r>
-            <a:endParaRPr lang="en-DE" sz="1000" dirty="0"/>
-          </a:p>
-        </p:txBody>
-      </p:sp>
-    </p:spTree>
-    <p:extLst>
-      <p:ext uri="{BB962C8B-B14F-4D97-AF65-F5344CB8AC3E}">
-        <p14:creationId xmlns:p14="http://schemas.microsoft.com/office/powerpoint/2010/main" val="1493391760"/>
-      </p:ext>
-    </p:extLst>
-  </p:cSld>
-  <p:clrMapOvr>
-    <a:masterClrMapping/>
-  </p:clrMapOvr>
-</p:sld>
-</file>
-
-<file path=ppt/slides/slide11.xml><?xml version="1.0" encoding="utf-8"?>
-<p:sld xmlns:a="http://schemas.openxmlformats.org/drawingml/2006/main" xmlns:r="http://schemas.openxmlformats.org/officeDocument/2006/relationships" xmlns:p="http://schemas.openxmlformats.org/presentationml/2006/main">
-  <p:cSld>
-    <p:spTree>
-      <p:nvGrpSpPr>
-        <p:cNvPr id="1" name=""/>
-        <p:cNvGrpSpPr/>
-        <p:nvPr/>
-      </p:nvGrpSpPr>
-      <p:grpSpPr>
-        <a:xfrm>
-          <a:off x="0" y="0"/>
-          <a:ext cx="0" cy="0"/>
-          <a:chOff x="0" y="0"/>
-          <a:chExt cx="0" cy="0"/>
-        </a:xfrm>
-      </p:grpSpPr>
-      <p:sp>
-        <p:nvSpPr>
-          <p:cNvPr id="2" name="Titel 1">
-            <a:extLst>
-              <a:ext uri="{FF2B5EF4-FFF2-40B4-BE49-F238E27FC236}">
                 <a16:creationId xmlns:a16="http://schemas.microsoft.com/office/drawing/2014/main" id="{3C303236-D279-A180-B8BC-BB79812FA12A}"/>
               </a:ext>
             </a:extLst>
@@ -4558,7 +4259,7 @@
 </p:sld>
 </file>
 
-<file path=ppt/slides/slide12.xml><?xml version="1.0" encoding="utf-8"?>
+<file path=ppt/slides/slide11.xml><?xml version="1.0" encoding="utf-8"?>
 <p:sld xmlns:a="http://schemas.openxmlformats.org/drawingml/2006/main" xmlns:r="http://schemas.openxmlformats.org/officeDocument/2006/relationships" xmlns:p="http://schemas.openxmlformats.org/presentationml/2006/main">
   <p:cSld>
     <p:spTree>
@@ -4684,7 +4385,7 @@
 </p:sld>
 </file>
 
-<file path=ppt/slides/slide13.xml><?xml version="1.0" encoding="utf-8"?>
+<file path=ppt/slides/slide12.xml><?xml version="1.0" encoding="utf-8"?>
 <p:sld xmlns:a="http://schemas.openxmlformats.org/drawingml/2006/main" xmlns:r="http://schemas.openxmlformats.org/officeDocument/2006/relationships" xmlns:p="http://schemas.openxmlformats.org/presentationml/2006/main">
   <p:cSld>
     <p:spTree>
@@ -4810,7 +4511,7 @@
 </p:sld>
 </file>
 
-<file path=ppt/slides/slide14.xml><?xml version="1.0" encoding="utf-8"?>
+<file path=ppt/slides/slide13.xml><?xml version="1.0" encoding="utf-8"?>
 <p:sld xmlns:a="http://schemas.openxmlformats.org/drawingml/2006/main" xmlns:r="http://schemas.openxmlformats.org/officeDocument/2006/relationships" xmlns:p="http://schemas.openxmlformats.org/presentationml/2006/main">
   <p:cSld>
     <p:spTree>
@@ -5820,7 +5521,15 @@
           <a:p>
             <a:r>
               <a:rPr lang="de-DE" dirty="0"/>
-              <a:t>Tools in Work &amp; Communication</a:t>
+              <a:t>Open-Source Software </a:t>
+            </a:r>
+            <a:r>
+              <a:rPr lang="de-DE" dirty="0" err="1"/>
+              <a:t>with</a:t>
+            </a:r>
+            <a:r>
+              <a:rPr lang="de-DE" dirty="0"/>
+              <a:t> GitHub</a:t>
             </a:r>
             <a:endParaRPr lang="en-DE" dirty="0"/>
           </a:p>
@@ -5857,10 +5566,10 @@
       </p:sp>
       <p:sp>
         <p:nvSpPr>
-          <p:cNvPr id="3" name="Textfeld 2">
-            <a:extLst>
-              <a:ext uri="{FF2B5EF4-FFF2-40B4-BE49-F238E27FC236}">
-                <a16:creationId xmlns:a16="http://schemas.microsoft.com/office/drawing/2014/main" id="{D56F2229-4569-ED26-E491-75E18DE179E1}"/>
+          <p:cNvPr id="5" name="Textfeld 4">
+            <a:extLst>
+              <a:ext uri="{FF2B5EF4-FFF2-40B4-BE49-F238E27FC236}">
+                <a16:creationId xmlns:a16="http://schemas.microsoft.com/office/drawing/2014/main" id="{9640721C-259B-D977-0C94-0EBC8229E29E}"/>
               </a:ext>
             </a:extLst>
           </p:cNvPr>
@@ -5869,8 +5578,8 @@
         </p:nvSpPr>
         <p:spPr>
           <a:xfrm>
-            <a:off x="957943" y="2905780"/>
-            <a:ext cx="10709278" cy="2677656"/>
+            <a:off x="838200" y="1946027"/>
+            <a:ext cx="11111345" cy="3785652"/>
           </a:xfrm>
           <a:prstGeom prst="rect">
             <a:avLst/>
@@ -5878,213 +5587,599 @@
           <a:noFill/>
         </p:spPr>
         <p:txBody>
-          <a:bodyPr wrap="none" rtlCol="0">
+          <a:bodyPr wrap="square" rtlCol="0">
             <a:spAutoFit/>
           </a:bodyPr>
           <a:lstStyle/>
           <a:p>
-            <a:pPr marL="457200" indent="-457200">
+            <a:pPr marL="285750" indent="-285750">
               <a:buFont typeface="Arial" panose="020B0604020202020204" pitchFamily="34" charset="0"/>
               <a:buChar char="•"/>
             </a:pPr>
             <a:r>
-              <a:rPr lang="de-DE" sz="2800" dirty="0"/>
-              <a:t>GitHub Web (</a:t>
-            </a:r>
-            <a:r>
-              <a:rPr lang="de-DE" sz="2800" dirty="0" err="1"/>
+              <a:rPr lang="de-DE" sz="2400" dirty="0"/>
+              <a:t>The </a:t>
+            </a:r>
+            <a:r>
+              <a:rPr lang="de-DE" sz="2400" dirty="0" err="1"/>
               <a:t>repository</a:t>
             </a:r>
             <a:r>
-              <a:rPr lang="de-DE" sz="2800" dirty="0"/>
-              <a:t> and </a:t>
-            </a:r>
-            <a:r>
-              <a:rPr lang="de-DE" sz="2800" dirty="0" err="1"/>
-              <a:t>project</a:t>
-            </a:r>
-            <a:r>
-              <a:rPr lang="de-DE" sz="2800" dirty="0"/>
-              <a:t>) </a:t>
-            </a:r>
-          </a:p>
-          <a:p>
-            <a:pPr marL="457200" indent="-457200">
+              <a:rPr lang="de-DE" sz="2400" dirty="0"/>
+              <a:t> </a:t>
+            </a:r>
+            <a:r>
+              <a:rPr lang="de-DE" sz="2400" b="1" dirty="0" err="1"/>
+              <a:t>reyar</a:t>
+            </a:r>
+            <a:r>
+              <a:rPr lang="de-DE" sz="2400" b="1" dirty="0"/>
+              <a:t>/</a:t>
+            </a:r>
+            <a:r>
+              <a:rPr lang="de-DE" sz="2400" b="1" dirty="0" err="1"/>
+              <a:t>BayesTwoprop</a:t>
+            </a:r>
+            <a:r>
+              <a:rPr lang="de-DE" sz="2400" b="1" dirty="0"/>
+              <a:t> </a:t>
+            </a:r>
+            <a:r>
+              <a:rPr lang="de-DE" sz="2400" dirty="0" err="1"/>
+              <a:t>is</a:t>
+            </a:r>
+            <a:r>
+              <a:rPr lang="de-DE" sz="2400" dirty="0"/>
+              <a:t> </a:t>
+            </a:r>
+            <a:r>
+              <a:rPr lang="de-DE" sz="2400" dirty="0" err="1"/>
+              <a:t>currently</a:t>
+            </a:r>
+            <a:r>
+              <a:rPr lang="de-DE" sz="2400" dirty="0"/>
+              <a:t> private</a:t>
+            </a:r>
+          </a:p>
+          <a:p>
+            <a:pPr marL="285750" indent="-285750">
               <a:buFont typeface="Arial" panose="020B0604020202020204" pitchFamily="34" charset="0"/>
               <a:buChar char="•"/>
             </a:pPr>
             <a:r>
-              <a:rPr lang="de-DE" sz="2800" dirty="0"/>
-              <a:t>GitHub Desktop</a:t>
-            </a:r>
-          </a:p>
-          <a:p>
-            <a:pPr marL="457200" indent="-457200">
+              <a:rPr lang="de-DE" sz="2400" dirty="0" err="1"/>
+              <a:t>When</a:t>
+            </a:r>
+            <a:r>
+              <a:rPr lang="de-DE" sz="2400" dirty="0"/>
+              <a:t> </a:t>
+            </a:r>
+            <a:r>
+              <a:rPr lang="de-DE" sz="2400" dirty="0" err="1"/>
+              <a:t>finalized</a:t>
+            </a:r>
+            <a:r>
+              <a:rPr lang="de-DE" sz="2400" dirty="0"/>
+              <a:t>, </a:t>
+            </a:r>
+            <a:r>
+              <a:rPr lang="de-DE" sz="2400" dirty="0" err="1"/>
+              <a:t>the</a:t>
+            </a:r>
+            <a:r>
+              <a:rPr lang="de-DE" sz="2400" dirty="0"/>
+              <a:t> </a:t>
+            </a:r>
+            <a:r>
+              <a:rPr lang="de-DE" sz="2400" dirty="0" err="1"/>
+              <a:t>repository</a:t>
+            </a:r>
+            <a:r>
+              <a:rPr lang="de-DE" sz="2400" dirty="0"/>
+              <a:t> will </a:t>
+            </a:r>
+            <a:r>
+              <a:rPr lang="de-DE" sz="2400" dirty="0" err="1"/>
+              <a:t>be</a:t>
+            </a:r>
+            <a:r>
+              <a:rPr lang="de-DE" sz="2400" dirty="0"/>
+              <a:t> </a:t>
+            </a:r>
+            <a:r>
+              <a:rPr lang="de-DE" sz="2400" dirty="0" err="1"/>
+              <a:t>set</a:t>
+            </a:r>
+            <a:r>
+              <a:rPr lang="de-DE" sz="2400" dirty="0"/>
+              <a:t> on </a:t>
+            </a:r>
+            <a:r>
+              <a:rPr lang="de-DE" sz="2400" dirty="0" err="1"/>
+              <a:t>public</a:t>
+            </a:r>
+            <a:r>
+              <a:rPr lang="de-DE" sz="2400" dirty="0"/>
+              <a:t> and will </a:t>
+            </a:r>
+            <a:r>
+              <a:rPr lang="de-DE" sz="2400" dirty="0" err="1"/>
+              <a:t>be</a:t>
+            </a:r>
+            <a:r>
+              <a:rPr lang="de-DE" sz="2400" dirty="0"/>
+              <a:t> open-source</a:t>
+            </a:r>
+          </a:p>
+          <a:p>
+            <a:pPr marL="285750" indent="-285750">
               <a:buFont typeface="Arial" panose="020B0604020202020204" pitchFamily="34" charset="0"/>
               <a:buChar char="•"/>
             </a:pPr>
             <a:r>
-              <a:rPr lang="de-DE" sz="2800" dirty="0"/>
-              <a:t>R Studio Desktop &amp; R </a:t>
-            </a:r>
-          </a:p>
-          <a:p>
-            <a:pPr marL="457200" indent="-457200">
+              <a:rPr lang="de-DE" sz="2400" dirty="0"/>
+              <a:t>Open-source </a:t>
+            </a:r>
+            <a:r>
+              <a:rPr lang="de-DE" sz="2400" dirty="0" err="1"/>
+              <a:t>software</a:t>
+            </a:r>
+            <a:r>
+              <a:rPr lang="de-DE" sz="2400" dirty="0"/>
+              <a:t> </a:t>
+            </a:r>
+            <a:r>
+              <a:rPr lang="de-DE" sz="2400" dirty="0" err="1"/>
+              <a:t>is</a:t>
+            </a:r>
+            <a:r>
+              <a:rPr lang="de-DE" sz="2400" dirty="0"/>
+              <a:t> a </a:t>
+            </a:r>
+            <a:r>
+              <a:rPr lang="de-DE" sz="2400" dirty="0" err="1"/>
+              <a:t>great</a:t>
+            </a:r>
+            <a:r>
+              <a:rPr lang="de-DE" sz="2400" dirty="0"/>
+              <a:t> source </a:t>
+            </a:r>
+            <a:r>
+              <a:rPr lang="de-DE" sz="2400" dirty="0" err="1"/>
+              <a:t>of</a:t>
+            </a:r>
+            <a:r>
+              <a:rPr lang="de-DE" sz="2400" dirty="0"/>
+              <a:t> </a:t>
+            </a:r>
+            <a:r>
+              <a:rPr lang="de-DE" sz="2400" dirty="0" err="1"/>
+              <a:t>learning</a:t>
+            </a:r>
+            <a:r>
+              <a:rPr lang="de-DE" sz="2400" dirty="0"/>
+              <a:t> and </a:t>
+            </a:r>
+            <a:r>
+              <a:rPr lang="de-DE" sz="2400" dirty="0" err="1"/>
+              <a:t>motivation</a:t>
+            </a:r>
+            <a:r>
+              <a:rPr lang="de-DE" sz="2400" dirty="0"/>
+              <a:t> </a:t>
+            </a:r>
+            <a:r>
+              <a:rPr lang="de-DE" sz="2400" dirty="0" err="1"/>
+              <a:t>for</a:t>
+            </a:r>
+            <a:r>
+              <a:rPr lang="de-DE" sz="2400" dirty="0"/>
+              <a:t> </a:t>
+            </a:r>
+            <a:r>
+              <a:rPr lang="de-DE" sz="2400" dirty="0" err="1"/>
+              <a:t>humans</a:t>
+            </a:r>
+            <a:endParaRPr lang="de-DE" sz="2400" dirty="0"/>
+          </a:p>
+          <a:p>
+            <a:pPr marL="285750" indent="-285750">
               <a:buFont typeface="Arial" panose="020B0604020202020204" pitchFamily="34" charset="0"/>
               <a:buChar char="•"/>
             </a:pPr>
             <a:r>
-              <a:rPr lang="de-DE" sz="2800" dirty="0"/>
-              <a:t>R </a:t>
-            </a:r>
-            <a:r>
-              <a:rPr lang="de-DE" sz="2800" dirty="0" err="1"/>
-              <a:t>Posit</a:t>
-            </a:r>
-            <a:r>
-              <a:rPr lang="de-DE" sz="2800" dirty="0"/>
-              <a:t> Cloud (</a:t>
-            </a:r>
-            <a:r>
-              <a:rPr lang="de-DE" sz="2800" dirty="0" err="1"/>
-              <a:t>we</a:t>
-            </a:r>
-            <a:r>
-              <a:rPr lang="de-DE" sz="2800" dirty="0"/>
+              <a:rPr lang="de-DE" sz="2400" dirty="0" err="1"/>
+              <a:t>Your</a:t>
+            </a:r>
+            <a:r>
+              <a:rPr lang="de-DE" sz="2400" dirty="0"/>
               <a:t> </a:t>
             </a:r>
             <a:r>
-              <a:rPr lang="de-DE" sz="2800" dirty="0" err="1"/>
-              <a:t>need</a:t>
-            </a:r>
-            <a:r>
-              <a:rPr lang="de-DE" sz="2800" dirty="0"/>
+              <a:rPr lang="de-DE" sz="2400" dirty="0" err="1"/>
+              <a:t>contribution</a:t>
+            </a:r>
+            <a:r>
+              <a:rPr lang="de-DE" sz="2400" dirty="0"/>
+              <a:t> will </a:t>
+            </a:r>
+            <a:r>
+              <a:rPr lang="de-DE" sz="2400" dirty="0" err="1"/>
+              <a:t>be</a:t>
+            </a:r>
+            <a:r>
+              <a:rPr lang="de-DE" sz="2400" dirty="0"/>
+              <a:t> visible </a:t>
+            </a:r>
+            <a:r>
+              <a:rPr lang="de-DE" sz="2400" dirty="0" err="1"/>
+              <a:t>everywhere</a:t>
+            </a:r>
+            <a:r>
+              <a:rPr lang="de-DE" sz="2400" dirty="0"/>
               <a:t> </a:t>
             </a:r>
             <a:r>
-              <a:rPr lang="de-DE" sz="2800" dirty="0" err="1"/>
-              <a:t>to</a:t>
-            </a:r>
-            <a:r>
-              <a:rPr lang="de-DE" sz="2800" dirty="0"/>
-              <a:t> check </a:t>
-            </a:r>
-            <a:r>
-              <a:rPr lang="de-DE" sz="2800" dirty="0" err="1"/>
-              <a:t>if</a:t>
-            </a:r>
-            <a:r>
-              <a:rPr lang="de-DE" sz="2800" dirty="0"/>
+              <a:rPr lang="de-DE" sz="2400" dirty="0" err="1"/>
+              <a:t>besides</a:t>
+            </a:r>
+            <a:r>
+              <a:rPr lang="de-DE" sz="2400" dirty="0"/>
               <a:t> </a:t>
             </a:r>
             <a:r>
-              <a:rPr lang="de-DE" sz="2800" dirty="0" err="1"/>
+              <a:rPr lang="de-DE" sz="2400" dirty="0" err="1"/>
               <a:t>the</a:t>
             </a:r>
             <a:r>
-              <a:rPr lang="de-DE" sz="2800" dirty="0"/>
+              <a:rPr lang="de-DE" sz="2400" dirty="0"/>
               <a:t> </a:t>
             </a:r>
             <a:r>
-              <a:rPr lang="de-DE" sz="2800" dirty="0" err="1"/>
-              <a:t>free</a:t>
-            </a:r>
-            <a:r>
-              <a:rPr lang="de-DE" sz="2800" dirty="0"/>
+              <a:rPr lang="de-DE" sz="2400" dirty="0" err="1"/>
+              <a:t>issues</a:t>
+            </a:r>
+            <a:r>
+              <a:rPr lang="de-DE" sz="2400" dirty="0"/>
+              <a:t> (</a:t>
+            </a:r>
+            <a:r>
+              <a:rPr lang="de-DE" sz="2400" dirty="0" err="1"/>
+              <a:t>these</a:t>
+            </a:r>
+            <a:r>
+              <a:rPr lang="de-DE" sz="2400" dirty="0"/>
+              <a:t> will </a:t>
+            </a:r>
+            <a:r>
+              <a:rPr lang="de-DE" sz="2400" dirty="0" err="1"/>
+              <a:t>be</a:t>
+            </a:r>
+            <a:r>
+              <a:rPr lang="de-DE" sz="2400" dirty="0"/>
               <a:t> </a:t>
             </a:r>
             <a:r>
-              <a:rPr lang="de-DE" sz="2800" dirty="0" err="1"/>
-              <a:t>resources</a:t>
-            </a:r>
-            <a:r>
-              <a:rPr lang="de-DE" sz="2800" dirty="0"/>
-              <a:t> </a:t>
-            </a:r>
-            <a:r>
-              <a:rPr lang="de-DE" sz="2800" dirty="0" err="1"/>
-              <a:t>are</a:t>
-            </a:r>
-            <a:r>
-              <a:rPr lang="de-DE" sz="2800" dirty="0"/>
-              <a:t> </a:t>
-            </a:r>
-            <a:r>
-              <a:rPr lang="de-DE" sz="2800" dirty="0" err="1"/>
-              <a:t>satisfactory</a:t>
-            </a:r>
-            <a:r>
-              <a:rPr lang="de-DE" sz="2800" dirty="0"/>
+              <a:rPr lang="de-DE" sz="2400" dirty="0" err="1"/>
+              <a:t>deleted</a:t>
+            </a:r>
+            <a:r>
+              <a:rPr lang="de-DE" sz="2400" dirty="0"/>
+              <a:t> in </a:t>
+            </a:r>
+            <a:r>
+              <a:rPr lang="de-DE" sz="2400" dirty="0" err="1"/>
+              <a:t>advance</a:t>
+            </a:r>
+            <a:r>
+              <a:rPr lang="de-DE" sz="2400" dirty="0"/>
               <a:t>)</a:t>
             </a:r>
           </a:p>
           <a:p>
-            <a:pPr marL="457200" indent="-457200">
+            <a:pPr marL="285750" indent="-285750">
               <a:buFont typeface="Arial" panose="020B0604020202020204" pitchFamily="34" charset="0"/>
               <a:buChar char="•"/>
             </a:pPr>
             <a:r>
-              <a:rPr lang="de-DE" sz="2800" dirty="0"/>
-              <a:t>OLAT: </a:t>
-            </a:r>
-            <a:r>
-              <a:rPr lang="de-DE" sz="2800" dirty="0" err="1"/>
-              <a:t>Only</a:t>
-            </a:r>
-            <a:r>
-              <a:rPr lang="de-DE" sz="2800" dirty="0"/>
+              <a:rPr lang="de-DE" sz="2400" dirty="0" err="1"/>
+              <a:t>Your</a:t>
+            </a:r>
+            <a:r>
+              <a:rPr lang="de-DE" sz="2400" dirty="0"/>
               <a:t> </a:t>
             </a:r>
             <a:r>
-              <a:rPr lang="de-DE" sz="2800" dirty="0" err="1"/>
-              <a:t>for</a:t>
-            </a:r>
-            <a:r>
-              <a:rPr lang="de-DE" sz="2800" dirty="0"/>
+              <a:rPr lang="de-DE" sz="2400" dirty="0" err="1"/>
+              <a:t>contribution</a:t>
+            </a:r>
+            <a:r>
+              <a:rPr lang="de-DE" sz="2400" dirty="0"/>
               <a:t> </a:t>
             </a:r>
             <a:r>
-              <a:rPr lang="en-GB" sz="2800" dirty="0"/>
-              <a:t>announcements</a:t>
-            </a:r>
-            <a:r>
-              <a:rPr lang="de-DE" sz="2800" dirty="0"/>
-              <a:t> (Mitteilungen)</a:t>
-            </a:r>
-          </a:p>
-          <a:p>
-            <a:pPr marL="457200" indent="-457200">
+              <a:rPr lang="de-DE" sz="2400" dirty="0" err="1"/>
+              <a:t>increases</a:t>
+            </a:r>
+            <a:r>
+              <a:rPr lang="de-DE" sz="2400" dirty="0"/>
+              <a:t> </a:t>
+            </a:r>
+            <a:r>
+              <a:rPr lang="de-DE" sz="2400" dirty="0" err="1"/>
+              <a:t>your</a:t>
+            </a:r>
+            <a:r>
+              <a:rPr lang="de-DE" sz="2400" dirty="0"/>
+              <a:t> </a:t>
+            </a:r>
+            <a:r>
+              <a:rPr lang="de-DE" sz="2400" dirty="0" err="1"/>
+              <a:t>reputation</a:t>
+            </a:r>
+            <a:r>
+              <a:rPr lang="de-DE" sz="2400" dirty="0"/>
+              <a:t> in </a:t>
+            </a:r>
+            <a:r>
+              <a:rPr lang="de-DE" sz="2400" dirty="0" err="1"/>
+              <a:t>your</a:t>
+            </a:r>
+            <a:r>
+              <a:rPr lang="de-DE" sz="2400" dirty="0"/>
+              <a:t> </a:t>
+            </a:r>
+            <a:r>
+              <a:rPr lang="de-DE" sz="2400" dirty="0" err="1"/>
+              <a:t>future</a:t>
+            </a:r>
+            <a:r>
+              <a:rPr lang="de-DE" sz="2400" dirty="0"/>
+              <a:t> </a:t>
+            </a:r>
+            <a:r>
+              <a:rPr lang="de-DE" sz="2400" dirty="0" err="1"/>
+              <a:t>career</a:t>
+            </a:r>
+            <a:endParaRPr lang="de-DE" sz="2400" dirty="0"/>
+          </a:p>
+          <a:p>
+            <a:pPr marL="285750" indent="-285750">
               <a:buFont typeface="Arial" panose="020B0604020202020204" pitchFamily="34" charset="0"/>
               <a:buChar char="•"/>
             </a:pPr>
             <a:r>
-              <a:rPr lang="de-DE" sz="2800" dirty="0"/>
-              <a:t>Zoom: In </a:t>
-            </a:r>
-            <a:r>
-              <a:rPr lang="de-DE" sz="2800" dirty="0" err="1"/>
-              <a:t>special</a:t>
-            </a:r>
-            <a:r>
-              <a:rPr lang="de-DE" sz="2800" dirty="0"/>
+              <a:rPr lang="de-DE" sz="2400" dirty="0" err="1"/>
+              <a:t>If</a:t>
+            </a:r>
+            <a:r>
+              <a:rPr lang="de-DE" sz="2400" dirty="0"/>
               <a:t> </a:t>
             </a:r>
             <a:r>
-              <a:rPr lang="de-DE" sz="2800" dirty="0" err="1"/>
-              <a:t>cases</a:t>
-            </a:r>
-            <a:r>
-              <a:rPr lang="de-DE" sz="2800" dirty="0"/>
+              <a:rPr lang="de-DE" sz="2400" dirty="0" err="1"/>
+              <a:t>we</a:t>
+            </a:r>
+            <a:r>
+              <a:rPr lang="de-DE" sz="2400" dirty="0"/>
+              <a:t> will not </a:t>
+            </a:r>
+            <a:r>
+              <a:rPr lang="de-DE" sz="2400" dirty="0" err="1"/>
+              <a:t>finalize</a:t>
+            </a:r>
+            <a:r>
+              <a:rPr lang="de-DE" sz="2400" dirty="0"/>
               <a:t> </a:t>
             </a:r>
-            <a:endParaRPr lang="en-DE" sz="2800" dirty="0"/>
+            <a:r>
+              <a:rPr lang="de-DE" sz="2400" dirty="0" err="1"/>
+              <a:t>the</a:t>
+            </a:r>
+            <a:r>
+              <a:rPr lang="de-DE" sz="2400" dirty="0"/>
+              <a:t> </a:t>
+            </a:r>
+            <a:r>
+              <a:rPr lang="de-DE" sz="2400" dirty="0" err="1"/>
+              <a:t>app</a:t>
+            </a:r>
+            <a:r>
+              <a:rPr lang="de-DE" sz="2400" dirty="0"/>
+              <a:t> </a:t>
+            </a:r>
+            <a:r>
+              <a:rPr lang="de-DE" sz="2400" dirty="0" err="1"/>
+              <a:t>during</a:t>
+            </a:r>
+            <a:r>
+              <a:rPr lang="de-DE" sz="2400" dirty="0"/>
+              <a:t> </a:t>
+            </a:r>
+            <a:r>
+              <a:rPr lang="de-DE" sz="2400" dirty="0" err="1"/>
+              <a:t>this</a:t>
+            </a:r>
+            <a:r>
+              <a:rPr lang="de-DE" sz="2400" dirty="0"/>
+              <a:t> </a:t>
+            </a:r>
+            <a:r>
+              <a:rPr lang="de-DE" sz="2400" dirty="0" err="1"/>
+              <a:t>semester</a:t>
+            </a:r>
+            <a:r>
+              <a:rPr lang="de-DE" sz="2400" dirty="0"/>
+              <a:t>, </a:t>
+            </a:r>
+            <a:r>
+              <a:rPr lang="de-DE" sz="2400" dirty="0" err="1"/>
+              <a:t>then</a:t>
+            </a:r>
+            <a:r>
+              <a:rPr lang="de-DE" sz="2400" dirty="0"/>
+              <a:t> </a:t>
+            </a:r>
+            <a:r>
+              <a:rPr lang="de-DE" sz="2400" dirty="0" err="1"/>
+              <a:t>your</a:t>
+            </a:r>
+            <a:r>
+              <a:rPr lang="de-DE" sz="2400" dirty="0"/>
+              <a:t> </a:t>
+            </a:r>
+            <a:r>
+              <a:rPr lang="de-DE" sz="2400" dirty="0" err="1"/>
+              <a:t>contribution</a:t>
+            </a:r>
+            <a:r>
+              <a:rPr lang="de-DE" sz="2400" dirty="0"/>
+              <a:t> </a:t>
+            </a:r>
+            <a:r>
+              <a:rPr lang="de-DE" sz="2400" dirty="0" err="1"/>
+              <a:t>within</a:t>
+            </a:r>
+            <a:r>
+              <a:rPr lang="de-DE" sz="2400" dirty="0"/>
+              <a:t> </a:t>
+            </a:r>
+            <a:r>
+              <a:rPr lang="de-DE" sz="2400" dirty="0" err="1"/>
+              <a:t>the</a:t>
+            </a:r>
+            <a:r>
+              <a:rPr lang="de-DE" sz="2400" dirty="0"/>
+              <a:t> </a:t>
+            </a:r>
+            <a:r>
+              <a:rPr lang="de-DE" sz="2400" dirty="0" err="1"/>
+              <a:t>issues</a:t>
+            </a:r>
+            <a:r>
+              <a:rPr lang="de-DE" sz="2400" dirty="0"/>
+              <a:t> will </a:t>
+            </a:r>
+            <a:r>
+              <a:rPr lang="de-DE" sz="2400" dirty="0" err="1"/>
+              <a:t>be</a:t>
+            </a:r>
+            <a:r>
+              <a:rPr lang="de-DE" sz="2400" dirty="0"/>
+              <a:t> visible </a:t>
+            </a:r>
+            <a:r>
+              <a:rPr lang="de-DE" sz="2400" dirty="0" err="1"/>
+              <a:t>for</a:t>
+            </a:r>
+            <a:r>
+              <a:rPr lang="de-DE" sz="2400" dirty="0"/>
+              <a:t> </a:t>
+            </a:r>
+            <a:r>
+              <a:rPr lang="de-DE" sz="2400" dirty="0" err="1"/>
+              <a:t>future</a:t>
+            </a:r>
+            <a:r>
+              <a:rPr lang="de-DE" sz="2400" dirty="0"/>
+              <a:t> </a:t>
+            </a:r>
+            <a:r>
+              <a:rPr lang="de-DE" sz="2400" dirty="0" err="1"/>
+              <a:t>students</a:t>
+            </a:r>
+            <a:r>
+              <a:rPr lang="de-DE" sz="2400" dirty="0"/>
+              <a:t> </a:t>
+            </a:r>
+            <a:r>
+              <a:rPr lang="de-DE" sz="2400" dirty="0" err="1"/>
+              <a:t>working</a:t>
+            </a:r>
+            <a:r>
+              <a:rPr lang="de-DE" sz="2400" dirty="0"/>
+              <a:t> on </a:t>
+            </a:r>
+            <a:r>
+              <a:rPr lang="de-DE" sz="2400" dirty="0" err="1"/>
+              <a:t>the</a:t>
+            </a:r>
+            <a:r>
+              <a:rPr lang="de-DE" sz="2400" dirty="0"/>
+              <a:t> </a:t>
+            </a:r>
+            <a:r>
+              <a:rPr lang="de-DE" sz="2400" dirty="0" err="1"/>
+              <a:t>app</a:t>
+            </a:r>
+            <a:endParaRPr lang="de-DE" sz="2400" dirty="0"/>
+          </a:p>
+          <a:p>
+            <a:pPr marL="285750" indent="-285750">
+              <a:buFont typeface="Arial" panose="020B0604020202020204" pitchFamily="34" charset="0"/>
+              <a:buChar char="•"/>
+            </a:pPr>
+            <a:r>
+              <a:rPr lang="de-DE" sz="2400" dirty="0" err="1"/>
+              <a:t>You</a:t>
+            </a:r>
+            <a:r>
+              <a:rPr lang="de-DE" sz="2400" dirty="0"/>
+              <a:t> </a:t>
+            </a:r>
+            <a:r>
+              <a:rPr lang="de-DE" sz="2400" dirty="0" err="1"/>
+              <a:t>agree</a:t>
+            </a:r>
+            <a:r>
+              <a:rPr lang="de-DE" sz="2400" dirty="0"/>
+              <a:t> </a:t>
+            </a:r>
+            <a:r>
+              <a:rPr lang="de-DE" sz="2400" dirty="0" err="1"/>
+              <a:t>with</a:t>
+            </a:r>
+            <a:r>
+              <a:rPr lang="de-DE" sz="2400" dirty="0"/>
+              <a:t> </a:t>
+            </a:r>
+            <a:r>
+              <a:rPr lang="de-DE" sz="2400" dirty="0" err="1"/>
+              <a:t>the</a:t>
+            </a:r>
+            <a:r>
+              <a:rPr lang="de-DE" sz="2400" dirty="0"/>
+              <a:t> </a:t>
+            </a:r>
+            <a:r>
+              <a:rPr lang="de-DE" sz="2400" dirty="0" err="1"/>
+              <a:t>terms</a:t>
+            </a:r>
+            <a:r>
+              <a:rPr lang="de-DE" sz="2400" dirty="0"/>
+              <a:t> </a:t>
+            </a:r>
+            <a:r>
+              <a:rPr lang="de-DE" sz="2400" dirty="0" err="1"/>
+              <a:t>of</a:t>
+            </a:r>
+            <a:r>
+              <a:rPr lang="de-DE" sz="2400" dirty="0"/>
+              <a:t> GitHub </a:t>
+            </a:r>
+          </a:p>
+          <a:p>
+            <a:r>
+              <a:rPr lang="de-DE" sz="2400" dirty="0"/>
+              <a:t> </a:t>
+            </a:r>
           </a:p>
         </p:txBody>
       </p:sp>
     </p:spTree>
     <p:extLst>
       <p:ext uri="{BB962C8B-B14F-4D97-AF65-F5344CB8AC3E}">
-        <p14:creationId xmlns:p14="http://schemas.microsoft.com/office/powerpoint/2010/main" val="423796654"/>
+        <p14:creationId xmlns:p14="http://schemas.microsoft.com/office/powerpoint/2010/main" val="1097715251"/>
       </p:ext>
     </p:extLst>
   </p:cSld>
@@ -6116,7 +6211,7 @@
           <p:cNvPr id="2" name="Titel 1">
             <a:extLst>
               <a:ext uri="{FF2B5EF4-FFF2-40B4-BE49-F238E27FC236}">
-                <a16:creationId xmlns:a16="http://schemas.microsoft.com/office/drawing/2014/main" id="{4288A1AB-749B-7F86-BD3E-3BFFC55CF7F1}"/>
+                <a16:creationId xmlns:a16="http://schemas.microsoft.com/office/drawing/2014/main" id="{A46336D5-A70F-BA46-F865-E15753F7C1D2}"/>
               </a:ext>
             </a:extLst>
           </p:cNvPr>
@@ -6134,15 +6229,11 @@
           <a:p>
             <a:r>
               <a:rPr lang="de-DE" dirty="0"/>
-              <a:t>Open-Source Software </a:t>
+              <a:t>Bayes Theory </a:t>
             </a:r>
             <a:r>
               <a:rPr lang="de-DE" dirty="0" err="1"/>
-              <a:t>with</a:t>
-            </a:r>
-            <a:r>
-              <a:rPr lang="de-DE" dirty="0"/>
-              <a:t> GitHub</a:t>
+              <a:t>Introduction</a:t>
             </a:r>
             <a:endParaRPr lang="en-DE" dirty="0"/>
           </a:p>
@@ -6153,7 +6244,7 @@
           <p:cNvPr id="4" name="Fußzeilenplatzhalter 3">
             <a:extLst>
               <a:ext uri="{FF2B5EF4-FFF2-40B4-BE49-F238E27FC236}">
-                <a16:creationId xmlns:a16="http://schemas.microsoft.com/office/drawing/2014/main" id="{78DE1938-2602-7354-2F07-321AE0707BA7}"/>
+                <a16:creationId xmlns:a16="http://schemas.microsoft.com/office/drawing/2014/main" id="{73DF46EA-7BEF-5885-DBD5-EA173558BF82}"/>
               </a:ext>
             </a:extLst>
           </p:cNvPr>
@@ -6177,12 +6268,42 @@
           </a:p>
         </p:txBody>
       </p:sp>
-      <p:sp>
-        <p:nvSpPr>
-          <p:cNvPr id="5" name="Textfeld 4">
-            <a:extLst>
-              <a:ext uri="{FF2B5EF4-FFF2-40B4-BE49-F238E27FC236}">
-                <a16:creationId xmlns:a16="http://schemas.microsoft.com/office/drawing/2014/main" id="{9640721C-259B-D977-0C94-0EBC8229E29E}"/>
+      <p:pic>
+        <p:nvPicPr>
+          <p:cNvPr id="6" name="Grafik 5">
+            <a:extLst>
+              <a:ext uri="{FF2B5EF4-FFF2-40B4-BE49-F238E27FC236}">
+                <a16:creationId xmlns:a16="http://schemas.microsoft.com/office/drawing/2014/main" id="{921D03C7-72F6-CF1E-1273-0EF3C568B8FA}"/>
+              </a:ext>
+            </a:extLst>
+          </p:cNvPr>
+          <p:cNvPicPr>
+            <a:picLocks noChangeAspect="1"/>
+          </p:cNvPicPr>
+          <p:nvPr/>
+        </p:nvPicPr>
+        <p:blipFill>
+          <a:blip r:embed="rId2"/>
+          <a:stretch>
+            <a:fillRect/>
+          </a:stretch>
+        </p:blipFill>
+        <p:spPr>
+          <a:xfrm>
+            <a:off x="3091543" y="2077810"/>
+            <a:ext cx="6381688" cy="3473903"/>
+          </a:xfrm>
+          <a:prstGeom prst="rect">
+            <a:avLst/>
+          </a:prstGeom>
+        </p:spPr>
+      </p:pic>
+      <p:sp>
+        <p:nvSpPr>
+          <p:cNvPr id="3" name="Textfeld 2">
+            <a:extLst>
+              <a:ext uri="{FF2B5EF4-FFF2-40B4-BE49-F238E27FC236}">
+                <a16:creationId xmlns:a16="http://schemas.microsoft.com/office/drawing/2014/main" id="{D9C8081B-801C-84A8-6051-D00EA8220207}"/>
               </a:ext>
             </a:extLst>
           </p:cNvPr>
@@ -6191,8 +6312,8 @@
         </p:nvSpPr>
         <p:spPr>
           <a:xfrm>
-            <a:off x="838200" y="1946027"/>
-            <a:ext cx="11111345" cy="4154984"/>
+            <a:off x="9518072" y="5305492"/>
+            <a:ext cx="1895071" cy="246221"/>
           </a:xfrm>
           <a:prstGeom prst="rect">
             <a:avLst/>
@@ -6200,690 +6321,47 @@
           <a:noFill/>
         </p:spPr>
         <p:txBody>
-          <a:bodyPr wrap="square" rtlCol="0">
+          <a:bodyPr wrap="none" rtlCol="0">
             <a:spAutoFit/>
           </a:bodyPr>
           <a:lstStyle/>
           <a:p>
-            <a:pPr marL="285750" indent="-285750">
-              <a:buFont typeface="Arial" panose="020B0604020202020204" pitchFamily="34" charset="0"/>
-              <a:buChar char="•"/>
-            </a:pPr>
-            <a:r>
-              <a:rPr lang="de-DE" sz="2400" dirty="0"/>
-              <a:t>The </a:t>
-            </a:r>
-            <a:r>
-              <a:rPr lang="de-DE" sz="2400" dirty="0" err="1"/>
-              <a:t>repository</a:t>
-            </a:r>
-            <a:r>
-              <a:rPr lang="de-DE" sz="2400" dirty="0"/>
+            <a:r>
+              <a:rPr lang="de-DE" sz="1000" dirty="0"/>
+              <a:t>All </a:t>
+            </a:r>
+            <a:r>
+              <a:rPr lang="de-DE" sz="1000" dirty="0" err="1"/>
+              <a:t>of</a:t>
+            </a:r>
+            <a:r>
+              <a:rPr lang="de-DE" sz="1000" dirty="0"/>
               <a:t> </a:t>
             </a:r>
             <a:r>
-              <a:rPr lang="de-DE" sz="2400" dirty="0" err="1"/>
-              <a:t>reyar</a:t>
-            </a:r>
-            <a:r>
-              <a:rPr lang="de-DE" sz="2400" dirty="0"/>
-              <a:t>/</a:t>
-            </a:r>
-            <a:r>
-              <a:rPr lang="de-DE" sz="2400" dirty="0" err="1"/>
-              <a:t>BayesTwoprop</a:t>
-            </a:r>
-            <a:r>
-              <a:rPr lang="de-DE" sz="2400" dirty="0"/>
-              <a:t> </a:t>
-            </a:r>
-            <a:r>
-              <a:rPr lang="de-DE" sz="2400" dirty="0" err="1"/>
-              <a:t>is</a:t>
-            </a:r>
-            <a:r>
-              <a:rPr lang="de-DE" sz="2400" dirty="0"/>
-              <a:t> </a:t>
-            </a:r>
-            <a:r>
-              <a:rPr lang="de-DE" sz="2400" dirty="0" err="1"/>
-              <a:t>currently</a:t>
-            </a:r>
-            <a:r>
-              <a:rPr lang="de-DE" sz="2400" dirty="0"/>
-              <a:t> private</a:t>
-            </a:r>
-          </a:p>
-          <a:p>
-            <a:pPr marL="285750" indent="-285750">
-              <a:buFont typeface="Arial" panose="020B0604020202020204" pitchFamily="34" charset="0"/>
-              <a:buChar char="•"/>
-            </a:pPr>
-            <a:r>
-              <a:rPr lang="de-DE" sz="2400" dirty="0" err="1"/>
-              <a:t>When</a:t>
-            </a:r>
-            <a:r>
-              <a:rPr lang="de-DE" sz="2400" dirty="0"/>
-              <a:t> </a:t>
-            </a:r>
-            <a:r>
-              <a:rPr lang="de-DE" sz="2400" dirty="0" err="1"/>
-              <a:t>finalized</a:t>
-            </a:r>
-            <a:r>
-              <a:rPr lang="de-DE" sz="2400" dirty="0"/>
+              <a:rPr lang="de-DE" sz="1000" dirty="0" err="1"/>
+              <a:t>Statistics</a:t>
+            </a:r>
+            <a:r>
+              <a:rPr lang="de-DE" sz="1000" dirty="0"/>
               <a:t>, </a:t>
             </a:r>
             <a:r>
-              <a:rPr lang="de-DE" sz="2400" dirty="0" err="1"/>
-              <a:t>the</a:t>
-            </a:r>
-            <a:r>
-              <a:rPr lang="de-DE" sz="2400" dirty="0"/>
-              <a:t> </a:t>
-            </a:r>
-            <a:r>
-              <a:rPr lang="de-DE" sz="2400" dirty="0" err="1"/>
-              <a:t>repository</a:t>
-            </a:r>
-            <a:r>
-              <a:rPr lang="de-DE" sz="2400" dirty="0"/>
-              <a:t> will </a:t>
-            </a:r>
-            <a:r>
-              <a:rPr lang="de-DE" sz="2400" dirty="0" err="1"/>
-              <a:t>be</a:t>
-            </a:r>
-            <a:r>
-              <a:rPr lang="de-DE" sz="2400" dirty="0"/>
-              <a:t> </a:t>
-            </a:r>
-            <a:r>
-              <a:rPr lang="de-DE" sz="2400" dirty="0" err="1"/>
-              <a:t>set</a:t>
-            </a:r>
-            <a:r>
-              <a:rPr lang="de-DE" sz="2400" dirty="0"/>
-              <a:t> on </a:t>
-            </a:r>
-            <a:r>
-              <a:rPr lang="de-DE" sz="2400" dirty="0" err="1"/>
-              <a:t>public</a:t>
-            </a:r>
-            <a:r>
-              <a:rPr lang="de-DE" sz="2400" dirty="0"/>
-              <a:t> and will </a:t>
-            </a:r>
-            <a:r>
-              <a:rPr lang="de-DE" sz="2400" dirty="0" err="1"/>
-              <a:t>be</a:t>
-            </a:r>
-            <a:r>
-              <a:rPr lang="de-DE" sz="2400" dirty="0"/>
-              <a:t> open-source</a:t>
-            </a:r>
-          </a:p>
-          <a:p>
-            <a:pPr marL="285750" indent="-285750">
-              <a:buFont typeface="Arial" panose="020B0604020202020204" pitchFamily="34" charset="0"/>
-              <a:buChar char="•"/>
-            </a:pPr>
-            <a:r>
-              <a:rPr lang="de-DE" sz="2400" dirty="0"/>
-              <a:t>Open-source </a:t>
-            </a:r>
-            <a:r>
-              <a:rPr lang="de-DE" sz="2400" dirty="0" err="1"/>
-              <a:t>software</a:t>
-            </a:r>
-            <a:r>
-              <a:rPr lang="de-DE" sz="2400" dirty="0"/>
-              <a:t> </a:t>
-            </a:r>
-            <a:r>
-              <a:rPr lang="de-DE" sz="2400" dirty="0" err="1"/>
-              <a:t>is</a:t>
-            </a:r>
-            <a:r>
-              <a:rPr lang="de-DE" sz="2400" dirty="0"/>
-              <a:t> a </a:t>
-            </a:r>
-            <a:r>
-              <a:rPr lang="de-DE" sz="2400" dirty="0" err="1"/>
-              <a:t>great</a:t>
-            </a:r>
-            <a:r>
-              <a:rPr lang="de-DE" sz="2400" dirty="0"/>
-              <a:t> source </a:t>
-            </a:r>
-            <a:r>
-              <a:rPr lang="de-DE" sz="2400" dirty="0" err="1"/>
-              <a:t>of</a:t>
-            </a:r>
-            <a:r>
-              <a:rPr lang="de-DE" sz="2400" dirty="0"/>
-              <a:t> </a:t>
-            </a:r>
-            <a:r>
-              <a:rPr lang="de-DE" sz="2400" dirty="0" err="1"/>
-              <a:t>learning</a:t>
-            </a:r>
-            <a:r>
-              <a:rPr lang="de-DE" sz="2400" dirty="0"/>
-              <a:t> and </a:t>
-            </a:r>
-            <a:r>
-              <a:rPr lang="de-DE" sz="2400" dirty="0" err="1"/>
-              <a:t>motivation</a:t>
-            </a:r>
-            <a:r>
-              <a:rPr lang="de-DE" sz="2400" dirty="0"/>
-              <a:t> </a:t>
-            </a:r>
-            <a:r>
-              <a:rPr lang="de-DE" sz="2400" dirty="0" err="1"/>
-              <a:t>for</a:t>
-            </a:r>
-            <a:r>
-              <a:rPr lang="de-DE" sz="2400" dirty="0"/>
-              <a:t> </a:t>
-            </a:r>
-            <a:r>
-              <a:rPr lang="de-DE" sz="2400" dirty="0" err="1"/>
-              <a:t>humans</a:t>
-            </a:r>
-            <a:endParaRPr lang="de-DE" sz="2400" dirty="0"/>
-          </a:p>
-          <a:p>
-            <a:pPr marL="285750" indent="-285750">
-              <a:buFont typeface="Arial" panose="020B0604020202020204" pitchFamily="34" charset="0"/>
-              <a:buChar char="•"/>
-            </a:pPr>
-            <a:r>
-              <a:rPr lang="de-DE" sz="2400" dirty="0" err="1"/>
-              <a:t>Your</a:t>
-            </a:r>
-            <a:r>
-              <a:rPr lang="de-DE" sz="2400" dirty="0"/>
-              <a:t> </a:t>
-            </a:r>
-            <a:r>
-              <a:rPr lang="de-DE" sz="2400" dirty="0" err="1"/>
-              <a:t>contribution</a:t>
-            </a:r>
-            <a:r>
-              <a:rPr lang="de-DE" sz="2400" dirty="0"/>
-              <a:t> will </a:t>
-            </a:r>
-            <a:r>
-              <a:rPr lang="de-DE" sz="2400" dirty="0" err="1"/>
-              <a:t>be</a:t>
-            </a:r>
-            <a:r>
-              <a:rPr lang="de-DE" sz="2400" dirty="0"/>
-              <a:t> visible </a:t>
-            </a:r>
-            <a:r>
-              <a:rPr lang="de-DE" sz="2400" dirty="0" err="1"/>
-              <a:t>everywhere</a:t>
-            </a:r>
-            <a:r>
-              <a:rPr lang="de-DE" sz="2400" dirty="0"/>
-              <a:t> </a:t>
-            </a:r>
-            <a:r>
-              <a:rPr lang="de-DE" sz="2400" dirty="0" err="1"/>
-              <a:t>besides</a:t>
-            </a:r>
-            <a:r>
-              <a:rPr lang="de-DE" sz="2400" dirty="0"/>
-              <a:t> </a:t>
-            </a:r>
-            <a:r>
-              <a:rPr lang="de-DE" sz="2400" dirty="0" err="1"/>
-              <a:t>the</a:t>
-            </a:r>
-            <a:r>
-              <a:rPr lang="de-DE" sz="2400" dirty="0"/>
-              <a:t> </a:t>
-            </a:r>
-            <a:r>
-              <a:rPr lang="de-DE" sz="2400" dirty="0" err="1"/>
-              <a:t>issues</a:t>
-            </a:r>
-            <a:r>
-              <a:rPr lang="de-DE" sz="2400" dirty="0"/>
-              <a:t> (</a:t>
-            </a:r>
-            <a:r>
-              <a:rPr lang="de-DE" sz="2400" dirty="0" err="1"/>
-              <a:t>these</a:t>
-            </a:r>
-            <a:r>
-              <a:rPr lang="de-DE" sz="2400" dirty="0"/>
-              <a:t> will </a:t>
-            </a:r>
-            <a:r>
-              <a:rPr lang="de-DE" sz="2400" dirty="0" err="1"/>
-              <a:t>be</a:t>
-            </a:r>
-            <a:r>
-              <a:rPr lang="de-DE" sz="2400" dirty="0"/>
-              <a:t> </a:t>
-            </a:r>
-            <a:r>
-              <a:rPr lang="de-DE" sz="2400" dirty="0" err="1"/>
-              <a:t>deleted</a:t>
-            </a:r>
-            <a:r>
-              <a:rPr lang="de-DE" sz="2400" dirty="0"/>
-              <a:t> in </a:t>
-            </a:r>
-            <a:r>
-              <a:rPr lang="de-DE" sz="2400" dirty="0" err="1"/>
-              <a:t>advance</a:t>
-            </a:r>
-            <a:r>
-              <a:rPr lang="de-DE" sz="2400" dirty="0"/>
-              <a:t>)</a:t>
-            </a:r>
-          </a:p>
-          <a:p>
-            <a:pPr marL="285750" indent="-285750">
-              <a:buFont typeface="Arial" panose="020B0604020202020204" pitchFamily="34" charset="0"/>
-              <a:buChar char="•"/>
-            </a:pPr>
-            <a:r>
-              <a:rPr lang="de-DE" sz="2400" dirty="0" err="1"/>
-              <a:t>Your</a:t>
-            </a:r>
-            <a:r>
-              <a:rPr lang="de-DE" sz="2400" dirty="0"/>
-              <a:t> </a:t>
-            </a:r>
-            <a:r>
-              <a:rPr lang="de-DE" sz="2400" dirty="0" err="1"/>
-              <a:t>contribution</a:t>
-            </a:r>
-            <a:r>
-              <a:rPr lang="de-DE" sz="2400" dirty="0"/>
-              <a:t> </a:t>
-            </a:r>
-            <a:r>
-              <a:rPr lang="de-DE" sz="2400" dirty="0" err="1"/>
-              <a:t>increases</a:t>
-            </a:r>
-            <a:r>
-              <a:rPr lang="de-DE" sz="2400" dirty="0"/>
-              <a:t> </a:t>
-            </a:r>
-            <a:r>
-              <a:rPr lang="de-DE" sz="2400" dirty="0" err="1"/>
-              <a:t>your</a:t>
-            </a:r>
-            <a:r>
-              <a:rPr lang="de-DE" sz="2400" dirty="0"/>
-              <a:t> </a:t>
-            </a:r>
-            <a:r>
-              <a:rPr lang="de-DE" sz="2400" dirty="0" err="1"/>
-              <a:t>reputation</a:t>
-            </a:r>
-            <a:r>
-              <a:rPr lang="de-DE" sz="2400" dirty="0"/>
-              <a:t> in </a:t>
-            </a:r>
-            <a:r>
-              <a:rPr lang="de-DE" sz="2400" dirty="0" err="1"/>
-              <a:t>your</a:t>
-            </a:r>
-            <a:r>
-              <a:rPr lang="de-DE" sz="2400" dirty="0"/>
-              <a:t> </a:t>
-            </a:r>
-            <a:r>
-              <a:rPr lang="de-DE" sz="2400" dirty="0" err="1"/>
-              <a:t>future</a:t>
-            </a:r>
-            <a:r>
-              <a:rPr lang="de-DE" sz="2400" dirty="0"/>
-              <a:t> </a:t>
-            </a:r>
-            <a:r>
-              <a:rPr lang="de-DE" sz="2400" dirty="0" err="1"/>
-              <a:t>career</a:t>
-            </a:r>
-            <a:endParaRPr lang="de-DE" sz="2400" dirty="0"/>
-          </a:p>
-          <a:p>
-            <a:pPr marL="285750" indent="-285750">
-              <a:buFont typeface="Arial" panose="020B0604020202020204" pitchFamily="34" charset="0"/>
-              <a:buChar char="•"/>
-            </a:pPr>
-            <a:r>
-              <a:rPr lang="de-DE" sz="2400" dirty="0" err="1"/>
-              <a:t>If</a:t>
-            </a:r>
-            <a:r>
-              <a:rPr lang="de-DE" sz="2400" dirty="0"/>
-              <a:t> </a:t>
-            </a:r>
-            <a:r>
-              <a:rPr lang="de-DE" sz="2400" dirty="0" err="1"/>
-              <a:t>we</a:t>
-            </a:r>
-            <a:r>
-              <a:rPr lang="de-DE" sz="2400" dirty="0"/>
-              <a:t> will not </a:t>
-            </a:r>
-            <a:r>
-              <a:rPr lang="de-DE" sz="2400" dirty="0" err="1"/>
-              <a:t>finalize</a:t>
-            </a:r>
-            <a:r>
-              <a:rPr lang="de-DE" sz="2400" dirty="0"/>
-              <a:t> </a:t>
-            </a:r>
-            <a:r>
-              <a:rPr lang="de-DE" sz="2400" dirty="0" err="1"/>
-              <a:t>the</a:t>
-            </a:r>
-            <a:r>
-              <a:rPr lang="de-DE" sz="2400" dirty="0"/>
-              <a:t> </a:t>
-            </a:r>
-            <a:r>
-              <a:rPr lang="de-DE" sz="2400" dirty="0" err="1"/>
-              <a:t>app</a:t>
-            </a:r>
-            <a:r>
-              <a:rPr lang="de-DE" sz="2400" dirty="0"/>
-              <a:t> </a:t>
-            </a:r>
-            <a:r>
-              <a:rPr lang="de-DE" sz="2400" dirty="0" err="1"/>
-              <a:t>during</a:t>
-            </a:r>
-            <a:r>
-              <a:rPr lang="de-DE" sz="2400" dirty="0"/>
-              <a:t> </a:t>
-            </a:r>
-            <a:r>
-              <a:rPr lang="de-DE" sz="2400" dirty="0" err="1"/>
-              <a:t>this</a:t>
-            </a:r>
-            <a:r>
-              <a:rPr lang="de-DE" sz="2400" dirty="0"/>
-              <a:t> </a:t>
-            </a:r>
-            <a:r>
-              <a:rPr lang="de-DE" sz="2400" dirty="0" err="1"/>
-              <a:t>semester</a:t>
-            </a:r>
-            <a:r>
-              <a:rPr lang="de-DE" sz="2400" dirty="0"/>
-              <a:t>, </a:t>
-            </a:r>
-            <a:r>
-              <a:rPr lang="de-DE" sz="2400" dirty="0" err="1"/>
-              <a:t>then</a:t>
-            </a:r>
-            <a:r>
-              <a:rPr lang="de-DE" sz="2400" dirty="0"/>
-              <a:t> </a:t>
-            </a:r>
-            <a:r>
-              <a:rPr lang="de-DE" sz="2400" dirty="0" err="1"/>
-              <a:t>your</a:t>
-            </a:r>
-            <a:r>
-              <a:rPr lang="de-DE" sz="2400" dirty="0"/>
-              <a:t> </a:t>
-            </a:r>
-            <a:r>
-              <a:rPr lang="de-DE" sz="2400" dirty="0" err="1"/>
-              <a:t>contribution</a:t>
-            </a:r>
-            <a:r>
-              <a:rPr lang="de-DE" sz="2400" dirty="0"/>
-              <a:t> </a:t>
-            </a:r>
-            <a:r>
-              <a:rPr lang="de-DE" sz="2400" dirty="0" err="1"/>
-              <a:t>within</a:t>
-            </a:r>
-            <a:r>
-              <a:rPr lang="de-DE" sz="2400" dirty="0"/>
-              <a:t> </a:t>
-            </a:r>
-            <a:r>
-              <a:rPr lang="de-DE" sz="2400" dirty="0" err="1"/>
-              <a:t>the</a:t>
-            </a:r>
-            <a:r>
-              <a:rPr lang="de-DE" sz="2400" dirty="0"/>
-              <a:t> </a:t>
-            </a:r>
-            <a:r>
-              <a:rPr lang="de-DE" sz="2400" dirty="0" err="1"/>
-              <a:t>issues</a:t>
-            </a:r>
-            <a:r>
-              <a:rPr lang="de-DE" sz="2400" dirty="0"/>
-              <a:t> will </a:t>
-            </a:r>
-            <a:r>
-              <a:rPr lang="de-DE" sz="2400" dirty="0" err="1"/>
-              <a:t>be</a:t>
-            </a:r>
-            <a:r>
-              <a:rPr lang="de-DE" sz="2400" dirty="0"/>
-              <a:t> visible </a:t>
-            </a:r>
-            <a:r>
-              <a:rPr lang="de-DE" sz="2400" dirty="0" err="1"/>
-              <a:t>for</a:t>
-            </a:r>
-            <a:r>
-              <a:rPr lang="de-DE" sz="2400" dirty="0"/>
-              <a:t> </a:t>
-            </a:r>
-            <a:r>
-              <a:rPr lang="de-DE" sz="2400" dirty="0" err="1"/>
-              <a:t>future</a:t>
-            </a:r>
-            <a:r>
-              <a:rPr lang="de-DE" sz="2400" dirty="0"/>
-              <a:t> </a:t>
-            </a:r>
-            <a:r>
-              <a:rPr lang="de-DE" sz="2400" dirty="0" err="1"/>
-              <a:t>students</a:t>
-            </a:r>
-            <a:r>
-              <a:rPr lang="de-DE" sz="2400" dirty="0"/>
-              <a:t> </a:t>
-            </a:r>
-            <a:r>
-              <a:rPr lang="de-DE" sz="2400" dirty="0" err="1"/>
-              <a:t>working</a:t>
-            </a:r>
-            <a:r>
-              <a:rPr lang="de-DE" sz="2400" dirty="0"/>
-              <a:t> on </a:t>
-            </a:r>
-            <a:r>
-              <a:rPr lang="de-DE" sz="2400" dirty="0" err="1"/>
-              <a:t>the</a:t>
-            </a:r>
-            <a:r>
-              <a:rPr lang="de-DE" sz="2400" dirty="0"/>
-              <a:t> </a:t>
-            </a:r>
-            <a:r>
-              <a:rPr lang="de-DE" sz="2400" dirty="0" err="1"/>
-              <a:t>app</a:t>
-            </a:r>
-            <a:r>
-              <a:rPr lang="de-DE" sz="2400" dirty="0"/>
-              <a:t>, </a:t>
-            </a:r>
-            <a:r>
-              <a:rPr lang="de-DE" sz="2400" dirty="0" err="1"/>
-              <a:t>if</a:t>
-            </a:r>
-            <a:r>
-              <a:rPr lang="de-DE" sz="2400" dirty="0"/>
-              <a:t> </a:t>
-            </a:r>
-            <a:r>
-              <a:rPr lang="de-DE" sz="2400" dirty="0" err="1"/>
-              <a:t>you</a:t>
-            </a:r>
-            <a:r>
-              <a:rPr lang="de-DE" sz="2400" dirty="0"/>
-              <a:t> </a:t>
-            </a:r>
-            <a:r>
-              <a:rPr lang="de-DE" sz="2400" dirty="0" err="1"/>
-              <a:t>agree</a:t>
-            </a:r>
-            <a:r>
-              <a:rPr lang="de-DE" sz="2400" dirty="0"/>
-              <a:t>. This </a:t>
-            </a:r>
-            <a:r>
-              <a:rPr lang="de-DE" sz="2400" dirty="0" err="1"/>
-              <a:t>would</a:t>
-            </a:r>
-            <a:r>
-              <a:rPr lang="de-DE" sz="2400" dirty="0"/>
-              <a:t> </a:t>
-            </a:r>
-            <a:r>
-              <a:rPr lang="de-DE" sz="2400" dirty="0" err="1"/>
-              <a:t>be</a:t>
-            </a:r>
-            <a:r>
-              <a:rPr lang="de-DE" sz="2400" dirty="0"/>
-              <a:t> </a:t>
-            </a:r>
-            <a:r>
-              <a:rPr lang="de-DE" sz="2400" dirty="0" err="1"/>
-              <a:t>of</a:t>
-            </a:r>
-            <a:r>
-              <a:rPr lang="de-DE" sz="2400" dirty="0"/>
-              <a:t> </a:t>
-            </a:r>
-            <a:r>
-              <a:rPr lang="de-DE" sz="2400" dirty="0" err="1"/>
-              <a:t>great</a:t>
-            </a:r>
-            <a:r>
-              <a:rPr lang="de-DE" sz="2400" dirty="0"/>
-              <a:t> </a:t>
-            </a:r>
-            <a:r>
-              <a:rPr lang="de-DE" sz="2400" dirty="0" err="1"/>
-              <a:t>value</a:t>
-            </a:r>
-            <a:r>
-              <a:rPr lang="de-DE" sz="2400" dirty="0"/>
-              <a:t> </a:t>
-            </a:r>
-            <a:r>
-              <a:rPr lang="de-DE" sz="2400" dirty="0" err="1"/>
-              <a:t>for</a:t>
-            </a:r>
-            <a:r>
-              <a:rPr lang="de-DE" sz="2400" dirty="0"/>
-              <a:t> </a:t>
-            </a:r>
-            <a:r>
-              <a:rPr lang="de-DE" sz="2400" dirty="0" err="1"/>
-              <a:t>future</a:t>
-            </a:r>
-            <a:r>
-              <a:rPr lang="de-DE" sz="2400" dirty="0"/>
-              <a:t> </a:t>
-            </a:r>
-            <a:r>
-              <a:rPr lang="de-DE" sz="2400" dirty="0" err="1"/>
-              <a:t>students</a:t>
-            </a:r>
-            <a:r>
-              <a:rPr lang="de-DE" sz="2400" dirty="0"/>
-              <a:t>. </a:t>
-            </a:r>
-          </a:p>
-          <a:p>
-            <a:pPr marL="285750" indent="-285750">
-              <a:buFont typeface="Arial" panose="020B0604020202020204" pitchFamily="34" charset="0"/>
-              <a:buChar char="•"/>
-            </a:pPr>
-            <a:r>
-              <a:rPr lang="de-DE" sz="2400" dirty="0" err="1"/>
-              <a:t>You</a:t>
-            </a:r>
-            <a:r>
-              <a:rPr lang="de-DE" sz="2400" dirty="0"/>
-              <a:t> </a:t>
-            </a:r>
-            <a:r>
-              <a:rPr lang="de-DE" sz="2400" dirty="0" err="1"/>
-              <a:t>agree</a:t>
-            </a:r>
-            <a:r>
-              <a:rPr lang="de-DE" sz="2400" dirty="0"/>
-              <a:t> </a:t>
-            </a:r>
-            <a:r>
-              <a:rPr lang="de-DE" sz="2400" dirty="0" err="1"/>
-              <a:t>with</a:t>
-            </a:r>
-            <a:r>
-              <a:rPr lang="de-DE" sz="2400" dirty="0"/>
-              <a:t> </a:t>
-            </a:r>
-            <a:r>
-              <a:rPr lang="de-DE" sz="2400" dirty="0" err="1"/>
-              <a:t>the</a:t>
-            </a:r>
-            <a:r>
-              <a:rPr lang="de-DE" sz="2400" dirty="0"/>
-              <a:t> </a:t>
-            </a:r>
-            <a:r>
-              <a:rPr lang="de-DE" sz="2400" dirty="0" err="1"/>
-              <a:t>terms</a:t>
-            </a:r>
-            <a:r>
-              <a:rPr lang="de-DE" sz="2400" dirty="0"/>
-              <a:t> </a:t>
-            </a:r>
-            <a:r>
-              <a:rPr lang="de-DE" sz="2400" dirty="0" err="1"/>
-              <a:t>of</a:t>
-            </a:r>
-            <a:r>
-              <a:rPr lang="de-DE" sz="2400" dirty="0"/>
-              <a:t> GitHub </a:t>
-            </a:r>
-          </a:p>
-          <a:p>
-            <a:r>
-              <a:rPr lang="de-DE" sz="2400" dirty="0"/>
-              <a:t> </a:t>
-            </a:r>
+              <a:rPr lang="de-DE" sz="1000" dirty="0" err="1"/>
+              <a:t>Wasseman</a:t>
+            </a:r>
+            <a:r>
+              <a:rPr lang="de-DE" sz="1000" dirty="0"/>
+              <a:t>, 2004</a:t>
+            </a:r>
+            <a:endParaRPr lang="en-DE" sz="1000" dirty="0"/>
           </a:p>
         </p:txBody>
       </p:sp>
     </p:spTree>
     <p:extLst>
       <p:ext uri="{BB962C8B-B14F-4D97-AF65-F5344CB8AC3E}">
-        <p14:creationId xmlns:p14="http://schemas.microsoft.com/office/powerpoint/2010/main" val="1097715251"/>
+        <p14:creationId xmlns:p14="http://schemas.microsoft.com/office/powerpoint/2010/main" val="1753521157"/>
       </p:ext>
     </p:extLst>
   </p:cSld>
@@ -6915,7 +6393,7 @@
           <p:cNvPr id="2" name="Titel 1">
             <a:extLst>
               <a:ext uri="{FF2B5EF4-FFF2-40B4-BE49-F238E27FC236}">
-                <a16:creationId xmlns:a16="http://schemas.microsoft.com/office/drawing/2014/main" id="{A46336D5-A70F-BA46-F865-E15753F7C1D2}"/>
+                <a16:creationId xmlns:a16="http://schemas.microsoft.com/office/drawing/2014/main" id="{6931AC52-614A-7BE7-E297-1DDF3C885E03}"/>
               </a:ext>
             </a:extLst>
           </p:cNvPr>
@@ -6948,7 +6426,7 @@
           <p:cNvPr id="4" name="Fußzeilenplatzhalter 3">
             <a:extLst>
               <a:ext uri="{FF2B5EF4-FFF2-40B4-BE49-F238E27FC236}">
-                <a16:creationId xmlns:a16="http://schemas.microsoft.com/office/drawing/2014/main" id="{73DF46EA-7BEF-5885-DBD5-EA173558BF82}"/>
+                <a16:creationId xmlns:a16="http://schemas.microsoft.com/office/drawing/2014/main" id="{34AECC3C-84EB-976F-5823-31791061FC57}"/>
               </a:ext>
             </a:extLst>
           </p:cNvPr>
@@ -6977,7 +6455,7 @@
           <p:cNvPr id="6" name="Grafik 5">
             <a:extLst>
               <a:ext uri="{FF2B5EF4-FFF2-40B4-BE49-F238E27FC236}">
-                <a16:creationId xmlns:a16="http://schemas.microsoft.com/office/drawing/2014/main" id="{921D03C7-72F6-CF1E-1273-0EF3C568B8FA}"/>
+                <a16:creationId xmlns:a16="http://schemas.microsoft.com/office/drawing/2014/main" id="{CD81C31A-52DB-E113-9516-ABA6F3773FE4}"/>
               </a:ext>
             </a:extLst>
           </p:cNvPr>
@@ -6994,8 +6472,8 @@
         </p:blipFill>
         <p:spPr>
           <a:xfrm>
-            <a:off x="3091543" y="2077810"/>
-            <a:ext cx="6381688" cy="3473903"/>
+            <a:off x="3378313" y="2040657"/>
+            <a:ext cx="5435374" cy="3848650"/>
           </a:xfrm>
           <a:prstGeom prst="rect">
             <a:avLst/>
@@ -7007,7 +6485,7 @@
           <p:cNvPr id="3" name="Textfeld 2">
             <a:extLst>
               <a:ext uri="{FF2B5EF4-FFF2-40B4-BE49-F238E27FC236}">
-                <a16:creationId xmlns:a16="http://schemas.microsoft.com/office/drawing/2014/main" id="{D9C8081B-801C-84A8-6051-D00EA8220207}"/>
+                <a16:creationId xmlns:a16="http://schemas.microsoft.com/office/drawing/2014/main" id="{415C6C6F-C8A1-92B3-8FA5-84D5A1CC0296}"/>
               </a:ext>
             </a:extLst>
           </p:cNvPr>
@@ -7016,7 +6494,7 @@
         </p:nvSpPr>
         <p:spPr>
           <a:xfrm>
-            <a:off x="9518072" y="5305492"/>
+            <a:off x="8813687" y="5643086"/>
             <a:ext cx="1895071" cy="246221"/>
           </a:xfrm>
           <a:prstGeom prst="rect">
@@ -7065,7 +6543,7 @@
     </p:spTree>
     <p:extLst>
       <p:ext uri="{BB962C8B-B14F-4D97-AF65-F5344CB8AC3E}">
-        <p14:creationId xmlns:p14="http://schemas.microsoft.com/office/powerpoint/2010/main" val="1753521157"/>
+        <p14:creationId xmlns:p14="http://schemas.microsoft.com/office/powerpoint/2010/main" val="4139651280"/>
       </p:ext>
     </p:extLst>
   </p:cSld>
@@ -7097,188 +6575,6 @@
           <p:cNvPr id="2" name="Titel 1">
             <a:extLst>
               <a:ext uri="{FF2B5EF4-FFF2-40B4-BE49-F238E27FC236}">
-                <a16:creationId xmlns:a16="http://schemas.microsoft.com/office/drawing/2014/main" id="{6931AC52-614A-7BE7-E297-1DDF3C885E03}"/>
-              </a:ext>
-            </a:extLst>
-          </p:cNvPr>
-          <p:cNvSpPr>
-            <a:spLocks noGrp="1"/>
-          </p:cNvSpPr>
-          <p:nvPr>
-            <p:ph type="title"/>
-          </p:nvPr>
-        </p:nvSpPr>
-        <p:spPr/>
-        <p:txBody>
-          <a:bodyPr/>
-          <a:lstStyle/>
-          <a:p>
-            <a:r>
-              <a:rPr lang="de-DE" dirty="0"/>
-              <a:t>Bayes Theory </a:t>
-            </a:r>
-            <a:r>
-              <a:rPr lang="de-DE" dirty="0" err="1"/>
-              <a:t>Introduction</a:t>
-            </a:r>
-            <a:endParaRPr lang="en-DE" dirty="0"/>
-          </a:p>
-        </p:txBody>
-      </p:sp>
-      <p:sp>
-        <p:nvSpPr>
-          <p:cNvPr id="4" name="Fußzeilenplatzhalter 3">
-            <a:extLst>
-              <a:ext uri="{FF2B5EF4-FFF2-40B4-BE49-F238E27FC236}">
-                <a16:creationId xmlns:a16="http://schemas.microsoft.com/office/drawing/2014/main" id="{34AECC3C-84EB-976F-5823-31791061FC57}"/>
-              </a:ext>
-            </a:extLst>
-          </p:cNvPr>
-          <p:cNvSpPr>
-            <a:spLocks noGrp="1"/>
-          </p:cNvSpPr>
-          <p:nvPr>
-            <p:ph type="ftr" sz="quarter" idx="11"/>
-          </p:nvPr>
-        </p:nvSpPr>
-        <p:spPr/>
-        <p:txBody>
-          <a:bodyPr/>
-          <a:lstStyle/>
-          <a:p>
-            <a:r>
-              <a:rPr lang="en-US"/>
-              <a:t>Introduction Bioinformatics, Dr. Denise Welsch</a:t>
-            </a:r>
-            <a:endParaRPr lang="en-DE"/>
-          </a:p>
-        </p:txBody>
-      </p:sp>
-      <p:pic>
-        <p:nvPicPr>
-          <p:cNvPr id="6" name="Grafik 5">
-            <a:extLst>
-              <a:ext uri="{FF2B5EF4-FFF2-40B4-BE49-F238E27FC236}">
-                <a16:creationId xmlns:a16="http://schemas.microsoft.com/office/drawing/2014/main" id="{CD81C31A-52DB-E113-9516-ABA6F3773FE4}"/>
-              </a:ext>
-            </a:extLst>
-          </p:cNvPr>
-          <p:cNvPicPr>
-            <a:picLocks noChangeAspect="1"/>
-          </p:cNvPicPr>
-          <p:nvPr/>
-        </p:nvPicPr>
-        <p:blipFill>
-          <a:blip r:embed="rId2"/>
-          <a:stretch>
-            <a:fillRect/>
-          </a:stretch>
-        </p:blipFill>
-        <p:spPr>
-          <a:xfrm>
-            <a:off x="3378313" y="2040657"/>
-            <a:ext cx="5435374" cy="3848650"/>
-          </a:xfrm>
-          <a:prstGeom prst="rect">
-            <a:avLst/>
-          </a:prstGeom>
-        </p:spPr>
-      </p:pic>
-      <p:sp>
-        <p:nvSpPr>
-          <p:cNvPr id="3" name="Textfeld 2">
-            <a:extLst>
-              <a:ext uri="{FF2B5EF4-FFF2-40B4-BE49-F238E27FC236}">
-                <a16:creationId xmlns:a16="http://schemas.microsoft.com/office/drawing/2014/main" id="{415C6C6F-C8A1-92B3-8FA5-84D5A1CC0296}"/>
-              </a:ext>
-            </a:extLst>
-          </p:cNvPr>
-          <p:cNvSpPr txBox="1"/>
-          <p:nvPr/>
-        </p:nvSpPr>
-        <p:spPr>
-          <a:xfrm>
-            <a:off x="8813687" y="5643086"/>
-            <a:ext cx="1895071" cy="246221"/>
-          </a:xfrm>
-          <a:prstGeom prst="rect">
-            <a:avLst/>
-          </a:prstGeom>
-          <a:noFill/>
-        </p:spPr>
-        <p:txBody>
-          <a:bodyPr wrap="none" rtlCol="0">
-            <a:spAutoFit/>
-          </a:bodyPr>
-          <a:lstStyle/>
-          <a:p>
-            <a:r>
-              <a:rPr lang="de-DE" sz="1000" dirty="0"/>
-              <a:t>All </a:t>
-            </a:r>
-            <a:r>
-              <a:rPr lang="de-DE" sz="1000" dirty="0" err="1"/>
-              <a:t>of</a:t>
-            </a:r>
-            <a:r>
-              <a:rPr lang="de-DE" sz="1000" dirty="0"/>
-              <a:t> </a:t>
-            </a:r>
-            <a:r>
-              <a:rPr lang="de-DE" sz="1000" dirty="0" err="1"/>
-              <a:t>Statistics</a:t>
-            </a:r>
-            <a:r>
-              <a:rPr lang="de-DE" sz="1000" dirty="0"/>
-              <a:t>, </a:t>
-            </a:r>
-            <a:r>
-              <a:rPr lang="de-DE" sz="1000" dirty="0" err="1"/>
-              <a:t>Wasseman</a:t>
-            </a:r>
-            <a:r>
-              <a:rPr lang="de-DE" sz="1000" dirty="0"/>
-              <a:t>, 2004</a:t>
-            </a:r>
-            <a:endParaRPr lang="en-DE" sz="1000" dirty="0"/>
-          </a:p>
-        </p:txBody>
-      </p:sp>
-    </p:spTree>
-    <p:extLst>
-      <p:ext uri="{BB962C8B-B14F-4D97-AF65-F5344CB8AC3E}">
-        <p14:creationId xmlns:p14="http://schemas.microsoft.com/office/powerpoint/2010/main" val="4139651280"/>
-      </p:ext>
-    </p:extLst>
-  </p:cSld>
-  <p:clrMapOvr>
-    <a:masterClrMapping/>
-  </p:clrMapOvr>
-</p:sld>
-</file>
-
-<file path=ppt/slides/slide7.xml><?xml version="1.0" encoding="utf-8"?>
-<p:sld xmlns:a="http://schemas.openxmlformats.org/drawingml/2006/main" xmlns:r="http://schemas.openxmlformats.org/officeDocument/2006/relationships" xmlns:p="http://schemas.openxmlformats.org/presentationml/2006/main">
-  <p:cSld>
-    <p:spTree>
-      <p:nvGrpSpPr>
-        <p:cNvPr id="1" name=""/>
-        <p:cNvGrpSpPr/>
-        <p:nvPr/>
-      </p:nvGrpSpPr>
-      <p:grpSpPr>
-        <a:xfrm>
-          <a:off x="0" y="0"/>
-          <a:ext cx="0" cy="0"/>
-          <a:chOff x="0" y="0"/>
-          <a:chExt cx="0" cy="0"/>
-        </a:xfrm>
-      </p:grpSpPr>
-      <p:sp>
-        <p:nvSpPr>
-          <p:cNvPr id="2" name="Titel 1">
-            <a:extLst>
-              <a:ext uri="{FF2B5EF4-FFF2-40B4-BE49-F238E27FC236}">
                 <a16:creationId xmlns:a16="http://schemas.microsoft.com/office/drawing/2014/main" id="{566925AE-7463-091A-A61F-D93D14E729FE}"/>
               </a:ext>
             </a:extLst>
@@ -7439,7 +6735,7 @@
 </p:sld>
 </file>
 
-<file path=ppt/slides/slide8.xml><?xml version="1.0" encoding="utf-8"?>
+<file path=ppt/slides/slide7.xml><?xml version="1.0" encoding="utf-8"?>
 <p:sld xmlns:a="http://schemas.openxmlformats.org/drawingml/2006/main" xmlns:r="http://schemas.openxmlformats.org/officeDocument/2006/relationships" xmlns:p="http://schemas.openxmlformats.org/presentationml/2006/main">
   <p:cSld>
     <p:spTree>
@@ -7725,7 +7021,7 @@
 </p:sld>
 </file>
 
-<file path=ppt/slides/slide9.xml><?xml version="1.0" encoding="utf-8"?>
+<file path=ppt/slides/slide8.xml><?xml version="1.0" encoding="utf-8"?>
 <p:sld xmlns:a="http://schemas.openxmlformats.org/drawingml/2006/main" xmlns:r="http://schemas.openxmlformats.org/officeDocument/2006/relationships" xmlns:p="http://schemas.openxmlformats.org/presentationml/2006/main">
   <p:cSld>
     <p:spTree>
@@ -7898,6 +7194,304 @@
     <p:extLst>
       <p:ext uri="{BB962C8B-B14F-4D97-AF65-F5344CB8AC3E}">
         <p14:creationId xmlns:p14="http://schemas.microsoft.com/office/powerpoint/2010/main" val="2402186498"/>
+      </p:ext>
+    </p:extLst>
+  </p:cSld>
+  <p:clrMapOvr>
+    <a:masterClrMapping/>
+  </p:clrMapOvr>
+</p:sld>
+</file>
+
+<file path=ppt/slides/slide9.xml><?xml version="1.0" encoding="utf-8"?>
+<p:sld xmlns:a="http://schemas.openxmlformats.org/drawingml/2006/main" xmlns:r="http://schemas.openxmlformats.org/officeDocument/2006/relationships" xmlns:p="http://schemas.openxmlformats.org/presentationml/2006/main">
+  <p:cSld>
+    <p:spTree>
+      <p:nvGrpSpPr>
+        <p:cNvPr id="1" name=""/>
+        <p:cNvGrpSpPr/>
+        <p:nvPr/>
+      </p:nvGrpSpPr>
+      <p:grpSpPr>
+        <a:xfrm>
+          <a:off x="0" y="0"/>
+          <a:ext cx="0" cy="0"/>
+          <a:chOff x="0" y="0"/>
+          <a:chExt cx="0" cy="0"/>
+        </a:xfrm>
+      </p:grpSpPr>
+      <p:sp>
+        <p:nvSpPr>
+          <p:cNvPr id="2" name="Titel 1">
+            <a:extLst>
+              <a:ext uri="{FF2B5EF4-FFF2-40B4-BE49-F238E27FC236}">
+                <a16:creationId xmlns:a16="http://schemas.microsoft.com/office/drawing/2014/main" id="{81264B19-BEA1-341E-A167-7776CBBEA8E5}"/>
+              </a:ext>
+            </a:extLst>
+          </p:cNvPr>
+          <p:cNvSpPr>
+            <a:spLocks noGrp="1"/>
+          </p:cNvSpPr>
+          <p:nvPr>
+            <p:ph type="title"/>
+          </p:nvPr>
+        </p:nvSpPr>
+        <p:spPr/>
+        <p:txBody>
+          <a:bodyPr/>
+          <a:lstStyle/>
+          <a:p>
+            <a:r>
+              <a:rPr lang="de-DE" dirty="0"/>
+              <a:t>Bayes Theory </a:t>
+            </a:r>
+            <a:r>
+              <a:rPr lang="de-DE" dirty="0" err="1"/>
+              <a:t>Introduction</a:t>
+            </a:r>
+            <a:endParaRPr lang="en-DE" dirty="0"/>
+          </a:p>
+        </p:txBody>
+      </p:sp>
+      <p:sp>
+        <p:nvSpPr>
+          <p:cNvPr id="4" name="Fußzeilenplatzhalter 3">
+            <a:extLst>
+              <a:ext uri="{FF2B5EF4-FFF2-40B4-BE49-F238E27FC236}">
+                <a16:creationId xmlns:a16="http://schemas.microsoft.com/office/drawing/2014/main" id="{AE13EFB2-E920-7F98-14C2-9D2B40D9DE22}"/>
+              </a:ext>
+            </a:extLst>
+          </p:cNvPr>
+          <p:cNvSpPr>
+            <a:spLocks noGrp="1"/>
+          </p:cNvSpPr>
+          <p:nvPr>
+            <p:ph type="ftr" sz="quarter" idx="11"/>
+          </p:nvPr>
+        </p:nvSpPr>
+        <p:spPr/>
+        <p:txBody>
+          <a:bodyPr/>
+          <a:lstStyle/>
+          <a:p>
+            <a:r>
+              <a:rPr lang="en-US"/>
+              <a:t>Introduction Bioinformatics, Dr. Denise Welsch</a:t>
+            </a:r>
+            <a:endParaRPr lang="en-DE"/>
+          </a:p>
+        </p:txBody>
+      </p:sp>
+      <p:pic>
+        <p:nvPicPr>
+          <p:cNvPr id="6" name="Grafik 5">
+            <a:extLst>
+              <a:ext uri="{FF2B5EF4-FFF2-40B4-BE49-F238E27FC236}">
+                <a16:creationId xmlns:a16="http://schemas.microsoft.com/office/drawing/2014/main" id="{0199B530-74FD-1F90-8468-9578F13D851C}"/>
+              </a:ext>
+            </a:extLst>
+          </p:cNvPr>
+          <p:cNvPicPr>
+            <a:picLocks noChangeAspect="1"/>
+          </p:cNvPicPr>
+          <p:nvPr/>
+        </p:nvPicPr>
+        <p:blipFill>
+          <a:blip r:embed="rId2"/>
+          <a:stretch>
+            <a:fillRect/>
+          </a:stretch>
+        </p:blipFill>
+        <p:spPr>
+          <a:xfrm>
+            <a:off x="2971799" y="2774497"/>
+            <a:ext cx="6402639" cy="1775732"/>
+          </a:xfrm>
+          <a:prstGeom prst="rect">
+            <a:avLst/>
+          </a:prstGeom>
+        </p:spPr>
+      </p:pic>
+      <p:sp>
+        <p:nvSpPr>
+          <p:cNvPr id="7" name="Textfeld 6">
+            <a:extLst>
+              <a:ext uri="{FF2B5EF4-FFF2-40B4-BE49-F238E27FC236}">
+                <a16:creationId xmlns:a16="http://schemas.microsoft.com/office/drawing/2014/main" id="{7D58B874-E407-B5CA-5F40-1EC12E16AE88}"/>
+              </a:ext>
+            </a:extLst>
+          </p:cNvPr>
+          <p:cNvSpPr txBox="1"/>
+          <p:nvPr/>
+        </p:nvSpPr>
+        <p:spPr>
+          <a:xfrm>
+            <a:off x="838200" y="5634038"/>
+            <a:ext cx="7088287" cy="369332"/>
+          </a:xfrm>
+          <a:prstGeom prst="rect">
+            <a:avLst/>
+          </a:prstGeom>
+          <a:noFill/>
+        </p:spPr>
+        <p:txBody>
+          <a:bodyPr wrap="none" rtlCol="0">
+            <a:spAutoFit/>
+          </a:bodyPr>
+          <a:lstStyle/>
+          <a:p>
+            <a:r>
+              <a:rPr lang="de-DE" dirty="0"/>
+              <a:t>Out </a:t>
+            </a:r>
+            <a:r>
+              <a:rPr lang="de-DE" dirty="0" err="1"/>
+              <a:t>of</a:t>
+            </a:r>
+            <a:r>
+              <a:rPr lang="de-DE" dirty="0"/>
+              <a:t> </a:t>
+            </a:r>
+            <a:r>
+              <a:rPr lang="de-DE" dirty="0" err="1"/>
+              <a:t>the</a:t>
+            </a:r>
+            <a:r>
+              <a:rPr lang="de-DE" dirty="0"/>
+              <a:t> </a:t>
+            </a:r>
+            <a:r>
+              <a:rPr lang="de-DE" dirty="0" err="1"/>
+              <a:t>posterior</a:t>
+            </a:r>
+            <a:r>
+              <a:rPr lang="de-DE" dirty="0"/>
+              <a:t>, </a:t>
+            </a:r>
+            <a:r>
+              <a:rPr lang="de-DE" dirty="0" err="1"/>
+              <a:t>we</a:t>
+            </a:r>
+            <a:r>
+              <a:rPr lang="de-DE" dirty="0"/>
+              <a:t> </a:t>
+            </a:r>
+            <a:r>
+              <a:rPr lang="de-DE" dirty="0" err="1"/>
+              <a:t>build</a:t>
+            </a:r>
+            <a:r>
+              <a:rPr lang="de-DE" dirty="0"/>
+              <a:t> </a:t>
+            </a:r>
+            <a:r>
+              <a:rPr lang="de-DE" dirty="0" err="1"/>
+              <a:t>credibility</a:t>
+            </a:r>
+            <a:r>
+              <a:rPr lang="de-DE" dirty="0"/>
+              <a:t> </a:t>
+            </a:r>
+            <a:r>
+              <a:rPr lang="de-DE" dirty="0" err="1"/>
+              <a:t>intervals</a:t>
+            </a:r>
+            <a:r>
+              <a:rPr lang="de-DE" dirty="0"/>
+              <a:t> and </a:t>
+            </a:r>
+            <a:r>
+              <a:rPr lang="de-DE" dirty="0" err="1"/>
+              <a:t>methods</a:t>
+            </a:r>
+            <a:r>
+              <a:rPr lang="de-DE" dirty="0"/>
+              <a:t> </a:t>
+            </a:r>
+            <a:r>
+              <a:rPr lang="de-DE" dirty="0" err="1"/>
+              <a:t>for</a:t>
+            </a:r>
+            <a:r>
+              <a:rPr lang="de-DE" dirty="0"/>
+              <a:t> </a:t>
+            </a:r>
+            <a:r>
+              <a:rPr lang="de-DE" dirty="0" err="1"/>
+              <a:t>testing</a:t>
+            </a:r>
+            <a:r>
+              <a:rPr lang="de-DE" dirty="0"/>
+              <a:t>.</a:t>
+            </a:r>
+            <a:endParaRPr lang="en-DE" dirty="0"/>
+          </a:p>
+        </p:txBody>
+      </p:sp>
+      <p:sp>
+        <p:nvSpPr>
+          <p:cNvPr id="3" name="Textfeld 2">
+            <a:extLst>
+              <a:ext uri="{FF2B5EF4-FFF2-40B4-BE49-F238E27FC236}">
+                <a16:creationId xmlns:a16="http://schemas.microsoft.com/office/drawing/2014/main" id="{B6763287-FADE-E333-3565-491543327CB2}"/>
+              </a:ext>
+            </a:extLst>
+          </p:cNvPr>
+          <p:cNvSpPr txBox="1"/>
+          <p:nvPr/>
+        </p:nvSpPr>
+        <p:spPr>
+          <a:xfrm>
+            <a:off x="9518072" y="5305492"/>
+            <a:ext cx="1895071" cy="246221"/>
+          </a:xfrm>
+          <a:prstGeom prst="rect">
+            <a:avLst/>
+          </a:prstGeom>
+          <a:noFill/>
+        </p:spPr>
+        <p:txBody>
+          <a:bodyPr wrap="none" rtlCol="0">
+            <a:spAutoFit/>
+          </a:bodyPr>
+          <a:lstStyle/>
+          <a:p>
+            <a:r>
+              <a:rPr lang="de-DE" sz="1000" dirty="0"/>
+              <a:t>All </a:t>
+            </a:r>
+            <a:r>
+              <a:rPr lang="de-DE" sz="1000" dirty="0" err="1"/>
+              <a:t>of</a:t>
+            </a:r>
+            <a:r>
+              <a:rPr lang="de-DE" sz="1000" dirty="0"/>
+              <a:t> </a:t>
+            </a:r>
+            <a:r>
+              <a:rPr lang="de-DE" sz="1000" dirty="0" err="1"/>
+              <a:t>Statistics</a:t>
+            </a:r>
+            <a:r>
+              <a:rPr lang="de-DE" sz="1000" dirty="0"/>
+              <a:t>, </a:t>
+            </a:r>
+            <a:r>
+              <a:rPr lang="de-DE" sz="1000" dirty="0" err="1"/>
+              <a:t>Wasseman</a:t>
+            </a:r>
+            <a:r>
+              <a:rPr lang="de-DE" sz="1000" dirty="0"/>
+              <a:t>, 2004</a:t>
+            </a:r>
+            <a:endParaRPr lang="en-DE" sz="1000" dirty="0"/>
+          </a:p>
+        </p:txBody>
+      </p:sp>
+    </p:spTree>
+    <p:extLst>
+      <p:ext uri="{BB962C8B-B14F-4D97-AF65-F5344CB8AC3E}">
+        <p14:creationId xmlns:p14="http://schemas.microsoft.com/office/powerpoint/2010/main" val="1493391760"/>
       </p:ext>
     </p:extLst>
   </p:cSld>

--- a/documents/Introduction.pptx
+++ b/documents/Introduction.pptx
@@ -4120,6 +4120,36 @@
           </a:prstGeom>
         </p:spPr>
       </p:pic>
+      <p:pic>
+        <p:nvPicPr>
+          <p:cNvPr id="5" name="Grafik 4">
+            <a:extLst>
+              <a:ext uri="{FF2B5EF4-FFF2-40B4-BE49-F238E27FC236}">
+                <a16:creationId xmlns:a16="http://schemas.microsoft.com/office/drawing/2014/main" id="{C84E342C-407B-7352-2812-2BBD8E9C64C6}"/>
+              </a:ext>
+            </a:extLst>
+          </p:cNvPr>
+          <p:cNvPicPr>
+            <a:picLocks noChangeAspect="1"/>
+          </p:cNvPicPr>
+          <p:nvPr/>
+        </p:nvPicPr>
+        <p:blipFill>
+          <a:blip r:embed="rId3"/>
+          <a:stretch>
+            <a:fillRect/>
+          </a:stretch>
+        </p:blipFill>
+        <p:spPr>
+          <a:xfrm rot="5400000">
+            <a:off x="9157395" y="-415214"/>
+            <a:ext cx="1341844" cy="3159825"/>
+          </a:xfrm>
+          <a:prstGeom prst="rect">
+            <a:avLst/>
+          </a:prstGeom>
+        </p:spPr>
+      </p:pic>
     </p:spTree>
     <p:extLst>
       <p:ext uri="{BB962C8B-B14F-4D97-AF65-F5344CB8AC3E}">
@@ -4551,7 +4581,7 @@
           <a:p>
             <a:r>
               <a:rPr lang="de-DE" dirty="0"/>
-              <a:t>Bayes </a:t>
+              <a:t>Theory </a:t>
             </a:r>
             <a:r>
               <a:rPr lang="de-DE" dirty="0" err="1"/>
@@ -4563,7 +4593,7 @@
             </a:r>
             <a:r>
               <a:rPr lang="de-DE" dirty="0" err="1"/>
-              <a:t>One</a:t>
+              <a:t>the</a:t>
             </a:r>
             <a:r>
               <a:rPr lang="de-DE" dirty="0"/>
@@ -4571,11 +4601,11 @@
             </a:r>
             <a:r>
               <a:rPr lang="de-DE" dirty="0" err="1"/>
-              <a:t>Binomial</a:t>
-            </a:r>
-            <a:r>
-              <a:rPr lang="de-DE" dirty="0"/>
-              <a:t> </a:t>
+              <a:t>BayesTwoProp</a:t>
+            </a:r>
+            <a:r>
+              <a:rPr lang="de-DE" dirty="0"/>
+              <a:t> App</a:t>
             </a:r>
             <a:endParaRPr lang="en-DE" dirty="0"/>
           </a:p>
@@ -4607,6 +4637,41 @@
               <a:t>Introduction Bioinformatics, Dr. Denise Welsch</a:t>
             </a:r>
             <a:endParaRPr lang="en-DE"/>
+          </a:p>
+        </p:txBody>
+      </p:sp>
+      <p:sp>
+        <p:nvSpPr>
+          <p:cNvPr id="3" name="Textfeld 2">
+            <a:extLst>
+              <a:ext uri="{FF2B5EF4-FFF2-40B4-BE49-F238E27FC236}">
+                <a16:creationId xmlns:a16="http://schemas.microsoft.com/office/drawing/2014/main" id="{42806A48-B47E-BDFC-ED36-350A86E3E6A3}"/>
+              </a:ext>
+            </a:extLst>
+          </p:cNvPr>
+          <p:cNvSpPr txBox="1"/>
+          <p:nvPr/>
+        </p:nvSpPr>
+        <p:spPr>
+          <a:xfrm>
+            <a:off x="976745" y="2182091"/>
+            <a:ext cx="4242443" cy="369332"/>
+          </a:xfrm>
+          <a:prstGeom prst="rect">
+            <a:avLst/>
+          </a:prstGeom>
+          <a:noFill/>
+        </p:spPr>
+        <p:txBody>
+          <a:bodyPr wrap="none" rtlCol="0">
+            <a:spAutoFit/>
+          </a:bodyPr>
+          <a:lstStyle/>
+          <a:p>
+            <a:r>
+              <a:rPr lang="de-DE" dirty="0"/>
+              <a:t>Read in DBDA: 6.1, 6.2, 6.3, 7.4.1, 7.4.2, 8.4</a:t>
+            </a:r>
           </a:p>
         </p:txBody>
       </p:sp>
@@ -4666,20 +4731,24 @@
               <a:t>GitHub </a:t>
             </a:r>
             <a:r>
-              <a:rPr lang="de-DE" dirty="0" err="1"/>
+              <a:rPr lang="de-DE" b="1" dirty="0" err="1"/>
               <a:t>reyar</a:t>
             </a:r>
             <a:r>
-              <a:rPr lang="de-DE" dirty="0"/>
+              <a:rPr lang="de-DE" b="1" dirty="0"/>
               <a:t>/</a:t>
             </a:r>
             <a:r>
-              <a:rPr lang="de-DE" dirty="0" err="1"/>
+              <a:rPr lang="de-DE" b="1" dirty="0" err="1"/>
               <a:t>BayesTwoProp</a:t>
             </a:r>
             <a:r>
-              <a:rPr lang="de-DE" dirty="0"/>
-              <a:t> Repository</a:t>
+              <a:rPr lang="de-DE" b="1" dirty="0"/>
+              <a:t> </a:t>
+            </a:r>
+            <a:r>
+              <a:rPr lang="de-DE" dirty="0"/>
+              <a:t>Repository</a:t>
             </a:r>
             <a:endParaRPr lang="en-DE" dirty="0"/>
           </a:p>
@@ -7008,6 +7077,36 @@
           </a:p>
         </p:txBody>
       </p:sp>
+      <p:pic>
+        <p:nvPicPr>
+          <p:cNvPr id="9" name="Grafik 8">
+            <a:extLst>
+              <a:ext uri="{FF2B5EF4-FFF2-40B4-BE49-F238E27FC236}">
+                <a16:creationId xmlns:a16="http://schemas.microsoft.com/office/drawing/2014/main" id="{142B2415-8ADD-2882-2152-667B9DB65231}"/>
+              </a:ext>
+            </a:extLst>
+          </p:cNvPr>
+          <p:cNvPicPr>
+            <a:picLocks noChangeAspect="1"/>
+          </p:cNvPicPr>
+          <p:nvPr/>
+        </p:nvPicPr>
+        <p:blipFill>
+          <a:blip r:embed="rId3"/>
+          <a:stretch>
+            <a:fillRect/>
+          </a:stretch>
+        </p:blipFill>
+        <p:spPr>
+          <a:xfrm rot="5400000">
+            <a:off x="9924231" y="1194149"/>
+            <a:ext cx="1146227" cy="2699180"/>
+          </a:xfrm>
+          <a:prstGeom prst="rect">
+            <a:avLst/>
+          </a:prstGeom>
+        </p:spPr>
+      </p:pic>
     </p:spTree>
     <p:extLst>
       <p:ext uri="{BB962C8B-B14F-4D97-AF65-F5344CB8AC3E}">

--- a/documents/Introduction.pptx
+++ b/documents/Introduction.pptx
@@ -220,7 +220,7 @@
           <a:p>
             <a:fld id="{67C8102D-6625-460C-9AF5-7434CFE4F25A}" type="datetimeFigureOut">
               <a:rPr lang="en-DE" smtClean="0"/>
-              <a:t>12/09/2024</a:t>
+              <a:t>21/09/2024</a:t>
             </a:fld>
             <a:endParaRPr lang="en-DE"/>
           </a:p>
@@ -486,6 +486,90 @@
     </a:lvl9pPr>
   </p:notesStyle>
 </p:notesMaster>
+</file>
+
+<file path=ppt/notesSlides/notesSlide1.xml><?xml version="1.0" encoding="utf-8"?>
+<p:notes xmlns:a="http://schemas.openxmlformats.org/drawingml/2006/main" xmlns:r="http://schemas.openxmlformats.org/officeDocument/2006/relationships" xmlns:p="http://schemas.openxmlformats.org/presentationml/2006/main">
+  <p:cSld>
+    <p:spTree>
+      <p:nvGrpSpPr>
+        <p:cNvPr id="1" name=""/>
+        <p:cNvGrpSpPr/>
+        <p:nvPr/>
+      </p:nvGrpSpPr>
+      <p:grpSpPr>
+        <a:xfrm>
+          <a:off x="0" y="0"/>
+          <a:ext cx="0" cy="0"/>
+          <a:chOff x="0" y="0"/>
+          <a:chExt cx="0" cy="0"/>
+        </a:xfrm>
+      </p:grpSpPr>
+      <p:sp>
+        <p:nvSpPr>
+          <p:cNvPr id="2" name="Folienbildplatzhalter 1"/>
+          <p:cNvSpPr>
+            <a:spLocks noGrp="1" noRot="1" noChangeAspect="1"/>
+          </p:cNvSpPr>
+          <p:nvPr>
+            <p:ph type="sldImg"/>
+          </p:nvPr>
+        </p:nvSpPr>
+        <p:spPr/>
+      </p:sp>
+      <p:sp>
+        <p:nvSpPr>
+          <p:cNvPr id="3" name="Notizenplatzhalter 2"/>
+          <p:cNvSpPr>
+            <a:spLocks noGrp="1"/>
+          </p:cNvSpPr>
+          <p:nvPr>
+            <p:ph type="body" idx="1"/>
+          </p:nvPr>
+        </p:nvSpPr>
+        <p:spPr/>
+        <p:txBody>
+          <a:bodyPr/>
+          <a:lstStyle/>
+          <a:p>
+            <a:endParaRPr lang="en-DE" dirty="0"/>
+          </a:p>
+        </p:txBody>
+      </p:sp>
+      <p:sp>
+        <p:nvSpPr>
+          <p:cNvPr id="4" name="Foliennummernplatzhalter 3"/>
+          <p:cNvSpPr>
+            <a:spLocks noGrp="1"/>
+          </p:cNvSpPr>
+          <p:nvPr>
+            <p:ph type="sldNum" sz="quarter" idx="5"/>
+          </p:nvPr>
+        </p:nvSpPr>
+        <p:spPr/>
+        <p:txBody>
+          <a:bodyPr/>
+          <a:lstStyle/>
+          <a:p>
+            <a:fld id="{C326C638-920F-4C05-A016-5CE588EF7A86}" type="slidenum">
+              <a:rPr lang="en-DE" smtClean="0"/>
+              <a:t>2</a:t>
+            </a:fld>
+            <a:endParaRPr lang="en-DE"/>
+          </a:p>
+        </p:txBody>
+      </p:sp>
+    </p:spTree>
+    <p:extLst>
+      <p:ext uri="{BB962C8B-B14F-4D97-AF65-F5344CB8AC3E}">
+        <p14:creationId xmlns:p14="http://schemas.microsoft.com/office/powerpoint/2010/main" val="3378181807"/>
+      </p:ext>
+    </p:extLst>
+  </p:cSld>
+  <p:clrMapOvr>
+    <a:masterClrMapping/>
+  </p:clrMapOvr>
+</p:notes>
 </file>
 
 <file path=ppt/slideLayouts/slideLayout1.xml><?xml version="1.0" encoding="utf-8"?>
@@ -5061,15 +5145,7 @@
             </a:r>
             <a:r>
               <a:rPr lang="de-DE" dirty="0"/>
-              <a:t> Client GitHub Desktop (</a:t>
-            </a:r>
-            <a:r>
-              <a:rPr lang="de-DE" dirty="0" err="1"/>
-              <a:t>local</a:t>
-            </a:r>
-            <a:r>
-              <a:rPr lang="de-DE" dirty="0"/>
-              <a:t>) </a:t>
+              <a:t> Client </a:t>
             </a:r>
             <a:r>
               <a:rPr lang="de-DE" dirty="0" err="1"/>
@@ -5094,6 +5170,16 @@
             <a:r>
               <a:rPr lang="de-DE" dirty="0"/>
               <a:t> Cloud </a:t>
+            </a:r>
+          </a:p>
+          <a:p>
+            <a:pPr marL="285750" indent="-285750">
+              <a:buFont typeface="Arial" panose="020B0604020202020204" pitchFamily="34" charset="0"/>
+              <a:buChar char="•"/>
+            </a:pPr>
+            <a:r>
+              <a:rPr lang="de-DE" dirty="0"/>
+              <a:t>Clients: Tortoise, GitHub Desktop</a:t>
             </a:r>
             <a:endParaRPr lang="en-DE" dirty="0"/>
           </a:p>
@@ -5358,27 +5444,11 @@
             </a:r>
             <a:r>
               <a:rPr lang="de-DE" dirty="0" err="1"/>
-              <a:t>to</a:t>
-            </a:r>
-            <a:r>
-              <a:rPr lang="de-DE" dirty="0"/>
-              <a:t> GitHub Branch </a:t>
-            </a:r>
-            <a:r>
-              <a:rPr lang="de-DE" dirty="0" err="1"/>
               <a:t>by</a:t>
             </a:r>
             <a:r>
               <a:rPr lang="de-DE" dirty="0"/>
-              <a:t> Client GitHub Desktop (</a:t>
-            </a:r>
-            <a:r>
-              <a:rPr lang="de-DE" dirty="0" err="1"/>
-              <a:t>local</a:t>
-            </a:r>
-            <a:r>
-              <a:rPr lang="de-DE" dirty="0"/>
-              <a:t>) </a:t>
+              <a:t> Client </a:t>
             </a:r>
             <a:r>
               <a:rPr lang="de-DE" dirty="0" err="1"/>
@@ -5403,6 +5473,16 @@
             <a:r>
               <a:rPr lang="de-DE" dirty="0"/>
               <a:t> Cloud </a:t>
+            </a:r>
+          </a:p>
+          <a:p>
+            <a:pPr marL="285750" indent="-285750">
+              <a:buFont typeface="Arial" panose="020B0604020202020204" pitchFamily="34" charset="0"/>
+              <a:buChar char="•"/>
+            </a:pPr>
+            <a:r>
+              <a:rPr lang="de-DE" dirty="0"/>
+              <a:t>Clients: Tortoise, GitHub Desktop</a:t>
             </a:r>
             <a:endParaRPr lang="en-DE" dirty="0"/>
           </a:p>

--- a/documents/Introduction.pptx
+++ b/documents/Introduction.pptx
@@ -5,22 +5,23 @@
     <p:sldMasterId id="2147483648" r:id="rId1"/>
   </p:sldMasterIdLst>
   <p:notesMasterIdLst>
-    <p:notesMasterId r:id="rId15"/>
+    <p:notesMasterId r:id="rId16"/>
   </p:notesMasterIdLst>
   <p:sldIdLst>
     <p:sldId id="256" r:id="rId2"/>
-    <p:sldId id="258" r:id="rId3"/>
+    <p:sldId id="274" r:id="rId3"/>
     <p:sldId id="271" r:id="rId4"/>
-    <p:sldId id="261" r:id="rId5"/>
-    <p:sldId id="262" r:id="rId6"/>
-    <p:sldId id="260" r:id="rId7"/>
-    <p:sldId id="263" r:id="rId8"/>
-    <p:sldId id="264" r:id="rId9"/>
-    <p:sldId id="265" r:id="rId10"/>
-    <p:sldId id="267" r:id="rId11"/>
-    <p:sldId id="272" r:id="rId12"/>
-    <p:sldId id="273" r:id="rId13"/>
-    <p:sldId id="266" r:id="rId14"/>
+    <p:sldId id="258" r:id="rId5"/>
+    <p:sldId id="261" r:id="rId6"/>
+    <p:sldId id="262" r:id="rId7"/>
+    <p:sldId id="260" r:id="rId8"/>
+    <p:sldId id="263" r:id="rId9"/>
+    <p:sldId id="264" r:id="rId10"/>
+    <p:sldId id="265" r:id="rId11"/>
+    <p:sldId id="267" r:id="rId12"/>
+    <p:sldId id="272" r:id="rId13"/>
+    <p:sldId id="273" r:id="rId14"/>
+    <p:sldId id="266" r:id="rId15"/>
   </p:sldIdLst>
   <p:sldSz cx="12192000" cy="6858000"/>
   <p:notesSz cx="6858000" cy="9144000"/>
@@ -220,7 +221,7 @@
           <a:p>
             <a:fld id="{67C8102D-6625-460C-9AF5-7434CFE4F25A}" type="datetimeFigureOut">
               <a:rPr lang="en-DE" smtClean="0"/>
-              <a:t>21/09/2024</a:t>
+              <a:t>25/09/2024</a:t>
             </a:fld>
             <a:endParaRPr lang="en-DE"/>
           </a:p>
@@ -553,7 +554,7 @@
           <a:p>
             <a:fld id="{C326C638-920F-4C05-A016-5CE588EF7A86}" type="slidenum">
               <a:rPr lang="en-DE" smtClean="0"/>
-              <a:t>2</a:t>
+              <a:t>4</a:t>
             </a:fld>
             <a:endParaRPr lang="en-DE"/>
           </a:p>
@@ -4269,6 +4270,304 @@
           <p:cNvPr id="2" name="Titel 1">
             <a:extLst>
               <a:ext uri="{FF2B5EF4-FFF2-40B4-BE49-F238E27FC236}">
+                <a16:creationId xmlns:a16="http://schemas.microsoft.com/office/drawing/2014/main" id="{81264B19-BEA1-341E-A167-7776CBBEA8E5}"/>
+              </a:ext>
+            </a:extLst>
+          </p:cNvPr>
+          <p:cNvSpPr>
+            <a:spLocks noGrp="1"/>
+          </p:cNvSpPr>
+          <p:nvPr>
+            <p:ph type="title"/>
+          </p:nvPr>
+        </p:nvSpPr>
+        <p:spPr/>
+        <p:txBody>
+          <a:bodyPr/>
+          <a:lstStyle/>
+          <a:p>
+            <a:r>
+              <a:rPr lang="de-DE" dirty="0"/>
+              <a:t>Bayes Theory </a:t>
+            </a:r>
+            <a:r>
+              <a:rPr lang="de-DE" dirty="0" err="1"/>
+              <a:t>Introduction</a:t>
+            </a:r>
+            <a:endParaRPr lang="en-DE" dirty="0"/>
+          </a:p>
+        </p:txBody>
+      </p:sp>
+      <p:sp>
+        <p:nvSpPr>
+          <p:cNvPr id="4" name="Fußzeilenplatzhalter 3">
+            <a:extLst>
+              <a:ext uri="{FF2B5EF4-FFF2-40B4-BE49-F238E27FC236}">
+                <a16:creationId xmlns:a16="http://schemas.microsoft.com/office/drawing/2014/main" id="{AE13EFB2-E920-7F98-14C2-9D2B40D9DE22}"/>
+              </a:ext>
+            </a:extLst>
+          </p:cNvPr>
+          <p:cNvSpPr>
+            <a:spLocks noGrp="1"/>
+          </p:cNvSpPr>
+          <p:nvPr>
+            <p:ph type="ftr" sz="quarter" idx="11"/>
+          </p:nvPr>
+        </p:nvSpPr>
+        <p:spPr/>
+        <p:txBody>
+          <a:bodyPr/>
+          <a:lstStyle/>
+          <a:p>
+            <a:r>
+              <a:rPr lang="en-US"/>
+              <a:t>Introduction Bioinformatics, Dr. Denise Welsch</a:t>
+            </a:r>
+            <a:endParaRPr lang="en-DE"/>
+          </a:p>
+        </p:txBody>
+      </p:sp>
+      <p:pic>
+        <p:nvPicPr>
+          <p:cNvPr id="6" name="Grafik 5">
+            <a:extLst>
+              <a:ext uri="{FF2B5EF4-FFF2-40B4-BE49-F238E27FC236}">
+                <a16:creationId xmlns:a16="http://schemas.microsoft.com/office/drawing/2014/main" id="{0199B530-74FD-1F90-8468-9578F13D851C}"/>
+              </a:ext>
+            </a:extLst>
+          </p:cNvPr>
+          <p:cNvPicPr>
+            <a:picLocks noChangeAspect="1"/>
+          </p:cNvPicPr>
+          <p:nvPr/>
+        </p:nvPicPr>
+        <p:blipFill>
+          <a:blip r:embed="rId2"/>
+          <a:stretch>
+            <a:fillRect/>
+          </a:stretch>
+        </p:blipFill>
+        <p:spPr>
+          <a:xfrm>
+            <a:off x="2971799" y="2774497"/>
+            <a:ext cx="6402639" cy="1775732"/>
+          </a:xfrm>
+          <a:prstGeom prst="rect">
+            <a:avLst/>
+          </a:prstGeom>
+        </p:spPr>
+      </p:pic>
+      <p:sp>
+        <p:nvSpPr>
+          <p:cNvPr id="7" name="Textfeld 6">
+            <a:extLst>
+              <a:ext uri="{FF2B5EF4-FFF2-40B4-BE49-F238E27FC236}">
+                <a16:creationId xmlns:a16="http://schemas.microsoft.com/office/drawing/2014/main" id="{7D58B874-E407-B5CA-5F40-1EC12E16AE88}"/>
+              </a:ext>
+            </a:extLst>
+          </p:cNvPr>
+          <p:cNvSpPr txBox="1"/>
+          <p:nvPr/>
+        </p:nvSpPr>
+        <p:spPr>
+          <a:xfrm>
+            <a:off x="838200" y="5634038"/>
+            <a:ext cx="7088287" cy="369332"/>
+          </a:xfrm>
+          <a:prstGeom prst="rect">
+            <a:avLst/>
+          </a:prstGeom>
+          <a:noFill/>
+        </p:spPr>
+        <p:txBody>
+          <a:bodyPr wrap="none" rtlCol="0">
+            <a:spAutoFit/>
+          </a:bodyPr>
+          <a:lstStyle/>
+          <a:p>
+            <a:r>
+              <a:rPr lang="de-DE" dirty="0"/>
+              <a:t>Out </a:t>
+            </a:r>
+            <a:r>
+              <a:rPr lang="de-DE" dirty="0" err="1"/>
+              <a:t>of</a:t>
+            </a:r>
+            <a:r>
+              <a:rPr lang="de-DE" dirty="0"/>
+              <a:t> </a:t>
+            </a:r>
+            <a:r>
+              <a:rPr lang="de-DE" dirty="0" err="1"/>
+              <a:t>the</a:t>
+            </a:r>
+            <a:r>
+              <a:rPr lang="de-DE" dirty="0"/>
+              <a:t> </a:t>
+            </a:r>
+            <a:r>
+              <a:rPr lang="de-DE" dirty="0" err="1"/>
+              <a:t>posterior</a:t>
+            </a:r>
+            <a:r>
+              <a:rPr lang="de-DE" dirty="0"/>
+              <a:t>, </a:t>
+            </a:r>
+            <a:r>
+              <a:rPr lang="de-DE" dirty="0" err="1"/>
+              <a:t>we</a:t>
+            </a:r>
+            <a:r>
+              <a:rPr lang="de-DE" dirty="0"/>
+              <a:t> </a:t>
+            </a:r>
+            <a:r>
+              <a:rPr lang="de-DE" dirty="0" err="1"/>
+              <a:t>build</a:t>
+            </a:r>
+            <a:r>
+              <a:rPr lang="de-DE" dirty="0"/>
+              <a:t> </a:t>
+            </a:r>
+            <a:r>
+              <a:rPr lang="de-DE" dirty="0" err="1"/>
+              <a:t>credibility</a:t>
+            </a:r>
+            <a:r>
+              <a:rPr lang="de-DE" dirty="0"/>
+              <a:t> </a:t>
+            </a:r>
+            <a:r>
+              <a:rPr lang="de-DE" dirty="0" err="1"/>
+              <a:t>intervals</a:t>
+            </a:r>
+            <a:r>
+              <a:rPr lang="de-DE" dirty="0"/>
+              <a:t> and </a:t>
+            </a:r>
+            <a:r>
+              <a:rPr lang="de-DE" dirty="0" err="1"/>
+              <a:t>methods</a:t>
+            </a:r>
+            <a:r>
+              <a:rPr lang="de-DE" dirty="0"/>
+              <a:t> </a:t>
+            </a:r>
+            <a:r>
+              <a:rPr lang="de-DE" dirty="0" err="1"/>
+              <a:t>for</a:t>
+            </a:r>
+            <a:r>
+              <a:rPr lang="de-DE" dirty="0"/>
+              <a:t> </a:t>
+            </a:r>
+            <a:r>
+              <a:rPr lang="de-DE" dirty="0" err="1"/>
+              <a:t>testing</a:t>
+            </a:r>
+            <a:r>
+              <a:rPr lang="de-DE" dirty="0"/>
+              <a:t>.</a:t>
+            </a:r>
+            <a:endParaRPr lang="en-DE" dirty="0"/>
+          </a:p>
+        </p:txBody>
+      </p:sp>
+      <p:sp>
+        <p:nvSpPr>
+          <p:cNvPr id="3" name="Textfeld 2">
+            <a:extLst>
+              <a:ext uri="{FF2B5EF4-FFF2-40B4-BE49-F238E27FC236}">
+                <a16:creationId xmlns:a16="http://schemas.microsoft.com/office/drawing/2014/main" id="{B6763287-FADE-E333-3565-491543327CB2}"/>
+              </a:ext>
+            </a:extLst>
+          </p:cNvPr>
+          <p:cNvSpPr txBox="1"/>
+          <p:nvPr/>
+        </p:nvSpPr>
+        <p:spPr>
+          <a:xfrm>
+            <a:off x="9518072" y="5305492"/>
+            <a:ext cx="1895071" cy="246221"/>
+          </a:xfrm>
+          <a:prstGeom prst="rect">
+            <a:avLst/>
+          </a:prstGeom>
+          <a:noFill/>
+        </p:spPr>
+        <p:txBody>
+          <a:bodyPr wrap="none" rtlCol="0">
+            <a:spAutoFit/>
+          </a:bodyPr>
+          <a:lstStyle/>
+          <a:p>
+            <a:r>
+              <a:rPr lang="de-DE" sz="1000" dirty="0"/>
+              <a:t>All </a:t>
+            </a:r>
+            <a:r>
+              <a:rPr lang="de-DE" sz="1000" dirty="0" err="1"/>
+              <a:t>of</a:t>
+            </a:r>
+            <a:r>
+              <a:rPr lang="de-DE" sz="1000" dirty="0"/>
+              <a:t> </a:t>
+            </a:r>
+            <a:r>
+              <a:rPr lang="de-DE" sz="1000" dirty="0" err="1"/>
+              <a:t>Statistics</a:t>
+            </a:r>
+            <a:r>
+              <a:rPr lang="de-DE" sz="1000" dirty="0"/>
+              <a:t>, </a:t>
+            </a:r>
+            <a:r>
+              <a:rPr lang="de-DE" sz="1000" dirty="0" err="1"/>
+              <a:t>Wasseman</a:t>
+            </a:r>
+            <a:r>
+              <a:rPr lang="de-DE" sz="1000" dirty="0"/>
+              <a:t>, 2004</a:t>
+            </a:r>
+            <a:endParaRPr lang="en-DE" sz="1000" dirty="0"/>
+          </a:p>
+        </p:txBody>
+      </p:sp>
+    </p:spTree>
+    <p:extLst>
+      <p:ext uri="{BB962C8B-B14F-4D97-AF65-F5344CB8AC3E}">
+        <p14:creationId xmlns:p14="http://schemas.microsoft.com/office/powerpoint/2010/main" val="1493391760"/>
+      </p:ext>
+    </p:extLst>
+  </p:cSld>
+  <p:clrMapOvr>
+    <a:masterClrMapping/>
+  </p:clrMapOvr>
+</p:sld>
+</file>
+
+<file path=ppt/slides/slide11.xml><?xml version="1.0" encoding="utf-8"?>
+<p:sld xmlns:a="http://schemas.openxmlformats.org/drawingml/2006/main" xmlns:r="http://schemas.openxmlformats.org/officeDocument/2006/relationships" xmlns:p="http://schemas.openxmlformats.org/presentationml/2006/main">
+  <p:cSld>
+    <p:spTree>
+      <p:nvGrpSpPr>
+        <p:cNvPr id="1" name=""/>
+        <p:cNvGrpSpPr/>
+        <p:nvPr/>
+      </p:nvGrpSpPr>
+      <p:grpSpPr>
+        <a:xfrm>
+          <a:off x="0" y="0"/>
+          <a:ext cx="0" cy="0"/>
+          <a:chOff x="0" y="0"/>
+          <a:chExt cx="0" cy="0"/>
+        </a:xfrm>
+      </p:grpSpPr>
+      <p:sp>
+        <p:nvSpPr>
+          <p:cNvPr id="2" name="Titel 1">
+            <a:extLst>
+              <a:ext uri="{FF2B5EF4-FFF2-40B4-BE49-F238E27FC236}">
                 <a16:creationId xmlns:a16="http://schemas.microsoft.com/office/drawing/2014/main" id="{3C303236-D279-A180-B8BC-BB79812FA12A}"/>
               </a:ext>
             </a:extLst>
@@ -4373,7 +4672,7 @@
 </p:sld>
 </file>
 
-<file path=ppt/slides/slide11.xml><?xml version="1.0" encoding="utf-8"?>
+<file path=ppt/slides/slide12.xml><?xml version="1.0" encoding="utf-8"?>
 <p:sld xmlns:a="http://schemas.openxmlformats.org/drawingml/2006/main" xmlns:r="http://schemas.openxmlformats.org/officeDocument/2006/relationships" xmlns:p="http://schemas.openxmlformats.org/presentationml/2006/main">
   <p:cSld>
     <p:spTree>
@@ -4499,7 +4798,7 @@
 </p:sld>
 </file>
 
-<file path=ppt/slides/slide12.xml><?xml version="1.0" encoding="utf-8"?>
+<file path=ppt/slides/slide13.xml><?xml version="1.0" encoding="utf-8"?>
 <p:sld xmlns:a="http://schemas.openxmlformats.org/drawingml/2006/main" xmlns:r="http://schemas.openxmlformats.org/officeDocument/2006/relationships" xmlns:p="http://schemas.openxmlformats.org/presentationml/2006/main">
   <p:cSld>
     <p:spTree>
@@ -4625,7 +4924,7 @@
 </p:sld>
 </file>
 
-<file path=ppt/slides/slide13.xml><?xml version="1.0" encoding="utf-8"?>
+<file path=ppt/slides/slide14.xml><?xml version="1.0" encoding="utf-8"?>
 <p:sld xmlns:a="http://schemas.openxmlformats.org/drawingml/2006/main" xmlns:r="http://schemas.openxmlformats.org/officeDocument/2006/relationships" xmlns:p="http://schemas.openxmlformats.org/presentationml/2006/main">
   <p:cSld>
     <p:spTree>
@@ -4773,6 +5072,1013 @@
 </file>
 
 <file path=ppt/slides/slide2.xml><?xml version="1.0" encoding="utf-8"?>
+<p:sld xmlns:a="http://schemas.openxmlformats.org/drawingml/2006/main" xmlns:r="http://schemas.openxmlformats.org/officeDocument/2006/relationships" xmlns:p="http://schemas.openxmlformats.org/presentationml/2006/main">
+  <p:cSld>
+    <p:spTree>
+      <p:nvGrpSpPr>
+        <p:cNvPr id="1" name=""/>
+        <p:cNvGrpSpPr/>
+        <p:nvPr/>
+      </p:nvGrpSpPr>
+      <p:grpSpPr>
+        <a:xfrm>
+          <a:off x="0" y="0"/>
+          <a:ext cx="0" cy="0"/>
+          <a:chOff x="0" y="0"/>
+          <a:chExt cx="0" cy="0"/>
+        </a:xfrm>
+      </p:grpSpPr>
+      <p:sp>
+        <p:nvSpPr>
+          <p:cNvPr id="2" name="Titel 1">
+            <a:extLst>
+              <a:ext uri="{FF2B5EF4-FFF2-40B4-BE49-F238E27FC236}">
+                <a16:creationId xmlns:a16="http://schemas.microsoft.com/office/drawing/2014/main" id="{D4B0B43E-6B6A-6F78-B966-684BA5D9C029}"/>
+              </a:ext>
+            </a:extLst>
+          </p:cNvPr>
+          <p:cNvSpPr>
+            <a:spLocks noGrp="1"/>
+          </p:cNvSpPr>
+          <p:nvPr>
+            <p:ph type="title"/>
+          </p:nvPr>
+        </p:nvSpPr>
+        <p:spPr/>
+        <p:txBody>
+          <a:bodyPr/>
+          <a:lstStyle/>
+          <a:p>
+            <a:r>
+              <a:rPr lang="de-DE" dirty="0"/>
+              <a:t>Learning </a:t>
+            </a:r>
+            <a:r>
+              <a:rPr lang="de-DE" dirty="0" err="1"/>
+              <a:t>Objectives</a:t>
+            </a:r>
+            <a:endParaRPr lang="en-DE" dirty="0"/>
+          </a:p>
+        </p:txBody>
+      </p:sp>
+      <p:sp>
+        <p:nvSpPr>
+          <p:cNvPr id="3" name="Inhaltsplatzhalter 2">
+            <a:extLst>
+              <a:ext uri="{FF2B5EF4-FFF2-40B4-BE49-F238E27FC236}">
+                <a16:creationId xmlns:a16="http://schemas.microsoft.com/office/drawing/2014/main" id="{201B24F0-3190-87DC-1E22-F8884B710B87}"/>
+              </a:ext>
+            </a:extLst>
+          </p:cNvPr>
+          <p:cNvSpPr>
+            <a:spLocks noGrp="1"/>
+          </p:cNvSpPr>
+          <p:nvPr>
+            <p:ph idx="1"/>
+          </p:nvPr>
+        </p:nvSpPr>
+        <p:spPr/>
+        <p:txBody>
+          <a:bodyPr/>
+          <a:lstStyle/>
+          <a:p>
+            <a:r>
+              <a:rPr lang="de-DE" dirty="0" err="1"/>
+              <a:t>Learn</a:t>
+            </a:r>
+            <a:r>
+              <a:rPr lang="de-DE" dirty="0"/>
+              <a:t> </a:t>
+            </a:r>
+            <a:r>
+              <a:rPr lang="de-DE" dirty="0" err="1"/>
+              <a:t>to</a:t>
+            </a:r>
+            <a:r>
+              <a:rPr lang="de-DE" dirty="0"/>
+              <a:t> </a:t>
+            </a:r>
+            <a:r>
+              <a:rPr lang="de-DE" dirty="0" err="1"/>
+              <a:t>apply</a:t>
+            </a:r>
+            <a:r>
+              <a:rPr lang="de-DE" dirty="0"/>
+              <a:t> Bayes </a:t>
+            </a:r>
+            <a:r>
+              <a:rPr lang="de-DE" dirty="0" err="1"/>
+              <a:t>theory</a:t>
+            </a:r>
+            <a:r>
+              <a:rPr lang="de-DE" dirty="0"/>
+              <a:t> on a </a:t>
+            </a:r>
+            <a:r>
+              <a:rPr lang="de-DE" dirty="0" err="1"/>
+              <a:t>certain</a:t>
+            </a:r>
+            <a:r>
+              <a:rPr lang="de-DE" dirty="0"/>
+              <a:t> </a:t>
+            </a:r>
+            <a:r>
+              <a:rPr lang="de-DE" dirty="0" err="1"/>
+              <a:t>data</a:t>
+            </a:r>
+            <a:r>
+              <a:rPr lang="de-DE" dirty="0"/>
+              <a:t> </a:t>
+            </a:r>
+            <a:r>
+              <a:rPr lang="de-DE" dirty="0" err="1"/>
+              <a:t>analytical</a:t>
+            </a:r>
+            <a:r>
+              <a:rPr lang="de-DE" dirty="0"/>
+              <a:t> </a:t>
+            </a:r>
+            <a:r>
+              <a:rPr lang="de-DE" dirty="0" err="1"/>
+              <a:t>problem</a:t>
+            </a:r>
+            <a:r>
+              <a:rPr lang="de-DE" dirty="0"/>
+              <a:t> </a:t>
+            </a:r>
+          </a:p>
+          <a:p>
+            <a:r>
+              <a:rPr lang="de-DE" dirty="0" err="1"/>
+              <a:t>Learn</a:t>
+            </a:r>
+            <a:r>
+              <a:rPr lang="de-DE" dirty="0"/>
+              <a:t> </a:t>
+            </a:r>
+            <a:r>
+              <a:rPr lang="de-DE" dirty="0" err="1"/>
+              <a:t>to</a:t>
+            </a:r>
+            <a:r>
+              <a:rPr lang="de-DE" dirty="0"/>
+              <a:t> code </a:t>
+            </a:r>
+            <a:r>
+              <a:rPr lang="de-DE" dirty="0" err="1"/>
+              <a:t>with</a:t>
+            </a:r>
+            <a:r>
+              <a:rPr lang="de-DE" dirty="0"/>
+              <a:t> R </a:t>
+            </a:r>
+          </a:p>
+          <a:p>
+            <a:r>
+              <a:rPr lang="de-DE" dirty="0" err="1"/>
+              <a:t>Learn</a:t>
+            </a:r>
+            <a:r>
+              <a:rPr lang="de-DE" dirty="0"/>
+              <a:t> </a:t>
+            </a:r>
+            <a:r>
+              <a:rPr lang="de-DE" dirty="0" err="1"/>
+              <a:t>to</a:t>
+            </a:r>
+            <a:r>
+              <a:rPr lang="de-DE" dirty="0"/>
+              <a:t> </a:t>
+            </a:r>
+            <a:r>
+              <a:rPr lang="de-DE" dirty="0" err="1"/>
+              <a:t>work</a:t>
+            </a:r>
+            <a:r>
+              <a:rPr lang="de-DE" dirty="0"/>
+              <a:t> </a:t>
+            </a:r>
+            <a:r>
+              <a:rPr lang="de-DE" dirty="0" err="1"/>
+              <a:t>with</a:t>
+            </a:r>
+            <a:r>
+              <a:rPr lang="de-DE" dirty="0"/>
+              <a:t> </a:t>
+            </a:r>
+            <a:r>
+              <a:rPr lang="de-DE" dirty="0" err="1"/>
+              <a:t>Git</a:t>
+            </a:r>
+            <a:r>
+              <a:rPr lang="de-DE" dirty="0"/>
+              <a:t> and GitHub</a:t>
+            </a:r>
+          </a:p>
+          <a:p>
+            <a:r>
+              <a:rPr lang="de-DE" dirty="0" err="1"/>
+              <a:t>Learn</a:t>
+            </a:r>
+            <a:r>
+              <a:rPr lang="de-DE" dirty="0"/>
+              <a:t> </a:t>
+            </a:r>
+            <a:r>
+              <a:rPr lang="de-DE" dirty="0" err="1"/>
+              <a:t>to</a:t>
+            </a:r>
+            <a:r>
+              <a:rPr lang="de-DE" dirty="0"/>
+              <a:t> </a:t>
+            </a:r>
+            <a:r>
+              <a:rPr lang="de-DE" dirty="0" err="1"/>
+              <a:t>collaborate</a:t>
+            </a:r>
+            <a:r>
+              <a:rPr lang="de-DE" dirty="0"/>
+              <a:t> in </a:t>
+            </a:r>
+            <a:r>
+              <a:rPr lang="de-DE" dirty="0" err="1"/>
+              <a:t>software</a:t>
+            </a:r>
+            <a:r>
+              <a:rPr lang="de-DE" dirty="0"/>
+              <a:t> </a:t>
+            </a:r>
+            <a:r>
+              <a:rPr lang="de-DE" dirty="0" err="1"/>
+              <a:t>engineering</a:t>
+            </a:r>
+            <a:r>
+              <a:rPr lang="de-DE" dirty="0"/>
+              <a:t> </a:t>
+            </a:r>
+            <a:r>
+              <a:rPr lang="de-DE" dirty="0" err="1"/>
+              <a:t>projects</a:t>
+            </a:r>
+            <a:r>
+              <a:rPr lang="de-DE" dirty="0"/>
+              <a:t> </a:t>
+            </a:r>
+            <a:endParaRPr lang="en-DE" dirty="0"/>
+          </a:p>
+        </p:txBody>
+      </p:sp>
+      <p:sp>
+        <p:nvSpPr>
+          <p:cNvPr id="4" name="Fußzeilenplatzhalter 3">
+            <a:extLst>
+              <a:ext uri="{FF2B5EF4-FFF2-40B4-BE49-F238E27FC236}">
+                <a16:creationId xmlns:a16="http://schemas.microsoft.com/office/drawing/2014/main" id="{E4BE0725-60D1-71DB-0D7D-7BDD6ECC40AF}"/>
+              </a:ext>
+            </a:extLst>
+          </p:cNvPr>
+          <p:cNvSpPr>
+            <a:spLocks noGrp="1"/>
+          </p:cNvSpPr>
+          <p:nvPr>
+            <p:ph type="ftr" sz="quarter" idx="11"/>
+          </p:nvPr>
+        </p:nvSpPr>
+        <p:spPr/>
+        <p:txBody>
+          <a:bodyPr/>
+          <a:lstStyle/>
+          <a:p>
+            <a:r>
+              <a:rPr lang="en-US"/>
+              <a:t>Introduction Bioinformatics, Dr. Denise Welsch</a:t>
+            </a:r>
+            <a:endParaRPr lang="en-DE"/>
+          </a:p>
+        </p:txBody>
+      </p:sp>
+    </p:spTree>
+    <p:extLst>
+      <p:ext uri="{BB962C8B-B14F-4D97-AF65-F5344CB8AC3E}">
+        <p14:creationId xmlns:p14="http://schemas.microsoft.com/office/powerpoint/2010/main" val="1781712089"/>
+      </p:ext>
+    </p:extLst>
+  </p:cSld>
+  <p:clrMapOvr>
+    <a:masterClrMapping/>
+  </p:clrMapOvr>
+</p:sld>
+</file>
+
+<file path=ppt/slides/slide3.xml><?xml version="1.0" encoding="utf-8"?>
+<p:sld xmlns:a="http://schemas.openxmlformats.org/drawingml/2006/main" xmlns:r="http://schemas.openxmlformats.org/officeDocument/2006/relationships" xmlns:p="http://schemas.openxmlformats.org/presentationml/2006/main">
+  <p:cSld>
+    <p:spTree>
+      <p:nvGrpSpPr>
+        <p:cNvPr id="1" name=""/>
+        <p:cNvGrpSpPr/>
+        <p:nvPr/>
+      </p:nvGrpSpPr>
+      <p:grpSpPr>
+        <a:xfrm>
+          <a:off x="0" y="0"/>
+          <a:ext cx="0" cy="0"/>
+          <a:chOff x="0" y="0"/>
+          <a:chExt cx="0" cy="0"/>
+        </a:xfrm>
+      </p:grpSpPr>
+      <p:sp>
+        <p:nvSpPr>
+          <p:cNvPr id="2" name="Titel 1">
+            <a:extLst>
+              <a:ext uri="{FF2B5EF4-FFF2-40B4-BE49-F238E27FC236}">
+                <a16:creationId xmlns:a16="http://schemas.microsoft.com/office/drawing/2014/main" id="{4288A1AB-749B-7F86-BD3E-3BFFC55CF7F1}"/>
+              </a:ext>
+            </a:extLst>
+          </p:cNvPr>
+          <p:cNvSpPr>
+            <a:spLocks noGrp="1"/>
+          </p:cNvSpPr>
+          <p:nvPr>
+            <p:ph type="title"/>
+          </p:nvPr>
+        </p:nvSpPr>
+        <p:spPr/>
+        <p:txBody>
+          <a:bodyPr/>
+          <a:lstStyle/>
+          <a:p>
+            <a:r>
+              <a:rPr lang="de-DE" dirty="0"/>
+              <a:t>Open-Source Software </a:t>
+            </a:r>
+            <a:r>
+              <a:rPr lang="de-DE" dirty="0" err="1"/>
+              <a:t>with</a:t>
+            </a:r>
+            <a:r>
+              <a:rPr lang="de-DE" dirty="0"/>
+              <a:t> GitHub</a:t>
+            </a:r>
+            <a:endParaRPr lang="en-DE" dirty="0"/>
+          </a:p>
+        </p:txBody>
+      </p:sp>
+      <p:sp>
+        <p:nvSpPr>
+          <p:cNvPr id="4" name="Fußzeilenplatzhalter 3">
+            <a:extLst>
+              <a:ext uri="{FF2B5EF4-FFF2-40B4-BE49-F238E27FC236}">
+                <a16:creationId xmlns:a16="http://schemas.microsoft.com/office/drawing/2014/main" id="{78DE1938-2602-7354-2F07-321AE0707BA7}"/>
+              </a:ext>
+            </a:extLst>
+          </p:cNvPr>
+          <p:cNvSpPr>
+            <a:spLocks noGrp="1"/>
+          </p:cNvSpPr>
+          <p:nvPr>
+            <p:ph type="ftr" sz="quarter" idx="11"/>
+          </p:nvPr>
+        </p:nvSpPr>
+        <p:spPr/>
+        <p:txBody>
+          <a:bodyPr/>
+          <a:lstStyle/>
+          <a:p>
+            <a:r>
+              <a:rPr lang="en-US"/>
+              <a:t>Introduction Bioinformatics, Dr. Denise Welsch</a:t>
+            </a:r>
+            <a:endParaRPr lang="en-DE"/>
+          </a:p>
+        </p:txBody>
+      </p:sp>
+      <p:sp>
+        <p:nvSpPr>
+          <p:cNvPr id="5" name="Textfeld 4">
+            <a:extLst>
+              <a:ext uri="{FF2B5EF4-FFF2-40B4-BE49-F238E27FC236}">
+                <a16:creationId xmlns:a16="http://schemas.microsoft.com/office/drawing/2014/main" id="{9640721C-259B-D977-0C94-0EBC8229E29E}"/>
+              </a:ext>
+            </a:extLst>
+          </p:cNvPr>
+          <p:cNvSpPr txBox="1"/>
+          <p:nvPr/>
+        </p:nvSpPr>
+        <p:spPr>
+          <a:xfrm>
+            <a:off x="838200" y="1946027"/>
+            <a:ext cx="11111345" cy="3785652"/>
+          </a:xfrm>
+          <a:prstGeom prst="rect">
+            <a:avLst/>
+          </a:prstGeom>
+          <a:noFill/>
+        </p:spPr>
+        <p:txBody>
+          <a:bodyPr wrap="square" rtlCol="0">
+            <a:spAutoFit/>
+          </a:bodyPr>
+          <a:lstStyle/>
+          <a:p>
+            <a:pPr marL="285750" indent="-285750">
+              <a:buFont typeface="Arial" panose="020B0604020202020204" pitchFamily="34" charset="0"/>
+              <a:buChar char="•"/>
+            </a:pPr>
+            <a:r>
+              <a:rPr lang="de-DE" sz="2400" dirty="0"/>
+              <a:t>The </a:t>
+            </a:r>
+            <a:r>
+              <a:rPr lang="de-DE" sz="2400" dirty="0" err="1"/>
+              <a:t>repository</a:t>
+            </a:r>
+            <a:r>
+              <a:rPr lang="de-DE" sz="2400" dirty="0"/>
+              <a:t> </a:t>
+            </a:r>
+            <a:r>
+              <a:rPr lang="de-DE" sz="2400" b="1" dirty="0" err="1"/>
+              <a:t>reyar</a:t>
+            </a:r>
+            <a:r>
+              <a:rPr lang="de-DE" sz="2400" b="1" dirty="0"/>
+              <a:t>/</a:t>
+            </a:r>
+            <a:r>
+              <a:rPr lang="de-DE" sz="2400" b="1" dirty="0" err="1"/>
+              <a:t>BayesTwoprop</a:t>
+            </a:r>
+            <a:r>
+              <a:rPr lang="de-DE" sz="2400" b="1" dirty="0"/>
+              <a:t> </a:t>
+            </a:r>
+            <a:r>
+              <a:rPr lang="de-DE" sz="2400" dirty="0" err="1"/>
+              <a:t>is</a:t>
+            </a:r>
+            <a:r>
+              <a:rPr lang="de-DE" sz="2400" dirty="0"/>
+              <a:t> </a:t>
+            </a:r>
+            <a:r>
+              <a:rPr lang="de-DE" sz="2400" dirty="0" err="1"/>
+              <a:t>currently</a:t>
+            </a:r>
+            <a:r>
+              <a:rPr lang="de-DE" sz="2400" dirty="0"/>
+              <a:t> private</a:t>
+            </a:r>
+          </a:p>
+          <a:p>
+            <a:pPr marL="285750" indent="-285750">
+              <a:buFont typeface="Arial" panose="020B0604020202020204" pitchFamily="34" charset="0"/>
+              <a:buChar char="•"/>
+            </a:pPr>
+            <a:r>
+              <a:rPr lang="de-DE" sz="2400" dirty="0" err="1"/>
+              <a:t>When</a:t>
+            </a:r>
+            <a:r>
+              <a:rPr lang="de-DE" sz="2400" dirty="0"/>
+              <a:t> </a:t>
+            </a:r>
+            <a:r>
+              <a:rPr lang="de-DE" sz="2400" dirty="0" err="1"/>
+              <a:t>finalized</a:t>
+            </a:r>
+            <a:r>
+              <a:rPr lang="de-DE" sz="2400" dirty="0"/>
+              <a:t>, </a:t>
+            </a:r>
+            <a:r>
+              <a:rPr lang="de-DE" sz="2400" dirty="0" err="1"/>
+              <a:t>the</a:t>
+            </a:r>
+            <a:r>
+              <a:rPr lang="de-DE" sz="2400" dirty="0"/>
+              <a:t> </a:t>
+            </a:r>
+            <a:r>
+              <a:rPr lang="de-DE" sz="2400" dirty="0" err="1"/>
+              <a:t>repository</a:t>
+            </a:r>
+            <a:r>
+              <a:rPr lang="de-DE" sz="2400" dirty="0"/>
+              <a:t> will </a:t>
+            </a:r>
+            <a:r>
+              <a:rPr lang="de-DE" sz="2400" dirty="0" err="1"/>
+              <a:t>be</a:t>
+            </a:r>
+            <a:r>
+              <a:rPr lang="de-DE" sz="2400" dirty="0"/>
+              <a:t> </a:t>
+            </a:r>
+            <a:r>
+              <a:rPr lang="de-DE" sz="2400" dirty="0" err="1"/>
+              <a:t>set</a:t>
+            </a:r>
+            <a:r>
+              <a:rPr lang="de-DE" sz="2400" dirty="0"/>
+              <a:t> on </a:t>
+            </a:r>
+            <a:r>
+              <a:rPr lang="de-DE" sz="2400" dirty="0" err="1"/>
+              <a:t>public</a:t>
+            </a:r>
+            <a:r>
+              <a:rPr lang="de-DE" sz="2400" dirty="0"/>
+              <a:t> and will </a:t>
+            </a:r>
+            <a:r>
+              <a:rPr lang="de-DE" sz="2400" dirty="0" err="1"/>
+              <a:t>be</a:t>
+            </a:r>
+            <a:r>
+              <a:rPr lang="de-DE" sz="2400" dirty="0"/>
+              <a:t> open-source</a:t>
+            </a:r>
+          </a:p>
+          <a:p>
+            <a:pPr marL="285750" indent="-285750">
+              <a:buFont typeface="Arial" panose="020B0604020202020204" pitchFamily="34" charset="0"/>
+              <a:buChar char="•"/>
+            </a:pPr>
+            <a:r>
+              <a:rPr lang="de-DE" sz="2400" dirty="0"/>
+              <a:t>Open-source </a:t>
+            </a:r>
+            <a:r>
+              <a:rPr lang="de-DE" sz="2400" dirty="0" err="1"/>
+              <a:t>software</a:t>
+            </a:r>
+            <a:r>
+              <a:rPr lang="de-DE" sz="2400" dirty="0"/>
+              <a:t> </a:t>
+            </a:r>
+            <a:r>
+              <a:rPr lang="de-DE" sz="2400" dirty="0" err="1"/>
+              <a:t>is</a:t>
+            </a:r>
+            <a:r>
+              <a:rPr lang="de-DE" sz="2400" dirty="0"/>
+              <a:t> a </a:t>
+            </a:r>
+            <a:r>
+              <a:rPr lang="de-DE" sz="2400" dirty="0" err="1"/>
+              <a:t>great</a:t>
+            </a:r>
+            <a:r>
+              <a:rPr lang="de-DE" sz="2400" dirty="0"/>
+              <a:t> source </a:t>
+            </a:r>
+            <a:r>
+              <a:rPr lang="de-DE" sz="2400" dirty="0" err="1"/>
+              <a:t>of</a:t>
+            </a:r>
+            <a:r>
+              <a:rPr lang="de-DE" sz="2400" dirty="0"/>
+              <a:t> </a:t>
+            </a:r>
+            <a:r>
+              <a:rPr lang="de-DE" sz="2400" dirty="0" err="1"/>
+              <a:t>learning</a:t>
+            </a:r>
+            <a:r>
+              <a:rPr lang="de-DE" sz="2400" dirty="0"/>
+              <a:t> and </a:t>
+            </a:r>
+            <a:r>
+              <a:rPr lang="de-DE" sz="2400" dirty="0" err="1"/>
+              <a:t>motivation</a:t>
+            </a:r>
+            <a:r>
+              <a:rPr lang="de-DE" sz="2400" dirty="0"/>
+              <a:t> </a:t>
+            </a:r>
+            <a:r>
+              <a:rPr lang="de-DE" sz="2400" dirty="0" err="1"/>
+              <a:t>for</a:t>
+            </a:r>
+            <a:r>
+              <a:rPr lang="de-DE" sz="2400" dirty="0"/>
+              <a:t> </a:t>
+            </a:r>
+            <a:r>
+              <a:rPr lang="de-DE" sz="2400" dirty="0" err="1"/>
+              <a:t>humans</a:t>
+            </a:r>
+            <a:endParaRPr lang="de-DE" sz="2400" dirty="0"/>
+          </a:p>
+          <a:p>
+            <a:pPr marL="285750" indent="-285750">
+              <a:buFont typeface="Arial" panose="020B0604020202020204" pitchFamily="34" charset="0"/>
+              <a:buChar char="•"/>
+            </a:pPr>
+            <a:r>
+              <a:rPr lang="de-DE" sz="2400" dirty="0" err="1"/>
+              <a:t>Your</a:t>
+            </a:r>
+            <a:r>
+              <a:rPr lang="de-DE" sz="2400" dirty="0"/>
+              <a:t> </a:t>
+            </a:r>
+            <a:r>
+              <a:rPr lang="de-DE" sz="2400" dirty="0" err="1"/>
+              <a:t>contribution</a:t>
+            </a:r>
+            <a:r>
+              <a:rPr lang="de-DE" sz="2400" dirty="0"/>
+              <a:t> will </a:t>
+            </a:r>
+            <a:r>
+              <a:rPr lang="de-DE" sz="2400" dirty="0" err="1"/>
+              <a:t>be</a:t>
+            </a:r>
+            <a:r>
+              <a:rPr lang="de-DE" sz="2400" dirty="0"/>
+              <a:t> visible </a:t>
+            </a:r>
+            <a:r>
+              <a:rPr lang="de-DE" sz="2400" dirty="0" err="1"/>
+              <a:t>everywhere</a:t>
+            </a:r>
+            <a:r>
+              <a:rPr lang="de-DE" sz="2400" dirty="0"/>
+              <a:t> </a:t>
+            </a:r>
+            <a:r>
+              <a:rPr lang="de-DE" sz="2400" dirty="0" err="1"/>
+              <a:t>besides</a:t>
+            </a:r>
+            <a:r>
+              <a:rPr lang="de-DE" sz="2400" dirty="0"/>
+              <a:t> </a:t>
+            </a:r>
+            <a:r>
+              <a:rPr lang="de-DE" sz="2400" dirty="0" err="1"/>
+              <a:t>the</a:t>
+            </a:r>
+            <a:r>
+              <a:rPr lang="de-DE" sz="2400" dirty="0"/>
+              <a:t> </a:t>
+            </a:r>
+            <a:r>
+              <a:rPr lang="de-DE" sz="2400" dirty="0" err="1"/>
+              <a:t>issues</a:t>
+            </a:r>
+            <a:r>
+              <a:rPr lang="de-DE" sz="2400" dirty="0"/>
+              <a:t> (</a:t>
+            </a:r>
+            <a:r>
+              <a:rPr lang="de-DE" sz="2400" dirty="0" err="1"/>
+              <a:t>these</a:t>
+            </a:r>
+            <a:r>
+              <a:rPr lang="de-DE" sz="2400" dirty="0"/>
+              <a:t> will </a:t>
+            </a:r>
+            <a:r>
+              <a:rPr lang="de-DE" sz="2400" dirty="0" err="1"/>
+              <a:t>be</a:t>
+            </a:r>
+            <a:r>
+              <a:rPr lang="de-DE" sz="2400" dirty="0"/>
+              <a:t> </a:t>
+            </a:r>
+            <a:r>
+              <a:rPr lang="de-DE" sz="2400" dirty="0" err="1"/>
+              <a:t>deleted</a:t>
+            </a:r>
+            <a:r>
+              <a:rPr lang="de-DE" sz="2400" dirty="0"/>
+              <a:t> in </a:t>
+            </a:r>
+            <a:r>
+              <a:rPr lang="de-DE" sz="2400" dirty="0" err="1"/>
+              <a:t>advance</a:t>
+            </a:r>
+            <a:r>
+              <a:rPr lang="de-DE" sz="2400" dirty="0"/>
+              <a:t>)</a:t>
+            </a:r>
+          </a:p>
+          <a:p>
+            <a:pPr marL="285750" indent="-285750">
+              <a:buFont typeface="Arial" panose="020B0604020202020204" pitchFamily="34" charset="0"/>
+              <a:buChar char="•"/>
+            </a:pPr>
+            <a:r>
+              <a:rPr lang="de-DE" sz="2400" dirty="0" err="1"/>
+              <a:t>Your</a:t>
+            </a:r>
+            <a:r>
+              <a:rPr lang="de-DE" sz="2400" dirty="0"/>
+              <a:t> </a:t>
+            </a:r>
+            <a:r>
+              <a:rPr lang="de-DE" sz="2400" dirty="0" err="1"/>
+              <a:t>contribution</a:t>
+            </a:r>
+            <a:r>
+              <a:rPr lang="de-DE" sz="2400" dirty="0"/>
+              <a:t> </a:t>
+            </a:r>
+            <a:r>
+              <a:rPr lang="de-DE" sz="2400" dirty="0" err="1"/>
+              <a:t>increases</a:t>
+            </a:r>
+            <a:r>
+              <a:rPr lang="de-DE" sz="2400" dirty="0"/>
+              <a:t> </a:t>
+            </a:r>
+            <a:r>
+              <a:rPr lang="de-DE" sz="2400" dirty="0" err="1"/>
+              <a:t>your</a:t>
+            </a:r>
+            <a:r>
+              <a:rPr lang="de-DE" sz="2400" dirty="0"/>
+              <a:t> </a:t>
+            </a:r>
+            <a:r>
+              <a:rPr lang="de-DE" sz="2400" dirty="0" err="1"/>
+              <a:t>reputation</a:t>
+            </a:r>
+            <a:r>
+              <a:rPr lang="de-DE" sz="2400" dirty="0"/>
+              <a:t> in </a:t>
+            </a:r>
+            <a:r>
+              <a:rPr lang="de-DE" sz="2400" dirty="0" err="1"/>
+              <a:t>your</a:t>
+            </a:r>
+            <a:r>
+              <a:rPr lang="de-DE" sz="2400" dirty="0"/>
+              <a:t> </a:t>
+            </a:r>
+            <a:r>
+              <a:rPr lang="de-DE" sz="2400" dirty="0" err="1"/>
+              <a:t>future</a:t>
+            </a:r>
+            <a:r>
+              <a:rPr lang="de-DE" sz="2400" dirty="0"/>
+              <a:t> </a:t>
+            </a:r>
+            <a:r>
+              <a:rPr lang="de-DE" sz="2400" dirty="0" err="1"/>
+              <a:t>career</a:t>
+            </a:r>
+            <a:endParaRPr lang="de-DE" sz="2400" dirty="0"/>
+          </a:p>
+          <a:p>
+            <a:pPr marL="285750" indent="-285750">
+              <a:buFont typeface="Arial" panose="020B0604020202020204" pitchFamily="34" charset="0"/>
+              <a:buChar char="•"/>
+            </a:pPr>
+            <a:r>
+              <a:rPr lang="de-DE" sz="2400" dirty="0" err="1"/>
+              <a:t>If</a:t>
+            </a:r>
+            <a:r>
+              <a:rPr lang="de-DE" sz="2400" dirty="0"/>
+              <a:t> </a:t>
+            </a:r>
+            <a:r>
+              <a:rPr lang="de-DE" sz="2400" dirty="0" err="1"/>
+              <a:t>we</a:t>
+            </a:r>
+            <a:r>
+              <a:rPr lang="de-DE" sz="2400" dirty="0"/>
+              <a:t> will not </a:t>
+            </a:r>
+            <a:r>
+              <a:rPr lang="de-DE" sz="2400" dirty="0" err="1"/>
+              <a:t>finalize</a:t>
+            </a:r>
+            <a:r>
+              <a:rPr lang="de-DE" sz="2400" dirty="0"/>
+              <a:t> </a:t>
+            </a:r>
+            <a:r>
+              <a:rPr lang="de-DE" sz="2400" dirty="0" err="1"/>
+              <a:t>the</a:t>
+            </a:r>
+            <a:r>
+              <a:rPr lang="de-DE" sz="2400" dirty="0"/>
+              <a:t> </a:t>
+            </a:r>
+            <a:r>
+              <a:rPr lang="de-DE" sz="2400" dirty="0" err="1"/>
+              <a:t>app</a:t>
+            </a:r>
+            <a:r>
+              <a:rPr lang="de-DE" sz="2400" dirty="0"/>
+              <a:t> </a:t>
+            </a:r>
+            <a:r>
+              <a:rPr lang="de-DE" sz="2400" dirty="0" err="1"/>
+              <a:t>during</a:t>
+            </a:r>
+            <a:r>
+              <a:rPr lang="de-DE" sz="2400" dirty="0"/>
+              <a:t> </a:t>
+            </a:r>
+            <a:r>
+              <a:rPr lang="de-DE" sz="2400" dirty="0" err="1"/>
+              <a:t>this</a:t>
+            </a:r>
+            <a:r>
+              <a:rPr lang="de-DE" sz="2400" dirty="0"/>
+              <a:t> </a:t>
+            </a:r>
+            <a:r>
+              <a:rPr lang="de-DE" sz="2400" dirty="0" err="1"/>
+              <a:t>semester</a:t>
+            </a:r>
+            <a:r>
+              <a:rPr lang="de-DE" sz="2400" dirty="0"/>
+              <a:t>, </a:t>
+            </a:r>
+            <a:r>
+              <a:rPr lang="de-DE" sz="2400" dirty="0" err="1"/>
+              <a:t>then</a:t>
+            </a:r>
+            <a:r>
+              <a:rPr lang="de-DE" sz="2400" dirty="0"/>
+              <a:t> </a:t>
+            </a:r>
+            <a:r>
+              <a:rPr lang="de-DE" sz="2400" dirty="0" err="1"/>
+              <a:t>your</a:t>
+            </a:r>
+            <a:r>
+              <a:rPr lang="de-DE" sz="2400" dirty="0"/>
+              <a:t> </a:t>
+            </a:r>
+            <a:r>
+              <a:rPr lang="de-DE" sz="2400" dirty="0" err="1"/>
+              <a:t>contribution</a:t>
+            </a:r>
+            <a:r>
+              <a:rPr lang="de-DE" sz="2400" dirty="0"/>
+              <a:t> </a:t>
+            </a:r>
+            <a:r>
+              <a:rPr lang="de-DE" sz="2400" dirty="0" err="1"/>
+              <a:t>within</a:t>
+            </a:r>
+            <a:r>
+              <a:rPr lang="de-DE" sz="2400" dirty="0"/>
+              <a:t> </a:t>
+            </a:r>
+            <a:r>
+              <a:rPr lang="de-DE" sz="2400" dirty="0" err="1"/>
+              <a:t>the</a:t>
+            </a:r>
+            <a:r>
+              <a:rPr lang="de-DE" sz="2400" dirty="0"/>
+              <a:t> </a:t>
+            </a:r>
+            <a:r>
+              <a:rPr lang="de-DE" sz="2400" dirty="0" err="1"/>
+              <a:t>issues</a:t>
+            </a:r>
+            <a:r>
+              <a:rPr lang="de-DE" sz="2400" dirty="0"/>
+              <a:t> will </a:t>
+            </a:r>
+            <a:r>
+              <a:rPr lang="de-DE" sz="2400" dirty="0" err="1"/>
+              <a:t>be</a:t>
+            </a:r>
+            <a:r>
+              <a:rPr lang="de-DE" sz="2400" dirty="0"/>
+              <a:t> visible </a:t>
+            </a:r>
+            <a:r>
+              <a:rPr lang="de-DE" sz="2400" dirty="0" err="1"/>
+              <a:t>for</a:t>
+            </a:r>
+            <a:r>
+              <a:rPr lang="de-DE" sz="2400" dirty="0"/>
+              <a:t> </a:t>
+            </a:r>
+            <a:r>
+              <a:rPr lang="de-DE" sz="2400" dirty="0" err="1"/>
+              <a:t>future</a:t>
+            </a:r>
+            <a:r>
+              <a:rPr lang="de-DE" sz="2400" dirty="0"/>
+              <a:t> </a:t>
+            </a:r>
+            <a:r>
+              <a:rPr lang="de-DE" sz="2400" dirty="0" err="1"/>
+              <a:t>students</a:t>
+            </a:r>
+            <a:r>
+              <a:rPr lang="de-DE" sz="2400" dirty="0"/>
+              <a:t> </a:t>
+            </a:r>
+            <a:r>
+              <a:rPr lang="de-DE" sz="2400" dirty="0" err="1"/>
+              <a:t>working</a:t>
+            </a:r>
+            <a:r>
+              <a:rPr lang="de-DE" sz="2400" dirty="0"/>
+              <a:t> on </a:t>
+            </a:r>
+            <a:r>
+              <a:rPr lang="de-DE" sz="2400" dirty="0" err="1"/>
+              <a:t>the</a:t>
+            </a:r>
+            <a:r>
+              <a:rPr lang="de-DE" sz="2400" dirty="0"/>
+              <a:t> </a:t>
+            </a:r>
+            <a:r>
+              <a:rPr lang="de-DE" sz="2400" dirty="0" err="1"/>
+              <a:t>app</a:t>
+            </a:r>
+            <a:endParaRPr lang="de-DE" sz="2400" dirty="0"/>
+          </a:p>
+          <a:p>
+            <a:pPr marL="285750" indent="-285750">
+              <a:buFont typeface="Arial" panose="020B0604020202020204" pitchFamily="34" charset="0"/>
+              <a:buChar char="•"/>
+            </a:pPr>
+            <a:r>
+              <a:rPr lang="de-DE" sz="2400" dirty="0" err="1"/>
+              <a:t>You</a:t>
+            </a:r>
+            <a:r>
+              <a:rPr lang="de-DE" sz="2400" dirty="0"/>
+              <a:t> </a:t>
+            </a:r>
+            <a:r>
+              <a:rPr lang="de-DE" sz="2400" dirty="0" err="1"/>
+              <a:t>agree</a:t>
+            </a:r>
+            <a:r>
+              <a:rPr lang="de-DE" sz="2400" dirty="0"/>
+              <a:t> </a:t>
+            </a:r>
+            <a:r>
+              <a:rPr lang="de-DE" sz="2400" dirty="0" err="1"/>
+              <a:t>with</a:t>
+            </a:r>
+            <a:r>
+              <a:rPr lang="de-DE" sz="2400" dirty="0"/>
+              <a:t> </a:t>
+            </a:r>
+            <a:r>
+              <a:rPr lang="de-DE" sz="2400" dirty="0" err="1"/>
+              <a:t>the</a:t>
+            </a:r>
+            <a:r>
+              <a:rPr lang="de-DE" sz="2400" dirty="0"/>
+              <a:t> </a:t>
+            </a:r>
+            <a:r>
+              <a:rPr lang="de-DE" sz="2400" dirty="0" err="1"/>
+              <a:t>terms</a:t>
+            </a:r>
+            <a:r>
+              <a:rPr lang="de-DE" sz="2400" dirty="0"/>
+              <a:t> </a:t>
+            </a:r>
+            <a:r>
+              <a:rPr lang="de-DE" sz="2400" dirty="0" err="1"/>
+              <a:t>of</a:t>
+            </a:r>
+            <a:r>
+              <a:rPr lang="de-DE" sz="2400" dirty="0"/>
+              <a:t> GitHub </a:t>
+            </a:r>
+          </a:p>
+          <a:p>
+            <a:r>
+              <a:rPr lang="de-DE" sz="2400" dirty="0"/>
+              <a:t> </a:t>
+            </a:r>
+          </a:p>
+        </p:txBody>
+      </p:sp>
+    </p:spTree>
+    <p:extLst>
+      <p:ext uri="{BB962C8B-B14F-4D97-AF65-F5344CB8AC3E}">
+        <p14:creationId xmlns:p14="http://schemas.microsoft.com/office/powerpoint/2010/main" val="1097715251"/>
+      </p:ext>
+    </p:extLst>
+  </p:cSld>
+  <p:clrMapOvr>
+    <a:masterClrMapping/>
+  </p:clrMapOvr>
+</p:sld>
+</file>
+
+<file path=ppt/slides/slide4.xml><?xml version="1.0" encoding="utf-8"?>
 <p:sld xmlns:a="http://schemas.openxmlformats.org/drawingml/2006/main" xmlns:r="http://schemas.openxmlformats.org/officeDocument/2006/relationships" xmlns:p="http://schemas.openxmlformats.org/presentationml/2006/main">
   <p:cSld>
     <p:spTree>
@@ -5630,715 +6936,7 @@
 </p:sld>
 </file>
 
-<file path=ppt/slides/slide3.xml><?xml version="1.0" encoding="utf-8"?>
-<p:sld xmlns:a="http://schemas.openxmlformats.org/drawingml/2006/main" xmlns:r="http://schemas.openxmlformats.org/officeDocument/2006/relationships" xmlns:p="http://schemas.openxmlformats.org/presentationml/2006/main">
-  <p:cSld>
-    <p:spTree>
-      <p:nvGrpSpPr>
-        <p:cNvPr id="1" name=""/>
-        <p:cNvGrpSpPr/>
-        <p:nvPr/>
-      </p:nvGrpSpPr>
-      <p:grpSpPr>
-        <a:xfrm>
-          <a:off x="0" y="0"/>
-          <a:ext cx="0" cy="0"/>
-          <a:chOff x="0" y="0"/>
-          <a:chExt cx="0" cy="0"/>
-        </a:xfrm>
-      </p:grpSpPr>
-      <p:sp>
-        <p:nvSpPr>
-          <p:cNvPr id="2" name="Titel 1">
-            <a:extLst>
-              <a:ext uri="{FF2B5EF4-FFF2-40B4-BE49-F238E27FC236}">
-                <a16:creationId xmlns:a16="http://schemas.microsoft.com/office/drawing/2014/main" id="{4288A1AB-749B-7F86-BD3E-3BFFC55CF7F1}"/>
-              </a:ext>
-            </a:extLst>
-          </p:cNvPr>
-          <p:cNvSpPr>
-            <a:spLocks noGrp="1"/>
-          </p:cNvSpPr>
-          <p:nvPr>
-            <p:ph type="title"/>
-          </p:nvPr>
-        </p:nvSpPr>
-        <p:spPr/>
-        <p:txBody>
-          <a:bodyPr/>
-          <a:lstStyle/>
-          <a:p>
-            <a:r>
-              <a:rPr lang="de-DE" dirty="0"/>
-              <a:t>Open-Source Software </a:t>
-            </a:r>
-            <a:r>
-              <a:rPr lang="de-DE" dirty="0" err="1"/>
-              <a:t>with</a:t>
-            </a:r>
-            <a:r>
-              <a:rPr lang="de-DE" dirty="0"/>
-              <a:t> GitHub</a:t>
-            </a:r>
-            <a:endParaRPr lang="en-DE" dirty="0"/>
-          </a:p>
-        </p:txBody>
-      </p:sp>
-      <p:sp>
-        <p:nvSpPr>
-          <p:cNvPr id="4" name="Fußzeilenplatzhalter 3">
-            <a:extLst>
-              <a:ext uri="{FF2B5EF4-FFF2-40B4-BE49-F238E27FC236}">
-                <a16:creationId xmlns:a16="http://schemas.microsoft.com/office/drawing/2014/main" id="{78DE1938-2602-7354-2F07-321AE0707BA7}"/>
-              </a:ext>
-            </a:extLst>
-          </p:cNvPr>
-          <p:cNvSpPr>
-            <a:spLocks noGrp="1"/>
-          </p:cNvSpPr>
-          <p:nvPr>
-            <p:ph type="ftr" sz="quarter" idx="11"/>
-          </p:nvPr>
-        </p:nvSpPr>
-        <p:spPr/>
-        <p:txBody>
-          <a:bodyPr/>
-          <a:lstStyle/>
-          <a:p>
-            <a:r>
-              <a:rPr lang="en-US"/>
-              <a:t>Introduction Bioinformatics, Dr. Denise Welsch</a:t>
-            </a:r>
-            <a:endParaRPr lang="en-DE"/>
-          </a:p>
-        </p:txBody>
-      </p:sp>
-      <p:sp>
-        <p:nvSpPr>
-          <p:cNvPr id="5" name="Textfeld 4">
-            <a:extLst>
-              <a:ext uri="{FF2B5EF4-FFF2-40B4-BE49-F238E27FC236}">
-                <a16:creationId xmlns:a16="http://schemas.microsoft.com/office/drawing/2014/main" id="{9640721C-259B-D977-0C94-0EBC8229E29E}"/>
-              </a:ext>
-            </a:extLst>
-          </p:cNvPr>
-          <p:cNvSpPr txBox="1"/>
-          <p:nvPr/>
-        </p:nvSpPr>
-        <p:spPr>
-          <a:xfrm>
-            <a:off x="838200" y="1946027"/>
-            <a:ext cx="11111345" cy="3785652"/>
-          </a:xfrm>
-          <a:prstGeom prst="rect">
-            <a:avLst/>
-          </a:prstGeom>
-          <a:noFill/>
-        </p:spPr>
-        <p:txBody>
-          <a:bodyPr wrap="square" rtlCol="0">
-            <a:spAutoFit/>
-          </a:bodyPr>
-          <a:lstStyle/>
-          <a:p>
-            <a:pPr marL="285750" indent="-285750">
-              <a:buFont typeface="Arial" panose="020B0604020202020204" pitchFamily="34" charset="0"/>
-              <a:buChar char="•"/>
-            </a:pPr>
-            <a:r>
-              <a:rPr lang="de-DE" sz="2400" dirty="0"/>
-              <a:t>The </a:t>
-            </a:r>
-            <a:r>
-              <a:rPr lang="de-DE" sz="2400" dirty="0" err="1"/>
-              <a:t>repository</a:t>
-            </a:r>
-            <a:r>
-              <a:rPr lang="de-DE" sz="2400" dirty="0"/>
-              <a:t> </a:t>
-            </a:r>
-            <a:r>
-              <a:rPr lang="de-DE" sz="2400" b="1" dirty="0" err="1"/>
-              <a:t>reyar</a:t>
-            </a:r>
-            <a:r>
-              <a:rPr lang="de-DE" sz="2400" b="1" dirty="0"/>
-              <a:t>/</a:t>
-            </a:r>
-            <a:r>
-              <a:rPr lang="de-DE" sz="2400" b="1" dirty="0" err="1"/>
-              <a:t>BayesTwoprop</a:t>
-            </a:r>
-            <a:r>
-              <a:rPr lang="de-DE" sz="2400" b="1" dirty="0"/>
-              <a:t> </a:t>
-            </a:r>
-            <a:r>
-              <a:rPr lang="de-DE" sz="2400" dirty="0" err="1"/>
-              <a:t>is</a:t>
-            </a:r>
-            <a:r>
-              <a:rPr lang="de-DE" sz="2400" dirty="0"/>
-              <a:t> </a:t>
-            </a:r>
-            <a:r>
-              <a:rPr lang="de-DE" sz="2400" dirty="0" err="1"/>
-              <a:t>currently</a:t>
-            </a:r>
-            <a:r>
-              <a:rPr lang="de-DE" sz="2400" dirty="0"/>
-              <a:t> private</a:t>
-            </a:r>
-          </a:p>
-          <a:p>
-            <a:pPr marL="285750" indent="-285750">
-              <a:buFont typeface="Arial" panose="020B0604020202020204" pitchFamily="34" charset="0"/>
-              <a:buChar char="•"/>
-            </a:pPr>
-            <a:r>
-              <a:rPr lang="de-DE" sz="2400" dirty="0" err="1"/>
-              <a:t>When</a:t>
-            </a:r>
-            <a:r>
-              <a:rPr lang="de-DE" sz="2400" dirty="0"/>
-              <a:t> </a:t>
-            </a:r>
-            <a:r>
-              <a:rPr lang="de-DE" sz="2400" dirty="0" err="1"/>
-              <a:t>finalized</a:t>
-            </a:r>
-            <a:r>
-              <a:rPr lang="de-DE" sz="2400" dirty="0"/>
-              <a:t>, </a:t>
-            </a:r>
-            <a:r>
-              <a:rPr lang="de-DE" sz="2400" dirty="0" err="1"/>
-              <a:t>the</a:t>
-            </a:r>
-            <a:r>
-              <a:rPr lang="de-DE" sz="2400" dirty="0"/>
-              <a:t> </a:t>
-            </a:r>
-            <a:r>
-              <a:rPr lang="de-DE" sz="2400" dirty="0" err="1"/>
-              <a:t>repository</a:t>
-            </a:r>
-            <a:r>
-              <a:rPr lang="de-DE" sz="2400" dirty="0"/>
-              <a:t> will </a:t>
-            </a:r>
-            <a:r>
-              <a:rPr lang="de-DE" sz="2400" dirty="0" err="1"/>
-              <a:t>be</a:t>
-            </a:r>
-            <a:r>
-              <a:rPr lang="de-DE" sz="2400" dirty="0"/>
-              <a:t> </a:t>
-            </a:r>
-            <a:r>
-              <a:rPr lang="de-DE" sz="2400" dirty="0" err="1"/>
-              <a:t>set</a:t>
-            </a:r>
-            <a:r>
-              <a:rPr lang="de-DE" sz="2400" dirty="0"/>
-              <a:t> on </a:t>
-            </a:r>
-            <a:r>
-              <a:rPr lang="de-DE" sz="2400" dirty="0" err="1"/>
-              <a:t>public</a:t>
-            </a:r>
-            <a:r>
-              <a:rPr lang="de-DE" sz="2400" dirty="0"/>
-              <a:t> and will </a:t>
-            </a:r>
-            <a:r>
-              <a:rPr lang="de-DE" sz="2400" dirty="0" err="1"/>
-              <a:t>be</a:t>
-            </a:r>
-            <a:r>
-              <a:rPr lang="de-DE" sz="2400" dirty="0"/>
-              <a:t> open-source</a:t>
-            </a:r>
-          </a:p>
-          <a:p>
-            <a:pPr marL="285750" indent="-285750">
-              <a:buFont typeface="Arial" panose="020B0604020202020204" pitchFamily="34" charset="0"/>
-              <a:buChar char="•"/>
-            </a:pPr>
-            <a:r>
-              <a:rPr lang="de-DE" sz="2400" dirty="0"/>
-              <a:t>Open-source </a:t>
-            </a:r>
-            <a:r>
-              <a:rPr lang="de-DE" sz="2400" dirty="0" err="1"/>
-              <a:t>software</a:t>
-            </a:r>
-            <a:r>
-              <a:rPr lang="de-DE" sz="2400" dirty="0"/>
-              <a:t> </a:t>
-            </a:r>
-            <a:r>
-              <a:rPr lang="de-DE" sz="2400" dirty="0" err="1"/>
-              <a:t>is</a:t>
-            </a:r>
-            <a:r>
-              <a:rPr lang="de-DE" sz="2400" dirty="0"/>
-              <a:t> a </a:t>
-            </a:r>
-            <a:r>
-              <a:rPr lang="de-DE" sz="2400" dirty="0" err="1"/>
-              <a:t>great</a:t>
-            </a:r>
-            <a:r>
-              <a:rPr lang="de-DE" sz="2400" dirty="0"/>
-              <a:t> source </a:t>
-            </a:r>
-            <a:r>
-              <a:rPr lang="de-DE" sz="2400" dirty="0" err="1"/>
-              <a:t>of</a:t>
-            </a:r>
-            <a:r>
-              <a:rPr lang="de-DE" sz="2400" dirty="0"/>
-              <a:t> </a:t>
-            </a:r>
-            <a:r>
-              <a:rPr lang="de-DE" sz="2400" dirty="0" err="1"/>
-              <a:t>learning</a:t>
-            </a:r>
-            <a:r>
-              <a:rPr lang="de-DE" sz="2400" dirty="0"/>
-              <a:t> and </a:t>
-            </a:r>
-            <a:r>
-              <a:rPr lang="de-DE" sz="2400" dirty="0" err="1"/>
-              <a:t>motivation</a:t>
-            </a:r>
-            <a:r>
-              <a:rPr lang="de-DE" sz="2400" dirty="0"/>
-              <a:t> </a:t>
-            </a:r>
-            <a:r>
-              <a:rPr lang="de-DE" sz="2400" dirty="0" err="1"/>
-              <a:t>for</a:t>
-            </a:r>
-            <a:r>
-              <a:rPr lang="de-DE" sz="2400" dirty="0"/>
-              <a:t> </a:t>
-            </a:r>
-            <a:r>
-              <a:rPr lang="de-DE" sz="2400" dirty="0" err="1"/>
-              <a:t>humans</a:t>
-            </a:r>
-            <a:endParaRPr lang="de-DE" sz="2400" dirty="0"/>
-          </a:p>
-          <a:p>
-            <a:pPr marL="285750" indent="-285750">
-              <a:buFont typeface="Arial" panose="020B0604020202020204" pitchFamily="34" charset="0"/>
-              <a:buChar char="•"/>
-            </a:pPr>
-            <a:r>
-              <a:rPr lang="de-DE" sz="2400" dirty="0" err="1"/>
-              <a:t>Your</a:t>
-            </a:r>
-            <a:r>
-              <a:rPr lang="de-DE" sz="2400" dirty="0"/>
-              <a:t> </a:t>
-            </a:r>
-            <a:r>
-              <a:rPr lang="de-DE" sz="2400" dirty="0" err="1"/>
-              <a:t>contribution</a:t>
-            </a:r>
-            <a:r>
-              <a:rPr lang="de-DE" sz="2400" dirty="0"/>
-              <a:t> will </a:t>
-            </a:r>
-            <a:r>
-              <a:rPr lang="de-DE" sz="2400" dirty="0" err="1"/>
-              <a:t>be</a:t>
-            </a:r>
-            <a:r>
-              <a:rPr lang="de-DE" sz="2400" dirty="0"/>
-              <a:t> visible </a:t>
-            </a:r>
-            <a:r>
-              <a:rPr lang="de-DE" sz="2400" dirty="0" err="1"/>
-              <a:t>everywhere</a:t>
-            </a:r>
-            <a:r>
-              <a:rPr lang="de-DE" sz="2400" dirty="0"/>
-              <a:t> </a:t>
-            </a:r>
-            <a:r>
-              <a:rPr lang="de-DE" sz="2400" dirty="0" err="1"/>
-              <a:t>besides</a:t>
-            </a:r>
-            <a:r>
-              <a:rPr lang="de-DE" sz="2400" dirty="0"/>
-              <a:t> </a:t>
-            </a:r>
-            <a:r>
-              <a:rPr lang="de-DE" sz="2400" dirty="0" err="1"/>
-              <a:t>the</a:t>
-            </a:r>
-            <a:r>
-              <a:rPr lang="de-DE" sz="2400" dirty="0"/>
-              <a:t> </a:t>
-            </a:r>
-            <a:r>
-              <a:rPr lang="de-DE" sz="2400" dirty="0" err="1"/>
-              <a:t>issues</a:t>
-            </a:r>
-            <a:r>
-              <a:rPr lang="de-DE" sz="2400" dirty="0"/>
-              <a:t> (</a:t>
-            </a:r>
-            <a:r>
-              <a:rPr lang="de-DE" sz="2400" dirty="0" err="1"/>
-              <a:t>these</a:t>
-            </a:r>
-            <a:r>
-              <a:rPr lang="de-DE" sz="2400" dirty="0"/>
-              <a:t> will </a:t>
-            </a:r>
-            <a:r>
-              <a:rPr lang="de-DE" sz="2400" dirty="0" err="1"/>
-              <a:t>be</a:t>
-            </a:r>
-            <a:r>
-              <a:rPr lang="de-DE" sz="2400" dirty="0"/>
-              <a:t> </a:t>
-            </a:r>
-            <a:r>
-              <a:rPr lang="de-DE" sz="2400" dirty="0" err="1"/>
-              <a:t>deleted</a:t>
-            </a:r>
-            <a:r>
-              <a:rPr lang="de-DE" sz="2400" dirty="0"/>
-              <a:t> in </a:t>
-            </a:r>
-            <a:r>
-              <a:rPr lang="de-DE" sz="2400" dirty="0" err="1"/>
-              <a:t>advance</a:t>
-            </a:r>
-            <a:r>
-              <a:rPr lang="de-DE" sz="2400" dirty="0"/>
-              <a:t>)</a:t>
-            </a:r>
-          </a:p>
-          <a:p>
-            <a:pPr marL="285750" indent="-285750">
-              <a:buFont typeface="Arial" panose="020B0604020202020204" pitchFamily="34" charset="0"/>
-              <a:buChar char="•"/>
-            </a:pPr>
-            <a:r>
-              <a:rPr lang="de-DE" sz="2400" dirty="0" err="1"/>
-              <a:t>Your</a:t>
-            </a:r>
-            <a:r>
-              <a:rPr lang="de-DE" sz="2400" dirty="0"/>
-              <a:t> </a:t>
-            </a:r>
-            <a:r>
-              <a:rPr lang="de-DE" sz="2400" dirty="0" err="1"/>
-              <a:t>contribution</a:t>
-            </a:r>
-            <a:r>
-              <a:rPr lang="de-DE" sz="2400" dirty="0"/>
-              <a:t> </a:t>
-            </a:r>
-            <a:r>
-              <a:rPr lang="de-DE" sz="2400" dirty="0" err="1"/>
-              <a:t>increases</a:t>
-            </a:r>
-            <a:r>
-              <a:rPr lang="de-DE" sz="2400" dirty="0"/>
-              <a:t> </a:t>
-            </a:r>
-            <a:r>
-              <a:rPr lang="de-DE" sz="2400" dirty="0" err="1"/>
-              <a:t>your</a:t>
-            </a:r>
-            <a:r>
-              <a:rPr lang="de-DE" sz="2400" dirty="0"/>
-              <a:t> </a:t>
-            </a:r>
-            <a:r>
-              <a:rPr lang="de-DE" sz="2400" dirty="0" err="1"/>
-              <a:t>reputation</a:t>
-            </a:r>
-            <a:r>
-              <a:rPr lang="de-DE" sz="2400" dirty="0"/>
-              <a:t> in </a:t>
-            </a:r>
-            <a:r>
-              <a:rPr lang="de-DE" sz="2400" dirty="0" err="1"/>
-              <a:t>your</a:t>
-            </a:r>
-            <a:r>
-              <a:rPr lang="de-DE" sz="2400" dirty="0"/>
-              <a:t> </a:t>
-            </a:r>
-            <a:r>
-              <a:rPr lang="de-DE" sz="2400" dirty="0" err="1"/>
-              <a:t>future</a:t>
-            </a:r>
-            <a:r>
-              <a:rPr lang="de-DE" sz="2400" dirty="0"/>
-              <a:t> </a:t>
-            </a:r>
-            <a:r>
-              <a:rPr lang="de-DE" sz="2400" dirty="0" err="1"/>
-              <a:t>career</a:t>
-            </a:r>
-            <a:endParaRPr lang="de-DE" sz="2400" dirty="0"/>
-          </a:p>
-          <a:p>
-            <a:pPr marL="285750" indent="-285750">
-              <a:buFont typeface="Arial" panose="020B0604020202020204" pitchFamily="34" charset="0"/>
-              <a:buChar char="•"/>
-            </a:pPr>
-            <a:r>
-              <a:rPr lang="de-DE" sz="2400" dirty="0" err="1"/>
-              <a:t>If</a:t>
-            </a:r>
-            <a:r>
-              <a:rPr lang="de-DE" sz="2400" dirty="0"/>
-              <a:t> </a:t>
-            </a:r>
-            <a:r>
-              <a:rPr lang="de-DE" sz="2400" dirty="0" err="1"/>
-              <a:t>we</a:t>
-            </a:r>
-            <a:r>
-              <a:rPr lang="de-DE" sz="2400" dirty="0"/>
-              <a:t> will not </a:t>
-            </a:r>
-            <a:r>
-              <a:rPr lang="de-DE" sz="2400" dirty="0" err="1"/>
-              <a:t>finalize</a:t>
-            </a:r>
-            <a:r>
-              <a:rPr lang="de-DE" sz="2400" dirty="0"/>
-              <a:t> </a:t>
-            </a:r>
-            <a:r>
-              <a:rPr lang="de-DE" sz="2400" dirty="0" err="1"/>
-              <a:t>the</a:t>
-            </a:r>
-            <a:r>
-              <a:rPr lang="de-DE" sz="2400" dirty="0"/>
-              <a:t> </a:t>
-            </a:r>
-            <a:r>
-              <a:rPr lang="de-DE" sz="2400" dirty="0" err="1"/>
-              <a:t>app</a:t>
-            </a:r>
-            <a:r>
-              <a:rPr lang="de-DE" sz="2400" dirty="0"/>
-              <a:t> </a:t>
-            </a:r>
-            <a:r>
-              <a:rPr lang="de-DE" sz="2400" dirty="0" err="1"/>
-              <a:t>during</a:t>
-            </a:r>
-            <a:r>
-              <a:rPr lang="de-DE" sz="2400" dirty="0"/>
-              <a:t> </a:t>
-            </a:r>
-            <a:r>
-              <a:rPr lang="de-DE" sz="2400" dirty="0" err="1"/>
-              <a:t>this</a:t>
-            </a:r>
-            <a:r>
-              <a:rPr lang="de-DE" sz="2400" dirty="0"/>
-              <a:t> </a:t>
-            </a:r>
-            <a:r>
-              <a:rPr lang="de-DE" sz="2400" dirty="0" err="1"/>
-              <a:t>semester</a:t>
-            </a:r>
-            <a:r>
-              <a:rPr lang="de-DE" sz="2400" dirty="0"/>
-              <a:t>, </a:t>
-            </a:r>
-            <a:r>
-              <a:rPr lang="de-DE" sz="2400" dirty="0" err="1"/>
-              <a:t>then</a:t>
-            </a:r>
-            <a:r>
-              <a:rPr lang="de-DE" sz="2400" dirty="0"/>
-              <a:t> </a:t>
-            </a:r>
-            <a:r>
-              <a:rPr lang="de-DE" sz="2400" dirty="0" err="1"/>
-              <a:t>your</a:t>
-            </a:r>
-            <a:r>
-              <a:rPr lang="de-DE" sz="2400" dirty="0"/>
-              <a:t> </a:t>
-            </a:r>
-            <a:r>
-              <a:rPr lang="de-DE" sz="2400" dirty="0" err="1"/>
-              <a:t>contribution</a:t>
-            </a:r>
-            <a:r>
-              <a:rPr lang="de-DE" sz="2400" dirty="0"/>
-              <a:t> </a:t>
-            </a:r>
-            <a:r>
-              <a:rPr lang="de-DE" sz="2400" dirty="0" err="1"/>
-              <a:t>within</a:t>
-            </a:r>
-            <a:r>
-              <a:rPr lang="de-DE" sz="2400" dirty="0"/>
-              <a:t> </a:t>
-            </a:r>
-            <a:r>
-              <a:rPr lang="de-DE" sz="2400" dirty="0" err="1"/>
-              <a:t>the</a:t>
-            </a:r>
-            <a:r>
-              <a:rPr lang="de-DE" sz="2400" dirty="0"/>
-              <a:t> </a:t>
-            </a:r>
-            <a:r>
-              <a:rPr lang="de-DE" sz="2400" dirty="0" err="1"/>
-              <a:t>issues</a:t>
-            </a:r>
-            <a:r>
-              <a:rPr lang="de-DE" sz="2400" dirty="0"/>
-              <a:t> will </a:t>
-            </a:r>
-            <a:r>
-              <a:rPr lang="de-DE" sz="2400" dirty="0" err="1"/>
-              <a:t>be</a:t>
-            </a:r>
-            <a:r>
-              <a:rPr lang="de-DE" sz="2400" dirty="0"/>
-              <a:t> visible </a:t>
-            </a:r>
-            <a:r>
-              <a:rPr lang="de-DE" sz="2400" dirty="0" err="1"/>
-              <a:t>for</a:t>
-            </a:r>
-            <a:r>
-              <a:rPr lang="de-DE" sz="2400" dirty="0"/>
-              <a:t> </a:t>
-            </a:r>
-            <a:r>
-              <a:rPr lang="de-DE" sz="2400" dirty="0" err="1"/>
-              <a:t>future</a:t>
-            </a:r>
-            <a:r>
-              <a:rPr lang="de-DE" sz="2400" dirty="0"/>
-              <a:t> </a:t>
-            </a:r>
-            <a:r>
-              <a:rPr lang="de-DE" sz="2400" dirty="0" err="1"/>
-              <a:t>students</a:t>
-            </a:r>
-            <a:r>
-              <a:rPr lang="de-DE" sz="2400" dirty="0"/>
-              <a:t> </a:t>
-            </a:r>
-            <a:r>
-              <a:rPr lang="de-DE" sz="2400" dirty="0" err="1"/>
-              <a:t>working</a:t>
-            </a:r>
-            <a:r>
-              <a:rPr lang="de-DE" sz="2400" dirty="0"/>
-              <a:t> on </a:t>
-            </a:r>
-            <a:r>
-              <a:rPr lang="de-DE" sz="2400" dirty="0" err="1"/>
-              <a:t>the</a:t>
-            </a:r>
-            <a:r>
-              <a:rPr lang="de-DE" sz="2400" dirty="0"/>
-              <a:t> </a:t>
-            </a:r>
-            <a:r>
-              <a:rPr lang="de-DE" sz="2400" dirty="0" err="1"/>
-              <a:t>app</a:t>
-            </a:r>
-            <a:endParaRPr lang="de-DE" sz="2400" dirty="0"/>
-          </a:p>
-          <a:p>
-            <a:pPr marL="285750" indent="-285750">
-              <a:buFont typeface="Arial" panose="020B0604020202020204" pitchFamily="34" charset="0"/>
-              <a:buChar char="•"/>
-            </a:pPr>
-            <a:r>
-              <a:rPr lang="de-DE" sz="2400" dirty="0" err="1"/>
-              <a:t>You</a:t>
-            </a:r>
-            <a:r>
-              <a:rPr lang="de-DE" sz="2400" dirty="0"/>
-              <a:t> </a:t>
-            </a:r>
-            <a:r>
-              <a:rPr lang="de-DE" sz="2400" dirty="0" err="1"/>
-              <a:t>agree</a:t>
-            </a:r>
-            <a:r>
-              <a:rPr lang="de-DE" sz="2400" dirty="0"/>
-              <a:t> </a:t>
-            </a:r>
-            <a:r>
-              <a:rPr lang="de-DE" sz="2400" dirty="0" err="1"/>
-              <a:t>with</a:t>
-            </a:r>
-            <a:r>
-              <a:rPr lang="de-DE" sz="2400" dirty="0"/>
-              <a:t> </a:t>
-            </a:r>
-            <a:r>
-              <a:rPr lang="de-DE" sz="2400" dirty="0" err="1"/>
-              <a:t>the</a:t>
-            </a:r>
-            <a:r>
-              <a:rPr lang="de-DE" sz="2400" dirty="0"/>
-              <a:t> </a:t>
-            </a:r>
-            <a:r>
-              <a:rPr lang="de-DE" sz="2400" dirty="0" err="1"/>
-              <a:t>terms</a:t>
-            </a:r>
-            <a:r>
-              <a:rPr lang="de-DE" sz="2400" dirty="0"/>
-              <a:t> </a:t>
-            </a:r>
-            <a:r>
-              <a:rPr lang="de-DE" sz="2400" dirty="0" err="1"/>
-              <a:t>of</a:t>
-            </a:r>
-            <a:r>
-              <a:rPr lang="de-DE" sz="2400" dirty="0"/>
-              <a:t> GitHub </a:t>
-            </a:r>
-          </a:p>
-          <a:p>
-            <a:r>
-              <a:rPr lang="de-DE" sz="2400" dirty="0"/>
-              <a:t> </a:t>
-            </a:r>
-          </a:p>
-        </p:txBody>
-      </p:sp>
-    </p:spTree>
-    <p:extLst>
-      <p:ext uri="{BB962C8B-B14F-4D97-AF65-F5344CB8AC3E}">
-        <p14:creationId xmlns:p14="http://schemas.microsoft.com/office/powerpoint/2010/main" val="1097715251"/>
-      </p:ext>
-    </p:extLst>
-  </p:cSld>
-  <p:clrMapOvr>
-    <a:masterClrMapping/>
-  </p:clrMapOvr>
-</p:sld>
-</file>
-
-<file path=ppt/slides/slide4.xml><?xml version="1.0" encoding="utf-8"?>
+<file path=ppt/slides/slide5.xml><?xml version="1.0" encoding="utf-8"?>
 <p:sld xmlns:a="http://schemas.openxmlformats.org/drawingml/2006/main" xmlns:r="http://schemas.openxmlformats.org/officeDocument/2006/relationships" xmlns:p="http://schemas.openxmlformats.org/presentationml/2006/main">
   <p:cSld>
     <p:spTree>
@@ -6511,188 +7109,6 @@
     <p:extLst>
       <p:ext uri="{BB962C8B-B14F-4D97-AF65-F5344CB8AC3E}">
         <p14:creationId xmlns:p14="http://schemas.microsoft.com/office/powerpoint/2010/main" val="1753521157"/>
-      </p:ext>
-    </p:extLst>
-  </p:cSld>
-  <p:clrMapOvr>
-    <a:masterClrMapping/>
-  </p:clrMapOvr>
-</p:sld>
-</file>
-
-<file path=ppt/slides/slide5.xml><?xml version="1.0" encoding="utf-8"?>
-<p:sld xmlns:a="http://schemas.openxmlformats.org/drawingml/2006/main" xmlns:r="http://schemas.openxmlformats.org/officeDocument/2006/relationships" xmlns:p="http://schemas.openxmlformats.org/presentationml/2006/main">
-  <p:cSld>
-    <p:spTree>
-      <p:nvGrpSpPr>
-        <p:cNvPr id="1" name=""/>
-        <p:cNvGrpSpPr/>
-        <p:nvPr/>
-      </p:nvGrpSpPr>
-      <p:grpSpPr>
-        <a:xfrm>
-          <a:off x="0" y="0"/>
-          <a:ext cx="0" cy="0"/>
-          <a:chOff x="0" y="0"/>
-          <a:chExt cx="0" cy="0"/>
-        </a:xfrm>
-      </p:grpSpPr>
-      <p:sp>
-        <p:nvSpPr>
-          <p:cNvPr id="2" name="Titel 1">
-            <a:extLst>
-              <a:ext uri="{FF2B5EF4-FFF2-40B4-BE49-F238E27FC236}">
-                <a16:creationId xmlns:a16="http://schemas.microsoft.com/office/drawing/2014/main" id="{6931AC52-614A-7BE7-E297-1DDF3C885E03}"/>
-              </a:ext>
-            </a:extLst>
-          </p:cNvPr>
-          <p:cNvSpPr>
-            <a:spLocks noGrp="1"/>
-          </p:cNvSpPr>
-          <p:nvPr>
-            <p:ph type="title"/>
-          </p:nvPr>
-        </p:nvSpPr>
-        <p:spPr/>
-        <p:txBody>
-          <a:bodyPr/>
-          <a:lstStyle/>
-          <a:p>
-            <a:r>
-              <a:rPr lang="de-DE" dirty="0"/>
-              <a:t>Bayes Theory </a:t>
-            </a:r>
-            <a:r>
-              <a:rPr lang="de-DE" dirty="0" err="1"/>
-              <a:t>Introduction</a:t>
-            </a:r>
-            <a:endParaRPr lang="en-DE" dirty="0"/>
-          </a:p>
-        </p:txBody>
-      </p:sp>
-      <p:sp>
-        <p:nvSpPr>
-          <p:cNvPr id="4" name="Fußzeilenplatzhalter 3">
-            <a:extLst>
-              <a:ext uri="{FF2B5EF4-FFF2-40B4-BE49-F238E27FC236}">
-                <a16:creationId xmlns:a16="http://schemas.microsoft.com/office/drawing/2014/main" id="{34AECC3C-84EB-976F-5823-31791061FC57}"/>
-              </a:ext>
-            </a:extLst>
-          </p:cNvPr>
-          <p:cNvSpPr>
-            <a:spLocks noGrp="1"/>
-          </p:cNvSpPr>
-          <p:nvPr>
-            <p:ph type="ftr" sz="quarter" idx="11"/>
-          </p:nvPr>
-        </p:nvSpPr>
-        <p:spPr/>
-        <p:txBody>
-          <a:bodyPr/>
-          <a:lstStyle/>
-          <a:p>
-            <a:r>
-              <a:rPr lang="en-US"/>
-              <a:t>Introduction Bioinformatics, Dr. Denise Welsch</a:t>
-            </a:r>
-            <a:endParaRPr lang="en-DE"/>
-          </a:p>
-        </p:txBody>
-      </p:sp>
-      <p:pic>
-        <p:nvPicPr>
-          <p:cNvPr id="6" name="Grafik 5">
-            <a:extLst>
-              <a:ext uri="{FF2B5EF4-FFF2-40B4-BE49-F238E27FC236}">
-                <a16:creationId xmlns:a16="http://schemas.microsoft.com/office/drawing/2014/main" id="{CD81C31A-52DB-E113-9516-ABA6F3773FE4}"/>
-              </a:ext>
-            </a:extLst>
-          </p:cNvPr>
-          <p:cNvPicPr>
-            <a:picLocks noChangeAspect="1"/>
-          </p:cNvPicPr>
-          <p:nvPr/>
-        </p:nvPicPr>
-        <p:blipFill>
-          <a:blip r:embed="rId2"/>
-          <a:stretch>
-            <a:fillRect/>
-          </a:stretch>
-        </p:blipFill>
-        <p:spPr>
-          <a:xfrm>
-            <a:off x="3378313" y="2040657"/>
-            <a:ext cx="5435374" cy="3848650"/>
-          </a:xfrm>
-          <a:prstGeom prst="rect">
-            <a:avLst/>
-          </a:prstGeom>
-        </p:spPr>
-      </p:pic>
-      <p:sp>
-        <p:nvSpPr>
-          <p:cNvPr id="3" name="Textfeld 2">
-            <a:extLst>
-              <a:ext uri="{FF2B5EF4-FFF2-40B4-BE49-F238E27FC236}">
-                <a16:creationId xmlns:a16="http://schemas.microsoft.com/office/drawing/2014/main" id="{415C6C6F-C8A1-92B3-8FA5-84D5A1CC0296}"/>
-              </a:ext>
-            </a:extLst>
-          </p:cNvPr>
-          <p:cNvSpPr txBox="1"/>
-          <p:nvPr/>
-        </p:nvSpPr>
-        <p:spPr>
-          <a:xfrm>
-            <a:off x="8813687" y="5643086"/>
-            <a:ext cx="1895071" cy="246221"/>
-          </a:xfrm>
-          <a:prstGeom prst="rect">
-            <a:avLst/>
-          </a:prstGeom>
-          <a:noFill/>
-        </p:spPr>
-        <p:txBody>
-          <a:bodyPr wrap="none" rtlCol="0">
-            <a:spAutoFit/>
-          </a:bodyPr>
-          <a:lstStyle/>
-          <a:p>
-            <a:r>
-              <a:rPr lang="de-DE" sz="1000" dirty="0"/>
-              <a:t>All </a:t>
-            </a:r>
-            <a:r>
-              <a:rPr lang="de-DE" sz="1000" dirty="0" err="1"/>
-              <a:t>of</a:t>
-            </a:r>
-            <a:r>
-              <a:rPr lang="de-DE" sz="1000" dirty="0"/>
-              <a:t> </a:t>
-            </a:r>
-            <a:r>
-              <a:rPr lang="de-DE" sz="1000" dirty="0" err="1"/>
-              <a:t>Statistics</a:t>
-            </a:r>
-            <a:r>
-              <a:rPr lang="de-DE" sz="1000" dirty="0"/>
-              <a:t>, </a:t>
-            </a:r>
-            <a:r>
-              <a:rPr lang="de-DE" sz="1000" dirty="0" err="1"/>
-              <a:t>Wasseman</a:t>
-            </a:r>
-            <a:r>
-              <a:rPr lang="de-DE" sz="1000" dirty="0"/>
-              <a:t>, 2004</a:t>
-            </a:r>
-            <a:endParaRPr lang="en-DE" sz="1000" dirty="0"/>
-          </a:p>
-        </p:txBody>
-      </p:sp>
-    </p:spTree>
-    <p:extLst>
-      <p:ext uri="{BB962C8B-B14F-4D97-AF65-F5344CB8AC3E}">
-        <p14:creationId xmlns:p14="http://schemas.microsoft.com/office/powerpoint/2010/main" val="4139651280"/>
       </p:ext>
     </p:extLst>
   </p:cSld>
@@ -6724,6 +7140,188 @@
           <p:cNvPr id="2" name="Titel 1">
             <a:extLst>
               <a:ext uri="{FF2B5EF4-FFF2-40B4-BE49-F238E27FC236}">
+                <a16:creationId xmlns:a16="http://schemas.microsoft.com/office/drawing/2014/main" id="{6931AC52-614A-7BE7-E297-1DDF3C885E03}"/>
+              </a:ext>
+            </a:extLst>
+          </p:cNvPr>
+          <p:cNvSpPr>
+            <a:spLocks noGrp="1"/>
+          </p:cNvSpPr>
+          <p:nvPr>
+            <p:ph type="title"/>
+          </p:nvPr>
+        </p:nvSpPr>
+        <p:spPr/>
+        <p:txBody>
+          <a:bodyPr/>
+          <a:lstStyle/>
+          <a:p>
+            <a:r>
+              <a:rPr lang="de-DE" dirty="0"/>
+              <a:t>Bayes Theory </a:t>
+            </a:r>
+            <a:r>
+              <a:rPr lang="de-DE" dirty="0" err="1"/>
+              <a:t>Introduction</a:t>
+            </a:r>
+            <a:endParaRPr lang="en-DE" dirty="0"/>
+          </a:p>
+        </p:txBody>
+      </p:sp>
+      <p:sp>
+        <p:nvSpPr>
+          <p:cNvPr id="4" name="Fußzeilenplatzhalter 3">
+            <a:extLst>
+              <a:ext uri="{FF2B5EF4-FFF2-40B4-BE49-F238E27FC236}">
+                <a16:creationId xmlns:a16="http://schemas.microsoft.com/office/drawing/2014/main" id="{34AECC3C-84EB-976F-5823-31791061FC57}"/>
+              </a:ext>
+            </a:extLst>
+          </p:cNvPr>
+          <p:cNvSpPr>
+            <a:spLocks noGrp="1"/>
+          </p:cNvSpPr>
+          <p:nvPr>
+            <p:ph type="ftr" sz="quarter" idx="11"/>
+          </p:nvPr>
+        </p:nvSpPr>
+        <p:spPr/>
+        <p:txBody>
+          <a:bodyPr/>
+          <a:lstStyle/>
+          <a:p>
+            <a:r>
+              <a:rPr lang="en-US"/>
+              <a:t>Introduction Bioinformatics, Dr. Denise Welsch</a:t>
+            </a:r>
+            <a:endParaRPr lang="en-DE"/>
+          </a:p>
+        </p:txBody>
+      </p:sp>
+      <p:pic>
+        <p:nvPicPr>
+          <p:cNvPr id="6" name="Grafik 5">
+            <a:extLst>
+              <a:ext uri="{FF2B5EF4-FFF2-40B4-BE49-F238E27FC236}">
+                <a16:creationId xmlns:a16="http://schemas.microsoft.com/office/drawing/2014/main" id="{CD81C31A-52DB-E113-9516-ABA6F3773FE4}"/>
+              </a:ext>
+            </a:extLst>
+          </p:cNvPr>
+          <p:cNvPicPr>
+            <a:picLocks noChangeAspect="1"/>
+          </p:cNvPicPr>
+          <p:nvPr/>
+        </p:nvPicPr>
+        <p:blipFill>
+          <a:blip r:embed="rId2"/>
+          <a:stretch>
+            <a:fillRect/>
+          </a:stretch>
+        </p:blipFill>
+        <p:spPr>
+          <a:xfrm>
+            <a:off x="3378313" y="2040657"/>
+            <a:ext cx="5435374" cy="3848650"/>
+          </a:xfrm>
+          <a:prstGeom prst="rect">
+            <a:avLst/>
+          </a:prstGeom>
+        </p:spPr>
+      </p:pic>
+      <p:sp>
+        <p:nvSpPr>
+          <p:cNvPr id="3" name="Textfeld 2">
+            <a:extLst>
+              <a:ext uri="{FF2B5EF4-FFF2-40B4-BE49-F238E27FC236}">
+                <a16:creationId xmlns:a16="http://schemas.microsoft.com/office/drawing/2014/main" id="{415C6C6F-C8A1-92B3-8FA5-84D5A1CC0296}"/>
+              </a:ext>
+            </a:extLst>
+          </p:cNvPr>
+          <p:cNvSpPr txBox="1"/>
+          <p:nvPr/>
+        </p:nvSpPr>
+        <p:spPr>
+          <a:xfrm>
+            <a:off x="8813687" y="5643086"/>
+            <a:ext cx="1895071" cy="246221"/>
+          </a:xfrm>
+          <a:prstGeom prst="rect">
+            <a:avLst/>
+          </a:prstGeom>
+          <a:noFill/>
+        </p:spPr>
+        <p:txBody>
+          <a:bodyPr wrap="none" rtlCol="0">
+            <a:spAutoFit/>
+          </a:bodyPr>
+          <a:lstStyle/>
+          <a:p>
+            <a:r>
+              <a:rPr lang="de-DE" sz="1000" dirty="0"/>
+              <a:t>All </a:t>
+            </a:r>
+            <a:r>
+              <a:rPr lang="de-DE" sz="1000" dirty="0" err="1"/>
+              <a:t>of</a:t>
+            </a:r>
+            <a:r>
+              <a:rPr lang="de-DE" sz="1000" dirty="0"/>
+              <a:t> </a:t>
+            </a:r>
+            <a:r>
+              <a:rPr lang="de-DE" sz="1000" dirty="0" err="1"/>
+              <a:t>Statistics</a:t>
+            </a:r>
+            <a:r>
+              <a:rPr lang="de-DE" sz="1000" dirty="0"/>
+              <a:t>, </a:t>
+            </a:r>
+            <a:r>
+              <a:rPr lang="de-DE" sz="1000" dirty="0" err="1"/>
+              <a:t>Wasseman</a:t>
+            </a:r>
+            <a:r>
+              <a:rPr lang="de-DE" sz="1000" dirty="0"/>
+              <a:t>, 2004</a:t>
+            </a:r>
+            <a:endParaRPr lang="en-DE" sz="1000" dirty="0"/>
+          </a:p>
+        </p:txBody>
+      </p:sp>
+    </p:spTree>
+    <p:extLst>
+      <p:ext uri="{BB962C8B-B14F-4D97-AF65-F5344CB8AC3E}">
+        <p14:creationId xmlns:p14="http://schemas.microsoft.com/office/powerpoint/2010/main" val="4139651280"/>
+      </p:ext>
+    </p:extLst>
+  </p:cSld>
+  <p:clrMapOvr>
+    <a:masterClrMapping/>
+  </p:clrMapOvr>
+</p:sld>
+</file>
+
+<file path=ppt/slides/slide7.xml><?xml version="1.0" encoding="utf-8"?>
+<p:sld xmlns:a="http://schemas.openxmlformats.org/drawingml/2006/main" xmlns:r="http://schemas.openxmlformats.org/officeDocument/2006/relationships" xmlns:p="http://schemas.openxmlformats.org/presentationml/2006/main">
+  <p:cSld>
+    <p:spTree>
+      <p:nvGrpSpPr>
+        <p:cNvPr id="1" name=""/>
+        <p:cNvGrpSpPr/>
+        <p:nvPr/>
+      </p:nvGrpSpPr>
+      <p:grpSpPr>
+        <a:xfrm>
+          <a:off x="0" y="0"/>
+          <a:ext cx="0" cy="0"/>
+          <a:chOff x="0" y="0"/>
+          <a:chExt cx="0" cy="0"/>
+        </a:xfrm>
+      </p:grpSpPr>
+      <p:sp>
+        <p:nvSpPr>
+          <p:cNvPr id="2" name="Titel 1">
+            <a:extLst>
+              <a:ext uri="{FF2B5EF4-FFF2-40B4-BE49-F238E27FC236}">
                 <a16:creationId xmlns:a16="http://schemas.microsoft.com/office/drawing/2014/main" id="{566925AE-7463-091A-A61F-D93D14E729FE}"/>
               </a:ext>
             </a:extLst>
@@ -6884,7 +7482,7 @@
 </p:sld>
 </file>
 
-<file path=ppt/slides/slide7.xml><?xml version="1.0" encoding="utf-8"?>
+<file path=ppt/slides/slide8.xml><?xml version="1.0" encoding="utf-8"?>
 <p:sld xmlns:a="http://schemas.openxmlformats.org/drawingml/2006/main" xmlns:r="http://schemas.openxmlformats.org/officeDocument/2006/relationships" xmlns:p="http://schemas.openxmlformats.org/presentationml/2006/main">
   <p:cSld>
     <p:spTree>
@@ -7200,7 +7798,7 @@
 </p:sld>
 </file>
 
-<file path=ppt/slides/slide8.xml><?xml version="1.0" encoding="utf-8"?>
+<file path=ppt/slides/slide9.xml><?xml version="1.0" encoding="utf-8"?>
 <p:sld xmlns:a="http://schemas.openxmlformats.org/drawingml/2006/main" xmlns:r="http://schemas.openxmlformats.org/officeDocument/2006/relationships" xmlns:p="http://schemas.openxmlformats.org/presentationml/2006/main">
   <p:cSld>
     <p:spTree>
@@ -7373,304 +7971,6 @@
     <p:extLst>
       <p:ext uri="{BB962C8B-B14F-4D97-AF65-F5344CB8AC3E}">
         <p14:creationId xmlns:p14="http://schemas.microsoft.com/office/powerpoint/2010/main" val="2402186498"/>
-      </p:ext>
-    </p:extLst>
-  </p:cSld>
-  <p:clrMapOvr>
-    <a:masterClrMapping/>
-  </p:clrMapOvr>
-</p:sld>
-</file>
-
-<file path=ppt/slides/slide9.xml><?xml version="1.0" encoding="utf-8"?>
-<p:sld xmlns:a="http://schemas.openxmlformats.org/drawingml/2006/main" xmlns:r="http://schemas.openxmlformats.org/officeDocument/2006/relationships" xmlns:p="http://schemas.openxmlformats.org/presentationml/2006/main">
-  <p:cSld>
-    <p:spTree>
-      <p:nvGrpSpPr>
-        <p:cNvPr id="1" name=""/>
-        <p:cNvGrpSpPr/>
-        <p:nvPr/>
-      </p:nvGrpSpPr>
-      <p:grpSpPr>
-        <a:xfrm>
-          <a:off x="0" y="0"/>
-          <a:ext cx="0" cy="0"/>
-          <a:chOff x="0" y="0"/>
-          <a:chExt cx="0" cy="0"/>
-        </a:xfrm>
-      </p:grpSpPr>
-      <p:sp>
-        <p:nvSpPr>
-          <p:cNvPr id="2" name="Titel 1">
-            <a:extLst>
-              <a:ext uri="{FF2B5EF4-FFF2-40B4-BE49-F238E27FC236}">
-                <a16:creationId xmlns:a16="http://schemas.microsoft.com/office/drawing/2014/main" id="{81264B19-BEA1-341E-A167-7776CBBEA8E5}"/>
-              </a:ext>
-            </a:extLst>
-          </p:cNvPr>
-          <p:cNvSpPr>
-            <a:spLocks noGrp="1"/>
-          </p:cNvSpPr>
-          <p:nvPr>
-            <p:ph type="title"/>
-          </p:nvPr>
-        </p:nvSpPr>
-        <p:spPr/>
-        <p:txBody>
-          <a:bodyPr/>
-          <a:lstStyle/>
-          <a:p>
-            <a:r>
-              <a:rPr lang="de-DE" dirty="0"/>
-              <a:t>Bayes Theory </a:t>
-            </a:r>
-            <a:r>
-              <a:rPr lang="de-DE" dirty="0" err="1"/>
-              <a:t>Introduction</a:t>
-            </a:r>
-            <a:endParaRPr lang="en-DE" dirty="0"/>
-          </a:p>
-        </p:txBody>
-      </p:sp>
-      <p:sp>
-        <p:nvSpPr>
-          <p:cNvPr id="4" name="Fußzeilenplatzhalter 3">
-            <a:extLst>
-              <a:ext uri="{FF2B5EF4-FFF2-40B4-BE49-F238E27FC236}">
-                <a16:creationId xmlns:a16="http://schemas.microsoft.com/office/drawing/2014/main" id="{AE13EFB2-E920-7F98-14C2-9D2B40D9DE22}"/>
-              </a:ext>
-            </a:extLst>
-          </p:cNvPr>
-          <p:cNvSpPr>
-            <a:spLocks noGrp="1"/>
-          </p:cNvSpPr>
-          <p:nvPr>
-            <p:ph type="ftr" sz="quarter" idx="11"/>
-          </p:nvPr>
-        </p:nvSpPr>
-        <p:spPr/>
-        <p:txBody>
-          <a:bodyPr/>
-          <a:lstStyle/>
-          <a:p>
-            <a:r>
-              <a:rPr lang="en-US"/>
-              <a:t>Introduction Bioinformatics, Dr. Denise Welsch</a:t>
-            </a:r>
-            <a:endParaRPr lang="en-DE"/>
-          </a:p>
-        </p:txBody>
-      </p:sp>
-      <p:pic>
-        <p:nvPicPr>
-          <p:cNvPr id="6" name="Grafik 5">
-            <a:extLst>
-              <a:ext uri="{FF2B5EF4-FFF2-40B4-BE49-F238E27FC236}">
-                <a16:creationId xmlns:a16="http://schemas.microsoft.com/office/drawing/2014/main" id="{0199B530-74FD-1F90-8468-9578F13D851C}"/>
-              </a:ext>
-            </a:extLst>
-          </p:cNvPr>
-          <p:cNvPicPr>
-            <a:picLocks noChangeAspect="1"/>
-          </p:cNvPicPr>
-          <p:nvPr/>
-        </p:nvPicPr>
-        <p:blipFill>
-          <a:blip r:embed="rId2"/>
-          <a:stretch>
-            <a:fillRect/>
-          </a:stretch>
-        </p:blipFill>
-        <p:spPr>
-          <a:xfrm>
-            <a:off x="2971799" y="2774497"/>
-            <a:ext cx="6402639" cy="1775732"/>
-          </a:xfrm>
-          <a:prstGeom prst="rect">
-            <a:avLst/>
-          </a:prstGeom>
-        </p:spPr>
-      </p:pic>
-      <p:sp>
-        <p:nvSpPr>
-          <p:cNvPr id="7" name="Textfeld 6">
-            <a:extLst>
-              <a:ext uri="{FF2B5EF4-FFF2-40B4-BE49-F238E27FC236}">
-                <a16:creationId xmlns:a16="http://schemas.microsoft.com/office/drawing/2014/main" id="{7D58B874-E407-B5CA-5F40-1EC12E16AE88}"/>
-              </a:ext>
-            </a:extLst>
-          </p:cNvPr>
-          <p:cNvSpPr txBox="1"/>
-          <p:nvPr/>
-        </p:nvSpPr>
-        <p:spPr>
-          <a:xfrm>
-            <a:off x="838200" y="5634038"/>
-            <a:ext cx="7088287" cy="369332"/>
-          </a:xfrm>
-          <a:prstGeom prst="rect">
-            <a:avLst/>
-          </a:prstGeom>
-          <a:noFill/>
-        </p:spPr>
-        <p:txBody>
-          <a:bodyPr wrap="none" rtlCol="0">
-            <a:spAutoFit/>
-          </a:bodyPr>
-          <a:lstStyle/>
-          <a:p>
-            <a:r>
-              <a:rPr lang="de-DE" dirty="0"/>
-              <a:t>Out </a:t>
-            </a:r>
-            <a:r>
-              <a:rPr lang="de-DE" dirty="0" err="1"/>
-              <a:t>of</a:t>
-            </a:r>
-            <a:r>
-              <a:rPr lang="de-DE" dirty="0"/>
-              <a:t> </a:t>
-            </a:r>
-            <a:r>
-              <a:rPr lang="de-DE" dirty="0" err="1"/>
-              <a:t>the</a:t>
-            </a:r>
-            <a:r>
-              <a:rPr lang="de-DE" dirty="0"/>
-              <a:t> </a:t>
-            </a:r>
-            <a:r>
-              <a:rPr lang="de-DE" dirty="0" err="1"/>
-              <a:t>posterior</a:t>
-            </a:r>
-            <a:r>
-              <a:rPr lang="de-DE" dirty="0"/>
-              <a:t>, </a:t>
-            </a:r>
-            <a:r>
-              <a:rPr lang="de-DE" dirty="0" err="1"/>
-              <a:t>we</a:t>
-            </a:r>
-            <a:r>
-              <a:rPr lang="de-DE" dirty="0"/>
-              <a:t> </a:t>
-            </a:r>
-            <a:r>
-              <a:rPr lang="de-DE" dirty="0" err="1"/>
-              <a:t>build</a:t>
-            </a:r>
-            <a:r>
-              <a:rPr lang="de-DE" dirty="0"/>
-              <a:t> </a:t>
-            </a:r>
-            <a:r>
-              <a:rPr lang="de-DE" dirty="0" err="1"/>
-              <a:t>credibility</a:t>
-            </a:r>
-            <a:r>
-              <a:rPr lang="de-DE" dirty="0"/>
-              <a:t> </a:t>
-            </a:r>
-            <a:r>
-              <a:rPr lang="de-DE" dirty="0" err="1"/>
-              <a:t>intervals</a:t>
-            </a:r>
-            <a:r>
-              <a:rPr lang="de-DE" dirty="0"/>
-              <a:t> and </a:t>
-            </a:r>
-            <a:r>
-              <a:rPr lang="de-DE" dirty="0" err="1"/>
-              <a:t>methods</a:t>
-            </a:r>
-            <a:r>
-              <a:rPr lang="de-DE" dirty="0"/>
-              <a:t> </a:t>
-            </a:r>
-            <a:r>
-              <a:rPr lang="de-DE" dirty="0" err="1"/>
-              <a:t>for</a:t>
-            </a:r>
-            <a:r>
-              <a:rPr lang="de-DE" dirty="0"/>
-              <a:t> </a:t>
-            </a:r>
-            <a:r>
-              <a:rPr lang="de-DE" dirty="0" err="1"/>
-              <a:t>testing</a:t>
-            </a:r>
-            <a:r>
-              <a:rPr lang="de-DE" dirty="0"/>
-              <a:t>.</a:t>
-            </a:r>
-            <a:endParaRPr lang="en-DE" dirty="0"/>
-          </a:p>
-        </p:txBody>
-      </p:sp>
-      <p:sp>
-        <p:nvSpPr>
-          <p:cNvPr id="3" name="Textfeld 2">
-            <a:extLst>
-              <a:ext uri="{FF2B5EF4-FFF2-40B4-BE49-F238E27FC236}">
-                <a16:creationId xmlns:a16="http://schemas.microsoft.com/office/drawing/2014/main" id="{B6763287-FADE-E333-3565-491543327CB2}"/>
-              </a:ext>
-            </a:extLst>
-          </p:cNvPr>
-          <p:cNvSpPr txBox="1"/>
-          <p:nvPr/>
-        </p:nvSpPr>
-        <p:spPr>
-          <a:xfrm>
-            <a:off x="9518072" y="5305492"/>
-            <a:ext cx="1895071" cy="246221"/>
-          </a:xfrm>
-          <a:prstGeom prst="rect">
-            <a:avLst/>
-          </a:prstGeom>
-          <a:noFill/>
-        </p:spPr>
-        <p:txBody>
-          <a:bodyPr wrap="none" rtlCol="0">
-            <a:spAutoFit/>
-          </a:bodyPr>
-          <a:lstStyle/>
-          <a:p>
-            <a:r>
-              <a:rPr lang="de-DE" sz="1000" dirty="0"/>
-              <a:t>All </a:t>
-            </a:r>
-            <a:r>
-              <a:rPr lang="de-DE" sz="1000" dirty="0" err="1"/>
-              <a:t>of</a:t>
-            </a:r>
-            <a:r>
-              <a:rPr lang="de-DE" sz="1000" dirty="0"/>
-              <a:t> </a:t>
-            </a:r>
-            <a:r>
-              <a:rPr lang="de-DE" sz="1000" dirty="0" err="1"/>
-              <a:t>Statistics</a:t>
-            </a:r>
-            <a:r>
-              <a:rPr lang="de-DE" sz="1000" dirty="0"/>
-              <a:t>, </a:t>
-            </a:r>
-            <a:r>
-              <a:rPr lang="de-DE" sz="1000" dirty="0" err="1"/>
-              <a:t>Wasseman</a:t>
-            </a:r>
-            <a:r>
-              <a:rPr lang="de-DE" sz="1000" dirty="0"/>
-              <a:t>, 2004</a:t>
-            </a:r>
-            <a:endParaRPr lang="en-DE" sz="1000" dirty="0"/>
-          </a:p>
-        </p:txBody>
-      </p:sp>
-    </p:spTree>
-    <p:extLst>
-      <p:ext uri="{BB962C8B-B14F-4D97-AF65-F5344CB8AC3E}">
-        <p14:creationId xmlns:p14="http://schemas.microsoft.com/office/powerpoint/2010/main" val="1493391760"/>
       </p:ext>
     </p:extLst>
   </p:cSld>
